--- a/Python/Python.pptx
+++ b/Python/Python.pptx
@@ -126,7 +126,7 @@
 <file path=ppt/revisionInfo.xml><?xml version="1.0" encoding="utf-8"?>
 <p1510:revInfo xmlns:a="http://schemas.openxmlformats.org/drawingml/2006/main" xmlns:r="http://schemas.openxmlformats.org/officeDocument/2006/relationships" xmlns:p1510="http://schemas.microsoft.com/office/powerpoint/2015/10/main">
   <p1510:revLst>
-    <p1510:client id="{1063120D-5F62-4757-983B-415BE39767EF}" v="2" dt="2024-03-12T12:06:11.495"/>
+    <p1510:client id="{882776F1-6D74-4F8D-9BB4-CEA38D7F16BE}" v="12" dt="2024-04-02T11:32:52.585"/>
   </p1510:revLst>
 </p1510:revInfo>
 </file>
@@ -324,6 +324,1434 @@
       </pc:sldChg>
     </pc:docChg>
   </pc:docChgLst>
+  <pc:docChgLst>
+    <pc:chgData name="Abhishek Pandey C" userId="719bcc0d-fd0b-4ed3-8a8c-d6a3676db542" providerId="ADAL" clId="{882776F1-6D74-4F8D-9BB4-CEA38D7F16BE}"/>
+    <pc:docChg chg="undo redo custSel modSld modMainMaster">
+      <pc:chgData name="Abhishek Pandey C" userId="719bcc0d-fd0b-4ed3-8a8c-d6a3676db542" providerId="ADAL" clId="{882776F1-6D74-4F8D-9BB4-CEA38D7F16BE}" dt="2024-04-02T11:37:23.013" v="231" actId="14100"/>
+      <pc:docMkLst>
+        <pc:docMk/>
+      </pc:docMkLst>
+      <pc:sldChg chg="addSp modSp delDesignElem">
+        <pc:chgData name="Abhishek Pandey C" userId="719bcc0d-fd0b-4ed3-8a8c-d6a3676db542" providerId="ADAL" clId="{882776F1-6D74-4F8D-9BB4-CEA38D7F16BE}" dt="2024-04-02T11:29:30.299" v="195"/>
+        <pc:sldMkLst>
+          <pc:docMk/>
+          <pc:sldMk cId="2031764257" sldId="257"/>
+        </pc:sldMkLst>
+        <pc:spChg chg="mod">
+          <ac:chgData name="Abhishek Pandey C" userId="719bcc0d-fd0b-4ed3-8a8c-d6a3676db542" providerId="ADAL" clId="{882776F1-6D74-4F8D-9BB4-CEA38D7F16BE}" dt="2024-04-02T11:29:30.299" v="195"/>
+          <ac:spMkLst>
+            <pc:docMk/>
+            <pc:sldMk cId="2031764257" sldId="257"/>
+            <ac:spMk id="3" creationId="{F90AA37A-5192-0CC0-8D1E-3489D2E11B04}"/>
+          </ac:spMkLst>
+        </pc:spChg>
+        <pc:spChg chg="add mod">
+          <ac:chgData name="Abhishek Pandey C" userId="719bcc0d-fd0b-4ed3-8a8c-d6a3676db542" providerId="ADAL" clId="{882776F1-6D74-4F8D-9BB4-CEA38D7F16BE}" dt="2024-04-02T11:29:30.299" v="195"/>
+          <ac:spMkLst>
+            <pc:docMk/>
+            <pc:sldMk cId="2031764257" sldId="257"/>
+            <ac:spMk id="8" creationId="{A8DB9CD9-59B1-4D73-BC4C-98796A48EF9B}"/>
+          </ac:spMkLst>
+        </pc:spChg>
+        <pc:spChg chg="add mod">
+          <ac:chgData name="Abhishek Pandey C" userId="719bcc0d-fd0b-4ed3-8a8c-d6a3676db542" providerId="ADAL" clId="{882776F1-6D74-4F8D-9BB4-CEA38D7F16BE}" dt="2024-04-02T11:29:30.299" v="195"/>
+          <ac:spMkLst>
+            <pc:docMk/>
+            <pc:sldMk cId="2031764257" sldId="257"/>
+            <ac:spMk id="10" creationId="{8874A6A9-41FF-4E33-AFA8-F9F81436A59E}"/>
+          </ac:spMkLst>
+        </pc:spChg>
+        <pc:spChg chg="mod">
+          <ac:chgData name="Abhishek Pandey C" userId="719bcc0d-fd0b-4ed3-8a8c-d6a3676db542" providerId="ADAL" clId="{882776F1-6D74-4F8D-9BB4-CEA38D7F16BE}" dt="2024-04-02T11:29:30.299" v="195"/>
+          <ac:spMkLst>
+            <pc:docMk/>
+            <pc:sldMk cId="2031764257" sldId="257"/>
+            <ac:spMk id="13" creationId="{B3849C6A-9EE5-4604-8EAE-DD4796B79D8E}"/>
+          </ac:spMkLst>
+        </pc:spChg>
+        <pc:spChg chg="mod">
+          <ac:chgData name="Abhishek Pandey C" userId="719bcc0d-fd0b-4ed3-8a8c-d6a3676db542" providerId="ADAL" clId="{882776F1-6D74-4F8D-9BB4-CEA38D7F16BE}" dt="2024-04-02T11:29:30.299" v="195"/>
+          <ac:spMkLst>
+            <pc:docMk/>
+            <pc:sldMk cId="2031764257" sldId="257"/>
+            <ac:spMk id="14" creationId="{308677BE-069B-4A4D-8732-E26B6EF5671A}"/>
+          </ac:spMkLst>
+        </pc:spChg>
+        <pc:spChg chg="mod">
+          <ac:chgData name="Abhishek Pandey C" userId="719bcc0d-fd0b-4ed3-8a8c-d6a3676db542" providerId="ADAL" clId="{882776F1-6D74-4F8D-9BB4-CEA38D7F16BE}" dt="2024-04-02T11:29:30.299" v="195"/>
+          <ac:spMkLst>
+            <pc:docMk/>
+            <pc:sldMk cId="2031764257" sldId="257"/>
+            <ac:spMk id="15" creationId="{9A9A575B-DD07-4388-963B-0AF3FDDCF3C0}"/>
+          </ac:spMkLst>
+        </pc:spChg>
+        <pc:spChg chg="mod">
+          <ac:chgData name="Abhishek Pandey C" userId="719bcc0d-fd0b-4ed3-8a8c-d6a3676db542" providerId="ADAL" clId="{882776F1-6D74-4F8D-9BB4-CEA38D7F16BE}" dt="2024-04-02T11:29:30.299" v="195"/>
+          <ac:spMkLst>
+            <pc:docMk/>
+            <pc:sldMk cId="2031764257" sldId="257"/>
+            <ac:spMk id="16" creationId="{D55285E4-21EB-4EC1-AB8E-36E881E89927}"/>
+          </ac:spMkLst>
+        </pc:spChg>
+        <pc:spChg chg="mod">
+          <ac:chgData name="Abhishek Pandey C" userId="719bcc0d-fd0b-4ed3-8a8c-d6a3676db542" providerId="ADAL" clId="{882776F1-6D74-4F8D-9BB4-CEA38D7F16BE}" dt="2024-04-02T11:29:30.299" v="195"/>
+          <ac:spMkLst>
+            <pc:docMk/>
+            <pc:sldMk cId="2031764257" sldId="257"/>
+            <ac:spMk id="17" creationId="{6A0C77B5-3FAA-4D4F-9555-89D751608873}"/>
+          </ac:spMkLst>
+        </pc:spChg>
+        <pc:spChg chg="mod">
+          <ac:chgData name="Abhishek Pandey C" userId="719bcc0d-fd0b-4ed3-8a8c-d6a3676db542" providerId="ADAL" clId="{882776F1-6D74-4F8D-9BB4-CEA38D7F16BE}" dt="2024-04-02T11:29:30.299" v="195"/>
+          <ac:spMkLst>
+            <pc:docMk/>
+            <pc:sldMk cId="2031764257" sldId="257"/>
+            <ac:spMk id="18" creationId="{5F0C96D1-A8B7-4C8E-9997-D823FD1591F9}"/>
+          </ac:spMkLst>
+        </pc:spChg>
+        <pc:spChg chg="mod">
+          <ac:chgData name="Abhishek Pandey C" userId="719bcc0d-fd0b-4ed3-8a8c-d6a3676db542" providerId="ADAL" clId="{882776F1-6D74-4F8D-9BB4-CEA38D7F16BE}" dt="2024-04-02T11:29:30.299" v="195"/>
+          <ac:spMkLst>
+            <pc:docMk/>
+            <pc:sldMk cId="2031764257" sldId="257"/>
+            <ac:spMk id="19" creationId="{DA46556D-445B-4CD0-87A0-02A30BD1B152}"/>
+          </ac:spMkLst>
+        </pc:spChg>
+        <pc:grpChg chg="add mod">
+          <ac:chgData name="Abhishek Pandey C" userId="719bcc0d-fd0b-4ed3-8a8c-d6a3676db542" providerId="ADAL" clId="{882776F1-6D74-4F8D-9BB4-CEA38D7F16BE}" dt="2024-04-02T11:29:30.299" v="195"/>
+          <ac:grpSpMkLst>
+            <pc:docMk/>
+            <pc:sldMk cId="2031764257" sldId="257"/>
+            <ac:grpSpMk id="12" creationId="{721D730E-1F97-4071-B143-B05E6D2599BC}"/>
+          </ac:grpSpMkLst>
+        </pc:grpChg>
+      </pc:sldChg>
+      <pc:sldChg chg="addSp modSp delDesignElem">
+        <pc:chgData name="Abhishek Pandey C" userId="719bcc0d-fd0b-4ed3-8a8c-d6a3676db542" providerId="ADAL" clId="{882776F1-6D74-4F8D-9BB4-CEA38D7F16BE}" dt="2024-04-02T11:29:30.299" v="195"/>
+        <pc:sldMkLst>
+          <pc:docMk/>
+          <pc:sldMk cId="2408821933" sldId="258"/>
+        </pc:sldMkLst>
+        <pc:spChg chg="mod">
+          <ac:chgData name="Abhishek Pandey C" userId="719bcc0d-fd0b-4ed3-8a8c-d6a3676db542" providerId="ADAL" clId="{882776F1-6D74-4F8D-9BB4-CEA38D7F16BE}" dt="2024-04-02T11:29:30.299" v="195"/>
+          <ac:spMkLst>
+            <pc:docMk/>
+            <pc:sldMk cId="2408821933" sldId="258"/>
+            <ac:spMk id="4" creationId="{FB5F8AFA-1210-72CD-A37A-E1D12FB42454}"/>
+          </ac:spMkLst>
+        </pc:spChg>
+        <pc:spChg chg="add mod">
+          <ac:chgData name="Abhishek Pandey C" userId="719bcc0d-fd0b-4ed3-8a8c-d6a3676db542" providerId="ADAL" clId="{882776F1-6D74-4F8D-9BB4-CEA38D7F16BE}" dt="2024-04-02T11:29:30.299" v="195"/>
+          <ac:spMkLst>
+            <pc:docMk/>
+            <pc:sldMk cId="2408821933" sldId="258"/>
+            <ac:spMk id="25" creationId="{D4771268-CB57-404A-9271-370EB28F6090}"/>
+          </ac:spMkLst>
+        </pc:spChg>
+        <pc:picChg chg="mod">
+          <ac:chgData name="Abhishek Pandey C" userId="719bcc0d-fd0b-4ed3-8a8c-d6a3676db542" providerId="ADAL" clId="{882776F1-6D74-4F8D-9BB4-CEA38D7F16BE}" dt="2024-04-02T11:29:30.299" v="195"/>
+          <ac:picMkLst>
+            <pc:docMk/>
+            <pc:sldMk cId="2408821933" sldId="258"/>
+            <ac:picMk id="3" creationId="{0E3C28F7-EC05-89B5-1EF9-D097C672EC9C}"/>
+          </ac:picMkLst>
+        </pc:picChg>
+      </pc:sldChg>
+      <pc:sldChg chg="addSp modSp delDesignElem">
+        <pc:chgData name="Abhishek Pandey C" userId="719bcc0d-fd0b-4ed3-8a8c-d6a3676db542" providerId="ADAL" clId="{882776F1-6D74-4F8D-9BB4-CEA38D7F16BE}" dt="2024-04-02T11:29:30.299" v="195"/>
+        <pc:sldMkLst>
+          <pc:docMk/>
+          <pc:sldMk cId="3458651030" sldId="259"/>
+        </pc:sldMkLst>
+        <pc:spChg chg="mod">
+          <ac:chgData name="Abhishek Pandey C" userId="719bcc0d-fd0b-4ed3-8a8c-d6a3676db542" providerId="ADAL" clId="{882776F1-6D74-4F8D-9BB4-CEA38D7F16BE}" dt="2024-04-02T11:29:30.299" v="195"/>
+          <ac:spMkLst>
+            <pc:docMk/>
+            <pc:sldMk cId="3458651030" sldId="259"/>
+            <ac:spMk id="4" creationId="{3FCBE50E-C719-B4D4-5323-AFC61ED2C6C0}"/>
+          </ac:spMkLst>
+        </pc:spChg>
+        <pc:spChg chg="add mod">
+          <ac:chgData name="Abhishek Pandey C" userId="719bcc0d-fd0b-4ed3-8a8c-d6a3676db542" providerId="ADAL" clId="{882776F1-6D74-4F8D-9BB4-CEA38D7F16BE}" dt="2024-04-02T11:29:30.299" v="195"/>
+          <ac:spMkLst>
+            <pc:docMk/>
+            <pc:sldMk cId="3458651030" sldId="259"/>
+            <ac:spMk id="35" creationId="{D4771268-CB57-404A-9271-370EB28F6090}"/>
+          </ac:spMkLst>
+        </pc:spChg>
+        <pc:picChg chg="mod">
+          <ac:chgData name="Abhishek Pandey C" userId="719bcc0d-fd0b-4ed3-8a8c-d6a3676db542" providerId="ADAL" clId="{882776F1-6D74-4F8D-9BB4-CEA38D7F16BE}" dt="2024-04-02T11:29:30.299" v="195"/>
+          <ac:picMkLst>
+            <pc:docMk/>
+            <pc:sldMk cId="3458651030" sldId="259"/>
+            <ac:picMk id="3" creationId="{B4241A15-7EFD-104F-6568-840CB17D4EC5}"/>
+          </ac:picMkLst>
+        </pc:picChg>
+      </pc:sldChg>
+      <pc:sldChg chg="addSp modSp delDesignElem">
+        <pc:chgData name="Abhishek Pandey C" userId="719bcc0d-fd0b-4ed3-8a8c-d6a3676db542" providerId="ADAL" clId="{882776F1-6D74-4F8D-9BB4-CEA38D7F16BE}" dt="2024-04-02T11:29:30.299" v="195"/>
+        <pc:sldMkLst>
+          <pc:docMk/>
+          <pc:sldMk cId="2704026054" sldId="260"/>
+        </pc:sldMkLst>
+        <pc:spChg chg="mod">
+          <ac:chgData name="Abhishek Pandey C" userId="719bcc0d-fd0b-4ed3-8a8c-d6a3676db542" providerId="ADAL" clId="{882776F1-6D74-4F8D-9BB4-CEA38D7F16BE}" dt="2024-04-02T11:29:30.299" v="195"/>
+          <ac:spMkLst>
+            <pc:docMk/>
+            <pc:sldMk cId="2704026054" sldId="260"/>
+            <ac:spMk id="4" creationId="{D4EB4F2A-DFEE-77BE-1864-5296CB200877}"/>
+          </ac:spMkLst>
+        </pc:spChg>
+        <pc:spChg chg="add mod">
+          <ac:chgData name="Abhishek Pandey C" userId="719bcc0d-fd0b-4ed3-8a8c-d6a3676db542" providerId="ADAL" clId="{882776F1-6D74-4F8D-9BB4-CEA38D7F16BE}" dt="2024-04-02T11:29:30.299" v="195"/>
+          <ac:spMkLst>
+            <pc:docMk/>
+            <pc:sldMk cId="2704026054" sldId="260"/>
+            <ac:spMk id="9" creationId="{D4771268-CB57-404A-9271-370EB28F6090}"/>
+          </ac:spMkLst>
+        </pc:spChg>
+        <pc:picChg chg="mod">
+          <ac:chgData name="Abhishek Pandey C" userId="719bcc0d-fd0b-4ed3-8a8c-d6a3676db542" providerId="ADAL" clId="{882776F1-6D74-4F8D-9BB4-CEA38D7F16BE}" dt="2024-04-02T11:29:30.299" v="195"/>
+          <ac:picMkLst>
+            <pc:docMk/>
+            <pc:sldMk cId="2704026054" sldId="260"/>
+            <ac:picMk id="3" creationId="{D9F8A880-B439-7F6D-A1CB-3734BDE7FC6D}"/>
+          </ac:picMkLst>
+        </pc:picChg>
+      </pc:sldChg>
+      <pc:sldChg chg="addSp modSp mod setBg delDesignElem">
+        <pc:chgData name="Abhishek Pandey C" userId="719bcc0d-fd0b-4ed3-8a8c-d6a3676db542" providerId="ADAL" clId="{882776F1-6D74-4F8D-9BB4-CEA38D7F16BE}" dt="2024-04-02T11:29:30.299" v="195"/>
+        <pc:sldMkLst>
+          <pc:docMk/>
+          <pc:sldMk cId="687832123" sldId="261"/>
+        </pc:sldMkLst>
+        <pc:spChg chg="add mod">
+          <ac:chgData name="Abhishek Pandey C" userId="719bcc0d-fd0b-4ed3-8a8c-d6a3676db542" providerId="ADAL" clId="{882776F1-6D74-4F8D-9BB4-CEA38D7F16BE}" dt="2024-04-02T11:29:30.299" v="195"/>
+          <ac:spMkLst>
+            <pc:docMk/>
+            <pc:sldMk cId="687832123" sldId="261"/>
+            <ac:spMk id="8" creationId="{F3060C83-F051-4F0E-ABAD-AA0DFC48B218}"/>
+          </ac:spMkLst>
+        </pc:spChg>
+        <pc:spChg chg="add mod">
+          <ac:chgData name="Abhishek Pandey C" userId="719bcc0d-fd0b-4ed3-8a8c-d6a3676db542" providerId="ADAL" clId="{882776F1-6D74-4F8D-9BB4-CEA38D7F16BE}" dt="2024-04-02T11:29:30.299" v="195"/>
+          <ac:spMkLst>
+            <pc:docMk/>
+            <pc:sldMk cId="687832123" sldId="261"/>
+            <ac:spMk id="10" creationId="{83C98ABE-055B-441F-B07E-44F97F083C39}"/>
+          </ac:spMkLst>
+        </pc:spChg>
+        <pc:spChg chg="add mod">
+          <ac:chgData name="Abhishek Pandey C" userId="719bcc0d-fd0b-4ed3-8a8c-d6a3676db542" providerId="ADAL" clId="{882776F1-6D74-4F8D-9BB4-CEA38D7F16BE}" dt="2024-04-02T11:29:30.299" v="195"/>
+          <ac:spMkLst>
+            <pc:docMk/>
+            <pc:sldMk cId="687832123" sldId="261"/>
+            <ac:spMk id="12" creationId="{29FDB030-9B49-4CED-8CCD-4D99382388AC}"/>
+          </ac:spMkLst>
+        </pc:spChg>
+        <pc:spChg chg="add mod">
+          <ac:chgData name="Abhishek Pandey C" userId="719bcc0d-fd0b-4ed3-8a8c-d6a3676db542" providerId="ADAL" clId="{882776F1-6D74-4F8D-9BB4-CEA38D7F16BE}" dt="2024-04-02T11:29:30.299" v="195"/>
+          <ac:spMkLst>
+            <pc:docMk/>
+            <pc:sldMk cId="687832123" sldId="261"/>
+            <ac:spMk id="14" creationId="{3783CA14-24A1-485C-8B30-D6A5D87987AD}"/>
+          </ac:spMkLst>
+        </pc:spChg>
+        <pc:spChg chg="add mod">
+          <ac:chgData name="Abhishek Pandey C" userId="719bcc0d-fd0b-4ed3-8a8c-d6a3676db542" providerId="ADAL" clId="{882776F1-6D74-4F8D-9BB4-CEA38D7F16BE}" dt="2024-04-02T11:29:30.299" v="195"/>
+          <ac:spMkLst>
+            <pc:docMk/>
+            <pc:sldMk cId="687832123" sldId="261"/>
+            <ac:spMk id="16" creationId="{9A97C86A-04D6-40F7-AE84-31AB43E6A846}"/>
+          </ac:spMkLst>
+        </pc:spChg>
+        <pc:spChg chg="add mod">
+          <ac:chgData name="Abhishek Pandey C" userId="719bcc0d-fd0b-4ed3-8a8c-d6a3676db542" providerId="ADAL" clId="{882776F1-6D74-4F8D-9BB4-CEA38D7F16BE}" dt="2024-04-02T11:29:30.299" v="195"/>
+          <ac:spMkLst>
+            <pc:docMk/>
+            <pc:sldMk cId="687832123" sldId="261"/>
+            <ac:spMk id="18" creationId="{FF9F2414-84E8-453E-B1F3-389FDE8192D9}"/>
+          </ac:spMkLst>
+        </pc:spChg>
+        <pc:spChg chg="add mod">
+          <ac:chgData name="Abhishek Pandey C" userId="719bcc0d-fd0b-4ed3-8a8c-d6a3676db542" providerId="ADAL" clId="{882776F1-6D74-4F8D-9BB4-CEA38D7F16BE}" dt="2024-04-02T11:29:30.299" v="195"/>
+          <ac:spMkLst>
+            <pc:docMk/>
+            <pc:sldMk cId="687832123" sldId="261"/>
+            <ac:spMk id="20" creationId="{3ECA69A1-7536-43AC-85EF-C7106179F5ED}"/>
+          </ac:spMkLst>
+        </pc:spChg>
+        <pc:picChg chg="add mod">
+          <ac:chgData name="Abhishek Pandey C" userId="719bcc0d-fd0b-4ed3-8a8c-d6a3676db542" providerId="ADAL" clId="{882776F1-6D74-4F8D-9BB4-CEA38D7F16BE}" dt="2024-04-02T11:29:30.299" v="195"/>
+          <ac:picMkLst>
+            <pc:docMk/>
+            <pc:sldMk cId="687832123" sldId="261"/>
+            <ac:picMk id="3" creationId="{B4BA79F7-95C1-DECF-BE2E-89BCC990A6F5}"/>
+          </ac:picMkLst>
+        </pc:picChg>
+      </pc:sldChg>
+      <pc:sldChg chg="addSp delSp modSp mod setBg delDesignElem">
+        <pc:chgData name="Abhishek Pandey C" userId="719bcc0d-fd0b-4ed3-8a8c-d6a3676db542" providerId="ADAL" clId="{882776F1-6D74-4F8D-9BB4-CEA38D7F16BE}" dt="2024-04-02T11:29:30.299" v="195"/>
+        <pc:sldMkLst>
+          <pc:docMk/>
+          <pc:sldMk cId="3611775529" sldId="262"/>
+        </pc:sldMkLst>
+        <pc:spChg chg="add mod">
+          <ac:chgData name="Abhishek Pandey C" userId="719bcc0d-fd0b-4ed3-8a8c-d6a3676db542" providerId="ADAL" clId="{882776F1-6D74-4F8D-9BB4-CEA38D7F16BE}" dt="2024-04-02T11:29:30.299" v="195"/>
+          <ac:spMkLst>
+            <pc:docMk/>
+            <pc:sldMk cId="3611775529" sldId="262"/>
+            <ac:spMk id="4" creationId="{4CF3CBB2-C956-89D9-B0BF-B7EA1AD15E1B}"/>
+          </ac:spMkLst>
+        </pc:spChg>
+        <pc:spChg chg="add del mod">
+          <ac:chgData name="Abhishek Pandey C" userId="719bcc0d-fd0b-4ed3-8a8c-d6a3676db542" providerId="ADAL" clId="{882776F1-6D74-4F8D-9BB4-CEA38D7F16BE}" dt="2024-04-02T11:29:30.299" v="195"/>
+          <ac:spMkLst>
+            <pc:docMk/>
+            <pc:sldMk cId="3611775529" sldId="262"/>
+            <ac:spMk id="8" creationId="{F3060C83-F051-4F0E-ABAD-AA0DFC48B218}"/>
+          </ac:spMkLst>
+        </pc:spChg>
+        <pc:spChg chg="add del mod">
+          <ac:chgData name="Abhishek Pandey C" userId="719bcc0d-fd0b-4ed3-8a8c-d6a3676db542" providerId="ADAL" clId="{882776F1-6D74-4F8D-9BB4-CEA38D7F16BE}" dt="2024-04-02T11:29:30.299" v="195"/>
+          <ac:spMkLst>
+            <pc:docMk/>
+            <pc:sldMk cId="3611775529" sldId="262"/>
+            <ac:spMk id="10" creationId="{83C98ABE-055B-441F-B07E-44F97F083C39}"/>
+          </ac:spMkLst>
+        </pc:spChg>
+        <pc:spChg chg="add del mod">
+          <ac:chgData name="Abhishek Pandey C" userId="719bcc0d-fd0b-4ed3-8a8c-d6a3676db542" providerId="ADAL" clId="{882776F1-6D74-4F8D-9BB4-CEA38D7F16BE}" dt="2024-04-02T11:29:30.299" v="195"/>
+          <ac:spMkLst>
+            <pc:docMk/>
+            <pc:sldMk cId="3611775529" sldId="262"/>
+            <ac:spMk id="12" creationId="{29FDB030-9B49-4CED-8CCD-4D99382388AC}"/>
+          </ac:spMkLst>
+        </pc:spChg>
+        <pc:spChg chg="add del mod">
+          <ac:chgData name="Abhishek Pandey C" userId="719bcc0d-fd0b-4ed3-8a8c-d6a3676db542" providerId="ADAL" clId="{882776F1-6D74-4F8D-9BB4-CEA38D7F16BE}" dt="2024-04-02T11:29:30.299" v="195"/>
+          <ac:spMkLst>
+            <pc:docMk/>
+            <pc:sldMk cId="3611775529" sldId="262"/>
+            <ac:spMk id="14" creationId="{3783CA14-24A1-485C-8B30-D6A5D87987AD}"/>
+          </ac:spMkLst>
+        </pc:spChg>
+        <pc:spChg chg="add del mod">
+          <ac:chgData name="Abhishek Pandey C" userId="719bcc0d-fd0b-4ed3-8a8c-d6a3676db542" providerId="ADAL" clId="{882776F1-6D74-4F8D-9BB4-CEA38D7F16BE}" dt="2024-04-02T11:29:30.299" v="195"/>
+          <ac:spMkLst>
+            <pc:docMk/>
+            <pc:sldMk cId="3611775529" sldId="262"/>
+            <ac:spMk id="16" creationId="{9A97C86A-04D6-40F7-AE84-31AB43E6A846}"/>
+          </ac:spMkLst>
+        </pc:spChg>
+        <pc:spChg chg="add del mod">
+          <ac:chgData name="Abhishek Pandey C" userId="719bcc0d-fd0b-4ed3-8a8c-d6a3676db542" providerId="ADAL" clId="{882776F1-6D74-4F8D-9BB4-CEA38D7F16BE}" dt="2024-04-02T11:29:30.299" v="195"/>
+          <ac:spMkLst>
+            <pc:docMk/>
+            <pc:sldMk cId="3611775529" sldId="262"/>
+            <ac:spMk id="18" creationId="{FF9F2414-84E8-453E-B1F3-389FDE8192D9}"/>
+          </ac:spMkLst>
+        </pc:spChg>
+        <pc:spChg chg="add del mod">
+          <ac:chgData name="Abhishek Pandey C" userId="719bcc0d-fd0b-4ed3-8a8c-d6a3676db542" providerId="ADAL" clId="{882776F1-6D74-4F8D-9BB4-CEA38D7F16BE}" dt="2024-04-02T11:29:30.299" v="195"/>
+          <ac:spMkLst>
+            <pc:docMk/>
+            <pc:sldMk cId="3611775529" sldId="262"/>
+            <ac:spMk id="20" creationId="{3ECA69A1-7536-43AC-85EF-C7106179F5ED}"/>
+          </ac:spMkLst>
+        </pc:spChg>
+        <pc:spChg chg="add del">
+          <ac:chgData name="Abhishek Pandey C" userId="719bcc0d-fd0b-4ed3-8a8c-d6a3676db542" providerId="ADAL" clId="{882776F1-6D74-4F8D-9BB4-CEA38D7F16BE}" dt="2024-04-02T10:59:27.296" v="22" actId="26606"/>
+          <ac:spMkLst>
+            <pc:docMk/>
+            <pc:sldMk cId="3611775529" sldId="262"/>
+            <ac:spMk id="25" creationId="{37C89E4B-3C9F-44B9-8B86-D9E3D112D8EC}"/>
+          </ac:spMkLst>
+        </pc:spChg>
+        <pc:picChg chg="add mod">
+          <ac:chgData name="Abhishek Pandey C" userId="719bcc0d-fd0b-4ed3-8a8c-d6a3676db542" providerId="ADAL" clId="{882776F1-6D74-4F8D-9BB4-CEA38D7F16BE}" dt="2024-04-02T11:29:30.299" v="195"/>
+          <ac:picMkLst>
+            <pc:docMk/>
+            <pc:sldMk cId="3611775529" sldId="262"/>
+            <ac:picMk id="3" creationId="{34EDA241-636A-31CD-3068-75852E359EB2}"/>
+          </ac:picMkLst>
+        </pc:picChg>
+        <pc:cxnChg chg="add del">
+          <ac:chgData name="Abhishek Pandey C" userId="719bcc0d-fd0b-4ed3-8a8c-d6a3676db542" providerId="ADAL" clId="{882776F1-6D74-4F8D-9BB4-CEA38D7F16BE}" dt="2024-04-02T10:59:27.296" v="22" actId="26606"/>
+          <ac:cxnSpMkLst>
+            <pc:docMk/>
+            <pc:sldMk cId="3611775529" sldId="262"/>
+            <ac:cxnSpMk id="27" creationId="{AA2EAA10-076F-46BD-8F0F-B9A2FB77A85C}"/>
+          </ac:cxnSpMkLst>
+        </pc:cxnChg>
+        <pc:cxnChg chg="add del">
+          <ac:chgData name="Abhishek Pandey C" userId="719bcc0d-fd0b-4ed3-8a8c-d6a3676db542" providerId="ADAL" clId="{882776F1-6D74-4F8D-9BB4-CEA38D7F16BE}" dt="2024-04-02T10:59:27.296" v="22" actId="26606"/>
+          <ac:cxnSpMkLst>
+            <pc:docMk/>
+            <pc:sldMk cId="3611775529" sldId="262"/>
+            <ac:cxnSpMk id="29" creationId="{D891E407-403B-4764-86C9-33A56D3BCAA3}"/>
+          </ac:cxnSpMkLst>
+        </pc:cxnChg>
+      </pc:sldChg>
+      <pc:sldChg chg="addSp delSp modSp mod setBg delDesignElem">
+        <pc:chgData name="Abhishek Pandey C" userId="719bcc0d-fd0b-4ed3-8a8c-d6a3676db542" providerId="ADAL" clId="{882776F1-6D74-4F8D-9BB4-CEA38D7F16BE}" dt="2024-04-02T11:29:30.299" v="195"/>
+        <pc:sldMkLst>
+          <pc:docMk/>
+          <pc:sldMk cId="444684750" sldId="263"/>
+        </pc:sldMkLst>
+        <pc:spChg chg="add mod ord">
+          <ac:chgData name="Abhishek Pandey C" userId="719bcc0d-fd0b-4ed3-8a8c-d6a3676db542" providerId="ADAL" clId="{882776F1-6D74-4F8D-9BB4-CEA38D7F16BE}" dt="2024-04-02T11:29:30.299" v="195"/>
+          <ac:spMkLst>
+            <pc:docMk/>
+            <pc:sldMk cId="444684750" sldId="263"/>
+            <ac:spMk id="4" creationId="{9FC92E19-E595-DE36-C512-1B15C8615D4B}"/>
+          </ac:spMkLst>
+        </pc:spChg>
+        <pc:spChg chg="add del">
+          <ac:chgData name="Abhishek Pandey C" userId="719bcc0d-fd0b-4ed3-8a8c-d6a3676db542" providerId="ADAL" clId="{882776F1-6D74-4F8D-9BB4-CEA38D7F16BE}" dt="2024-04-02T11:08:41.882" v="77" actId="26606"/>
+          <ac:spMkLst>
+            <pc:docMk/>
+            <pc:sldMk cId="444684750" sldId="263"/>
+            <ac:spMk id="8" creationId="{F3060C83-F051-4F0E-ABAD-AA0DFC48B218}"/>
+          </ac:spMkLst>
+        </pc:spChg>
+        <pc:spChg chg="add del">
+          <ac:chgData name="Abhishek Pandey C" userId="719bcc0d-fd0b-4ed3-8a8c-d6a3676db542" providerId="ADAL" clId="{882776F1-6D74-4F8D-9BB4-CEA38D7F16BE}" dt="2024-04-02T11:08:41.882" v="77" actId="26606"/>
+          <ac:spMkLst>
+            <pc:docMk/>
+            <pc:sldMk cId="444684750" sldId="263"/>
+            <ac:spMk id="10" creationId="{83C98ABE-055B-441F-B07E-44F97F083C39}"/>
+          </ac:spMkLst>
+        </pc:spChg>
+        <pc:spChg chg="add del">
+          <ac:chgData name="Abhishek Pandey C" userId="719bcc0d-fd0b-4ed3-8a8c-d6a3676db542" providerId="ADAL" clId="{882776F1-6D74-4F8D-9BB4-CEA38D7F16BE}" dt="2024-04-02T11:08:41.882" v="77" actId="26606"/>
+          <ac:spMkLst>
+            <pc:docMk/>
+            <pc:sldMk cId="444684750" sldId="263"/>
+            <ac:spMk id="12" creationId="{29FDB030-9B49-4CED-8CCD-4D99382388AC}"/>
+          </ac:spMkLst>
+        </pc:spChg>
+        <pc:spChg chg="add del">
+          <ac:chgData name="Abhishek Pandey C" userId="719bcc0d-fd0b-4ed3-8a8c-d6a3676db542" providerId="ADAL" clId="{882776F1-6D74-4F8D-9BB4-CEA38D7F16BE}" dt="2024-04-02T11:08:41.882" v="77" actId="26606"/>
+          <ac:spMkLst>
+            <pc:docMk/>
+            <pc:sldMk cId="444684750" sldId="263"/>
+            <ac:spMk id="14" creationId="{3783CA14-24A1-485C-8B30-D6A5D87987AD}"/>
+          </ac:spMkLst>
+        </pc:spChg>
+        <pc:spChg chg="add del">
+          <ac:chgData name="Abhishek Pandey C" userId="719bcc0d-fd0b-4ed3-8a8c-d6a3676db542" providerId="ADAL" clId="{882776F1-6D74-4F8D-9BB4-CEA38D7F16BE}" dt="2024-04-02T11:08:41.882" v="77" actId="26606"/>
+          <ac:spMkLst>
+            <pc:docMk/>
+            <pc:sldMk cId="444684750" sldId="263"/>
+            <ac:spMk id="16" creationId="{9A97C86A-04D6-40F7-AE84-31AB43E6A846}"/>
+          </ac:spMkLst>
+        </pc:spChg>
+        <pc:spChg chg="add del">
+          <ac:chgData name="Abhishek Pandey C" userId="719bcc0d-fd0b-4ed3-8a8c-d6a3676db542" providerId="ADAL" clId="{882776F1-6D74-4F8D-9BB4-CEA38D7F16BE}" dt="2024-04-02T11:08:41.882" v="77" actId="26606"/>
+          <ac:spMkLst>
+            <pc:docMk/>
+            <pc:sldMk cId="444684750" sldId="263"/>
+            <ac:spMk id="18" creationId="{FF9F2414-84E8-453E-B1F3-389FDE8192D9}"/>
+          </ac:spMkLst>
+        </pc:spChg>
+        <pc:spChg chg="add del">
+          <ac:chgData name="Abhishek Pandey C" userId="719bcc0d-fd0b-4ed3-8a8c-d6a3676db542" providerId="ADAL" clId="{882776F1-6D74-4F8D-9BB4-CEA38D7F16BE}" dt="2024-04-02T11:08:41.882" v="77" actId="26606"/>
+          <ac:spMkLst>
+            <pc:docMk/>
+            <pc:sldMk cId="444684750" sldId="263"/>
+            <ac:spMk id="20" creationId="{3ECA69A1-7536-43AC-85EF-C7106179F5ED}"/>
+          </ac:spMkLst>
+        </pc:spChg>
+        <pc:spChg chg="add del">
+          <ac:chgData name="Abhishek Pandey C" userId="719bcc0d-fd0b-4ed3-8a8c-d6a3676db542" providerId="ADAL" clId="{882776F1-6D74-4F8D-9BB4-CEA38D7F16BE}" dt="2024-04-02T11:08:41.882" v="76" actId="26606"/>
+          <ac:spMkLst>
+            <pc:docMk/>
+            <pc:sldMk cId="444684750" sldId="263"/>
+            <ac:spMk id="25" creationId="{6753252F-4873-4F63-801D-CC719279A7D5}"/>
+          </ac:spMkLst>
+        </pc:spChg>
+        <pc:spChg chg="add del">
+          <ac:chgData name="Abhishek Pandey C" userId="719bcc0d-fd0b-4ed3-8a8c-d6a3676db542" providerId="ADAL" clId="{882776F1-6D74-4F8D-9BB4-CEA38D7F16BE}" dt="2024-04-02T11:08:41.882" v="76" actId="26606"/>
+          <ac:spMkLst>
+            <pc:docMk/>
+            <pc:sldMk cId="444684750" sldId="263"/>
+            <ac:spMk id="27" creationId="{047C8CCB-F95D-4249-92DD-651249D3535A}"/>
+          </ac:spMkLst>
+        </pc:spChg>
+        <pc:spChg chg="add del">
+          <ac:chgData name="Abhishek Pandey C" userId="719bcc0d-fd0b-4ed3-8a8c-d6a3676db542" providerId="ADAL" clId="{882776F1-6D74-4F8D-9BB4-CEA38D7F16BE}" dt="2024-04-02T11:08:53.402" v="80" actId="26606"/>
+          <ac:spMkLst>
+            <pc:docMk/>
+            <pc:sldMk cId="444684750" sldId="263"/>
+            <ac:spMk id="29" creationId="{7D9D36D6-2AC5-46A1-A849-4C82D5264A3A}"/>
+          </ac:spMkLst>
+        </pc:spChg>
+        <pc:spChg chg="add del">
+          <ac:chgData name="Abhishek Pandey C" userId="719bcc0d-fd0b-4ed3-8a8c-d6a3676db542" providerId="ADAL" clId="{882776F1-6D74-4F8D-9BB4-CEA38D7F16BE}" dt="2024-04-02T11:09:11.123" v="82" actId="26606"/>
+          <ac:spMkLst>
+            <pc:docMk/>
+            <pc:sldMk cId="444684750" sldId="263"/>
+            <ac:spMk id="34" creationId="{6CCA5F87-1D1E-45CB-8D83-FC7EEFAD9935}"/>
+          </ac:spMkLst>
+        </pc:spChg>
+        <pc:spChg chg="add del">
+          <ac:chgData name="Abhishek Pandey C" userId="719bcc0d-fd0b-4ed3-8a8c-d6a3676db542" providerId="ADAL" clId="{882776F1-6D74-4F8D-9BB4-CEA38D7F16BE}" dt="2024-04-02T11:09:11.123" v="82" actId="26606"/>
+          <ac:spMkLst>
+            <pc:docMk/>
+            <pc:sldMk cId="444684750" sldId="263"/>
+            <ac:spMk id="36" creationId="{7CCFC2C6-6238-4A2F-93DE-2ADF74AF635E}"/>
+          </ac:spMkLst>
+        </pc:spChg>
+        <pc:spChg chg="add del">
+          <ac:chgData name="Abhishek Pandey C" userId="719bcc0d-fd0b-4ed3-8a8c-d6a3676db542" providerId="ADAL" clId="{882776F1-6D74-4F8D-9BB4-CEA38D7F16BE}" dt="2024-04-02T11:09:11.123" v="82" actId="26606"/>
+          <ac:spMkLst>
+            <pc:docMk/>
+            <pc:sldMk cId="444684750" sldId="263"/>
+            <ac:spMk id="38" creationId="{AF2F604E-43BE-4DC3-B983-E071523364F8}"/>
+          </ac:spMkLst>
+        </pc:spChg>
+        <pc:spChg chg="add del">
+          <ac:chgData name="Abhishek Pandey C" userId="719bcc0d-fd0b-4ed3-8a8c-d6a3676db542" providerId="ADAL" clId="{882776F1-6D74-4F8D-9BB4-CEA38D7F16BE}" dt="2024-04-02T11:09:11.123" v="82" actId="26606"/>
+          <ac:spMkLst>
+            <pc:docMk/>
+            <pc:sldMk cId="444684750" sldId="263"/>
+            <ac:spMk id="40" creationId="{08C9B587-E65E-4B52-B37C-ABEBB6E87928}"/>
+          </ac:spMkLst>
+        </pc:spChg>
+        <pc:spChg chg="add del">
+          <ac:chgData name="Abhishek Pandey C" userId="719bcc0d-fd0b-4ed3-8a8c-d6a3676db542" providerId="ADAL" clId="{882776F1-6D74-4F8D-9BB4-CEA38D7F16BE}" dt="2024-04-02T11:10:29.139" v="88" actId="26606"/>
+          <ac:spMkLst>
+            <pc:docMk/>
+            <pc:sldMk cId="444684750" sldId="263"/>
+            <ac:spMk id="45" creationId="{7D9D36D6-2AC5-46A1-A849-4C82D5264A3A}"/>
+          </ac:spMkLst>
+        </pc:spChg>
+        <pc:spChg chg="add del">
+          <ac:chgData name="Abhishek Pandey C" userId="719bcc0d-fd0b-4ed3-8a8c-d6a3676db542" providerId="ADAL" clId="{882776F1-6D74-4F8D-9BB4-CEA38D7F16BE}" dt="2024-04-02T11:10:29.139" v="87" actId="26606"/>
+          <ac:spMkLst>
+            <pc:docMk/>
+            <pc:sldMk cId="444684750" sldId="263"/>
+            <ac:spMk id="50" creationId="{022BDE4A-8A20-4A69-9C5A-581C82036A4D}"/>
+          </ac:spMkLst>
+        </pc:spChg>
+        <pc:spChg chg="add del">
+          <ac:chgData name="Abhishek Pandey C" userId="719bcc0d-fd0b-4ed3-8a8c-d6a3676db542" providerId="ADAL" clId="{882776F1-6D74-4F8D-9BB4-CEA38D7F16BE}" dt="2024-04-02T11:10:47.768" v="89" actId="26606"/>
+          <ac:spMkLst>
+            <pc:docMk/>
+            <pc:sldMk cId="444684750" sldId="263"/>
+            <ac:spMk id="52" creationId="{AFFC87AC-C919-4FE5-BAC3-39509E001152}"/>
+          </ac:spMkLst>
+        </pc:spChg>
+        <pc:spChg chg="add del">
+          <ac:chgData name="Abhishek Pandey C" userId="719bcc0d-fd0b-4ed3-8a8c-d6a3676db542" providerId="ADAL" clId="{882776F1-6D74-4F8D-9BB4-CEA38D7F16BE}" dt="2024-04-02T11:10:47.768" v="89" actId="26606"/>
+          <ac:spMkLst>
+            <pc:docMk/>
+            <pc:sldMk cId="444684750" sldId="263"/>
+            <ac:spMk id="53" creationId="{FFCDD23B-75C8-427B-BD08-53C8156CD7CD}"/>
+          </ac:spMkLst>
+        </pc:spChg>
+        <pc:spChg chg="add del">
+          <ac:chgData name="Abhishek Pandey C" userId="719bcc0d-fd0b-4ed3-8a8c-d6a3676db542" providerId="ADAL" clId="{882776F1-6D74-4F8D-9BB4-CEA38D7F16BE}" dt="2024-04-02T11:10:47.768" v="89" actId="26606"/>
+          <ac:spMkLst>
+            <pc:docMk/>
+            <pc:sldMk cId="444684750" sldId="263"/>
+            <ac:spMk id="54" creationId="{AB5E08C4-8CDD-4623-A5B8-E998C6DEE3B7}"/>
+          </ac:spMkLst>
+        </pc:spChg>
+        <pc:spChg chg="add del">
+          <ac:chgData name="Abhishek Pandey C" userId="719bcc0d-fd0b-4ed3-8a8c-d6a3676db542" providerId="ADAL" clId="{882776F1-6D74-4F8D-9BB4-CEA38D7F16BE}" dt="2024-04-02T11:10:47.768" v="89" actId="26606"/>
+          <ac:spMkLst>
+            <pc:docMk/>
+            <pc:sldMk cId="444684750" sldId="263"/>
+            <ac:spMk id="56" creationId="{15F33878-D502-4FFA-8ACE-F2AECDB2A23F}"/>
+          </ac:spMkLst>
+        </pc:spChg>
+        <pc:spChg chg="add del">
+          <ac:chgData name="Abhishek Pandey C" userId="719bcc0d-fd0b-4ed3-8a8c-d6a3676db542" providerId="ADAL" clId="{882776F1-6D74-4F8D-9BB4-CEA38D7F16BE}" dt="2024-04-02T11:11:05.570" v="91" actId="26606"/>
+          <ac:spMkLst>
+            <pc:docMk/>
+            <pc:sldMk cId="444684750" sldId="263"/>
+            <ac:spMk id="61" creationId="{022BDE4A-8A20-4A69-9C5A-581C82036A4D}"/>
+          </ac:spMkLst>
+        </pc:spChg>
+        <pc:spChg chg="add mod">
+          <ac:chgData name="Abhishek Pandey C" userId="719bcc0d-fd0b-4ed3-8a8c-d6a3676db542" providerId="ADAL" clId="{882776F1-6D74-4F8D-9BB4-CEA38D7F16BE}" dt="2024-04-02T11:29:30.299" v="195"/>
+          <ac:spMkLst>
+            <pc:docMk/>
+            <pc:sldMk cId="444684750" sldId="263"/>
+            <ac:spMk id="66" creationId="{FFCDD23B-75C8-427B-BD08-53C8156CD7CD}"/>
+          </ac:spMkLst>
+        </pc:spChg>
+        <pc:spChg chg="add mod">
+          <ac:chgData name="Abhishek Pandey C" userId="719bcc0d-fd0b-4ed3-8a8c-d6a3676db542" providerId="ADAL" clId="{882776F1-6D74-4F8D-9BB4-CEA38D7F16BE}" dt="2024-04-02T11:29:30.299" v="195"/>
+          <ac:spMkLst>
+            <pc:docMk/>
+            <pc:sldMk cId="444684750" sldId="263"/>
+            <ac:spMk id="68" creationId="{AFFC87AC-C919-4FE5-BAC3-39509E001152}"/>
+          </ac:spMkLst>
+        </pc:spChg>
+        <pc:spChg chg="add mod">
+          <ac:chgData name="Abhishek Pandey C" userId="719bcc0d-fd0b-4ed3-8a8c-d6a3676db542" providerId="ADAL" clId="{882776F1-6D74-4F8D-9BB4-CEA38D7F16BE}" dt="2024-04-02T11:29:30.299" v="195"/>
+          <ac:spMkLst>
+            <pc:docMk/>
+            <pc:sldMk cId="444684750" sldId="263"/>
+            <ac:spMk id="70" creationId="{AB5E08C4-8CDD-4623-A5B8-E998C6DEE3B7}"/>
+          </ac:spMkLst>
+        </pc:spChg>
+        <pc:spChg chg="add mod">
+          <ac:chgData name="Abhishek Pandey C" userId="719bcc0d-fd0b-4ed3-8a8c-d6a3676db542" providerId="ADAL" clId="{882776F1-6D74-4F8D-9BB4-CEA38D7F16BE}" dt="2024-04-02T11:29:30.299" v="195"/>
+          <ac:spMkLst>
+            <pc:docMk/>
+            <pc:sldMk cId="444684750" sldId="263"/>
+            <ac:spMk id="72" creationId="{15F33878-D502-4FFA-8ACE-F2AECDB2A23F}"/>
+          </ac:spMkLst>
+        </pc:spChg>
+        <pc:picChg chg="add mod ord">
+          <ac:chgData name="Abhishek Pandey C" userId="719bcc0d-fd0b-4ed3-8a8c-d6a3676db542" providerId="ADAL" clId="{882776F1-6D74-4F8D-9BB4-CEA38D7F16BE}" dt="2024-04-02T11:29:30.299" v="195"/>
+          <ac:picMkLst>
+            <pc:docMk/>
+            <pc:sldMk cId="444684750" sldId="263"/>
+            <ac:picMk id="3" creationId="{B7884645-F532-7785-2B96-A92D431DBD78}"/>
+          </ac:picMkLst>
+        </pc:picChg>
+        <pc:picChg chg="add mod ord">
+          <ac:chgData name="Abhishek Pandey C" userId="719bcc0d-fd0b-4ed3-8a8c-d6a3676db542" providerId="ADAL" clId="{882776F1-6D74-4F8D-9BB4-CEA38D7F16BE}" dt="2024-04-02T11:29:30.299" v="195"/>
+          <ac:picMkLst>
+            <pc:docMk/>
+            <pc:sldMk cId="444684750" sldId="263"/>
+            <ac:picMk id="6" creationId="{1D751CB3-FA1D-A3B5-8A75-5BC9AC7722F9}"/>
+          </ac:picMkLst>
+        </pc:picChg>
+      </pc:sldChg>
+      <pc:sldChg chg="addSp delSp modSp mod setBg delDesignElem">
+        <pc:chgData name="Abhishek Pandey C" userId="719bcc0d-fd0b-4ed3-8a8c-d6a3676db542" providerId="ADAL" clId="{882776F1-6D74-4F8D-9BB4-CEA38D7F16BE}" dt="2024-04-02T11:32:45.233" v="227" actId="20577"/>
+        <pc:sldMkLst>
+          <pc:docMk/>
+          <pc:sldMk cId="2142200571" sldId="264"/>
+        </pc:sldMkLst>
+        <pc:spChg chg="add mod">
+          <ac:chgData name="Abhishek Pandey C" userId="719bcc0d-fd0b-4ed3-8a8c-d6a3676db542" providerId="ADAL" clId="{882776F1-6D74-4F8D-9BB4-CEA38D7F16BE}" dt="2024-04-02T11:29:30.299" v="195"/>
+          <ac:spMkLst>
+            <pc:docMk/>
+            <pc:sldMk cId="2142200571" sldId="264"/>
+            <ac:spMk id="6" creationId="{B23E7804-187C-609C-ACBE-0170C1C40155}"/>
+          </ac:spMkLst>
+        </pc:spChg>
+        <pc:spChg chg="add del">
+          <ac:chgData name="Abhishek Pandey C" userId="719bcc0d-fd0b-4ed3-8a8c-d6a3676db542" providerId="ADAL" clId="{882776F1-6D74-4F8D-9BB4-CEA38D7F16BE}" dt="2024-04-02T11:13:45.095" v="105" actId="26606"/>
+          <ac:spMkLst>
+            <pc:docMk/>
+            <pc:sldMk cId="2142200571" sldId="264"/>
+            <ac:spMk id="8" creationId="{F3060C83-F051-4F0E-ABAD-AA0DFC48B218}"/>
+          </ac:spMkLst>
+        </pc:spChg>
+        <pc:spChg chg="add del">
+          <ac:chgData name="Abhishek Pandey C" userId="719bcc0d-fd0b-4ed3-8a8c-d6a3676db542" providerId="ADAL" clId="{882776F1-6D74-4F8D-9BB4-CEA38D7F16BE}" dt="2024-04-02T11:13:45.095" v="105" actId="26606"/>
+          <ac:spMkLst>
+            <pc:docMk/>
+            <pc:sldMk cId="2142200571" sldId="264"/>
+            <ac:spMk id="10" creationId="{83C98ABE-055B-441F-B07E-44F97F083C39}"/>
+          </ac:spMkLst>
+        </pc:spChg>
+        <pc:spChg chg="add del">
+          <ac:chgData name="Abhishek Pandey C" userId="719bcc0d-fd0b-4ed3-8a8c-d6a3676db542" providerId="ADAL" clId="{882776F1-6D74-4F8D-9BB4-CEA38D7F16BE}" dt="2024-04-02T11:13:45.095" v="105" actId="26606"/>
+          <ac:spMkLst>
+            <pc:docMk/>
+            <pc:sldMk cId="2142200571" sldId="264"/>
+            <ac:spMk id="12" creationId="{29FDB030-9B49-4CED-8CCD-4D99382388AC}"/>
+          </ac:spMkLst>
+        </pc:spChg>
+        <pc:spChg chg="add del">
+          <ac:chgData name="Abhishek Pandey C" userId="719bcc0d-fd0b-4ed3-8a8c-d6a3676db542" providerId="ADAL" clId="{882776F1-6D74-4F8D-9BB4-CEA38D7F16BE}" dt="2024-04-02T11:13:45.095" v="105" actId="26606"/>
+          <ac:spMkLst>
+            <pc:docMk/>
+            <pc:sldMk cId="2142200571" sldId="264"/>
+            <ac:spMk id="14" creationId="{3783CA14-24A1-485C-8B30-D6A5D87987AD}"/>
+          </ac:spMkLst>
+        </pc:spChg>
+        <pc:spChg chg="add del">
+          <ac:chgData name="Abhishek Pandey C" userId="719bcc0d-fd0b-4ed3-8a8c-d6a3676db542" providerId="ADAL" clId="{882776F1-6D74-4F8D-9BB4-CEA38D7F16BE}" dt="2024-04-02T11:13:45.095" v="105" actId="26606"/>
+          <ac:spMkLst>
+            <pc:docMk/>
+            <pc:sldMk cId="2142200571" sldId="264"/>
+            <ac:spMk id="16" creationId="{9A97C86A-04D6-40F7-AE84-31AB43E6A846}"/>
+          </ac:spMkLst>
+        </pc:spChg>
+        <pc:spChg chg="add del">
+          <ac:chgData name="Abhishek Pandey C" userId="719bcc0d-fd0b-4ed3-8a8c-d6a3676db542" providerId="ADAL" clId="{882776F1-6D74-4F8D-9BB4-CEA38D7F16BE}" dt="2024-04-02T11:13:45.095" v="105" actId="26606"/>
+          <ac:spMkLst>
+            <pc:docMk/>
+            <pc:sldMk cId="2142200571" sldId="264"/>
+            <ac:spMk id="18" creationId="{FF9F2414-84E8-453E-B1F3-389FDE8192D9}"/>
+          </ac:spMkLst>
+        </pc:spChg>
+        <pc:spChg chg="add del">
+          <ac:chgData name="Abhishek Pandey C" userId="719bcc0d-fd0b-4ed3-8a8c-d6a3676db542" providerId="ADAL" clId="{882776F1-6D74-4F8D-9BB4-CEA38D7F16BE}" dt="2024-04-02T11:13:45.095" v="105" actId="26606"/>
+          <ac:spMkLst>
+            <pc:docMk/>
+            <pc:sldMk cId="2142200571" sldId="264"/>
+            <ac:spMk id="20" creationId="{3ECA69A1-7536-43AC-85EF-C7106179F5ED}"/>
+          </ac:spMkLst>
+        </pc:spChg>
+        <pc:spChg chg="add del">
+          <ac:chgData name="Abhishek Pandey C" userId="719bcc0d-fd0b-4ed3-8a8c-d6a3676db542" providerId="ADAL" clId="{882776F1-6D74-4F8D-9BB4-CEA38D7F16BE}" dt="2024-04-02T11:13:46.883" v="107" actId="26606"/>
+          <ac:spMkLst>
+            <pc:docMk/>
+            <pc:sldMk cId="2142200571" sldId="264"/>
+            <ac:spMk id="22" creationId="{AB8C311F-7253-4AED-9701-7FC0708C41C7}"/>
+          </ac:spMkLst>
+        </pc:spChg>
+        <pc:spChg chg="add del">
+          <ac:chgData name="Abhishek Pandey C" userId="719bcc0d-fd0b-4ed3-8a8c-d6a3676db542" providerId="ADAL" clId="{882776F1-6D74-4F8D-9BB4-CEA38D7F16BE}" dt="2024-04-02T11:13:46.883" v="107" actId="26606"/>
+          <ac:spMkLst>
+            <pc:docMk/>
+            <pc:sldMk cId="2142200571" sldId="264"/>
+            <ac:spMk id="23" creationId="{E2384209-CB15-4CDF-9D31-C44FD9A3F20D}"/>
+          </ac:spMkLst>
+        </pc:spChg>
+        <pc:spChg chg="add del">
+          <ac:chgData name="Abhishek Pandey C" userId="719bcc0d-fd0b-4ed3-8a8c-d6a3676db542" providerId="ADAL" clId="{882776F1-6D74-4F8D-9BB4-CEA38D7F16BE}" dt="2024-04-02T11:13:46.883" v="107" actId="26606"/>
+          <ac:spMkLst>
+            <pc:docMk/>
+            <pc:sldMk cId="2142200571" sldId="264"/>
+            <ac:spMk id="24" creationId="{2633B3B5-CC90-43F0-8714-D31D1F3F0209}"/>
+          </ac:spMkLst>
+        </pc:spChg>
+        <pc:spChg chg="add del">
+          <ac:chgData name="Abhishek Pandey C" userId="719bcc0d-fd0b-4ed3-8a8c-d6a3676db542" providerId="ADAL" clId="{882776F1-6D74-4F8D-9BB4-CEA38D7F16BE}" dt="2024-04-02T11:13:46.883" v="107" actId="26606"/>
+          <ac:spMkLst>
+            <pc:docMk/>
+            <pc:sldMk cId="2142200571" sldId="264"/>
+            <ac:spMk id="25" creationId="{A8D57A06-A426-446D-B02C-A2DC6B62E45E}"/>
+          </ac:spMkLst>
+        </pc:spChg>
+        <pc:spChg chg="add mod">
+          <ac:chgData name="Abhishek Pandey C" userId="719bcc0d-fd0b-4ed3-8a8c-d6a3676db542" providerId="ADAL" clId="{882776F1-6D74-4F8D-9BB4-CEA38D7F16BE}" dt="2024-04-02T11:29:30.299" v="195"/>
+          <ac:spMkLst>
+            <pc:docMk/>
+            <pc:sldMk cId="2142200571" sldId="264"/>
+            <ac:spMk id="27" creationId="{F3060C83-F051-4F0E-ABAD-AA0DFC48B218}"/>
+          </ac:spMkLst>
+        </pc:spChg>
+        <pc:spChg chg="add mod">
+          <ac:chgData name="Abhishek Pandey C" userId="719bcc0d-fd0b-4ed3-8a8c-d6a3676db542" providerId="ADAL" clId="{882776F1-6D74-4F8D-9BB4-CEA38D7F16BE}" dt="2024-04-02T11:29:30.299" v="195"/>
+          <ac:spMkLst>
+            <pc:docMk/>
+            <pc:sldMk cId="2142200571" sldId="264"/>
+            <ac:spMk id="28" creationId="{83C98ABE-055B-441F-B07E-44F97F083C39}"/>
+          </ac:spMkLst>
+        </pc:spChg>
+        <pc:spChg chg="add mod">
+          <ac:chgData name="Abhishek Pandey C" userId="719bcc0d-fd0b-4ed3-8a8c-d6a3676db542" providerId="ADAL" clId="{882776F1-6D74-4F8D-9BB4-CEA38D7F16BE}" dt="2024-04-02T11:29:30.299" v="195"/>
+          <ac:spMkLst>
+            <pc:docMk/>
+            <pc:sldMk cId="2142200571" sldId="264"/>
+            <ac:spMk id="29" creationId="{29FDB030-9B49-4CED-8CCD-4D99382388AC}"/>
+          </ac:spMkLst>
+        </pc:spChg>
+        <pc:spChg chg="add mod">
+          <ac:chgData name="Abhishek Pandey C" userId="719bcc0d-fd0b-4ed3-8a8c-d6a3676db542" providerId="ADAL" clId="{882776F1-6D74-4F8D-9BB4-CEA38D7F16BE}" dt="2024-04-02T11:29:30.299" v="195"/>
+          <ac:spMkLst>
+            <pc:docMk/>
+            <pc:sldMk cId="2142200571" sldId="264"/>
+            <ac:spMk id="30" creationId="{3783CA14-24A1-485C-8B30-D6A5D87987AD}"/>
+          </ac:spMkLst>
+        </pc:spChg>
+        <pc:spChg chg="add mod">
+          <ac:chgData name="Abhishek Pandey C" userId="719bcc0d-fd0b-4ed3-8a8c-d6a3676db542" providerId="ADAL" clId="{882776F1-6D74-4F8D-9BB4-CEA38D7F16BE}" dt="2024-04-02T11:29:30.299" v="195"/>
+          <ac:spMkLst>
+            <pc:docMk/>
+            <pc:sldMk cId="2142200571" sldId="264"/>
+            <ac:spMk id="31" creationId="{9A97C86A-04D6-40F7-AE84-31AB43E6A846}"/>
+          </ac:spMkLst>
+        </pc:spChg>
+        <pc:spChg chg="add mod">
+          <ac:chgData name="Abhishek Pandey C" userId="719bcc0d-fd0b-4ed3-8a8c-d6a3676db542" providerId="ADAL" clId="{882776F1-6D74-4F8D-9BB4-CEA38D7F16BE}" dt="2024-04-02T11:29:30.299" v="195"/>
+          <ac:spMkLst>
+            <pc:docMk/>
+            <pc:sldMk cId="2142200571" sldId="264"/>
+            <ac:spMk id="32" creationId="{FF9F2414-84E8-453E-B1F3-389FDE8192D9}"/>
+          </ac:spMkLst>
+        </pc:spChg>
+        <pc:spChg chg="add mod">
+          <ac:chgData name="Abhishek Pandey C" userId="719bcc0d-fd0b-4ed3-8a8c-d6a3676db542" providerId="ADAL" clId="{882776F1-6D74-4F8D-9BB4-CEA38D7F16BE}" dt="2024-04-02T11:29:30.299" v="195"/>
+          <ac:spMkLst>
+            <pc:docMk/>
+            <pc:sldMk cId="2142200571" sldId="264"/>
+            <ac:spMk id="33" creationId="{3ECA69A1-7536-43AC-85EF-C7106179F5ED}"/>
+          </ac:spMkLst>
+        </pc:spChg>
+        <pc:spChg chg="add mod">
+          <ac:chgData name="Abhishek Pandey C" userId="719bcc0d-fd0b-4ed3-8a8c-d6a3676db542" providerId="ADAL" clId="{882776F1-6D74-4F8D-9BB4-CEA38D7F16BE}" dt="2024-04-02T11:32:45.233" v="227" actId="20577"/>
+          <ac:spMkLst>
+            <pc:docMk/>
+            <pc:sldMk cId="2142200571" sldId="264"/>
+            <ac:spMk id="43" creationId="{C5937898-9935-2D8F-EB41-DB22953C1F20}"/>
+          </ac:spMkLst>
+        </pc:spChg>
+        <pc:picChg chg="add del mod">
+          <ac:chgData name="Abhishek Pandey C" userId="719bcc0d-fd0b-4ed3-8a8c-d6a3676db542" providerId="ADAL" clId="{882776F1-6D74-4F8D-9BB4-CEA38D7F16BE}" dt="2024-04-02T11:14:40.295" v="110" actId="478"/>
+          <ac:picMkLst>
+            <pc:docMk/>
+            <pc:sldMk cId="2142200571" sldId="264"/>
+            <ac:picMk id="3" creationId="{9B26E2F9-8388-DD83-E67D-A236777DFBA2}"/>
+          </ac:picMkLst>
+        </pc:picChg>
+        <pc:picChg chg="add del mod">
+          <ac:chgData name="Abhishek Pandey C" userId="719bcc0d-fd0b-4ed3-8a8c-d6a3676db542" providerId="ADAL" clId="{882776F1-6D74-4F8D-9BB4-CEA38D7F16BE}" dt="2024-04-02T11:21:33.449" v="152" actId="478"/>
+          <ac:picMkLst>
+            <pc:docMk/>
+            <pc:sldMk cId="2142200571" sldId="264"/>
+            <ac:picMk id="5" creationId="{8036AA74-D7C0-D8F4-A55C-561006AF5AC4}"/>
+          </ac:picMkLst>
+        </pc:picChg>
+        <pc:picChg chg="add mod">
+          <ac:chgData name="Abhishek Pandey C" userId="719bcc0d-fd0b-4ed3-8a8c-d6a3676db542" providerId="ADAL" clId="{882776F1-6D74-4F8D-9BB4-CEA38D7F16BE}" dt="2024-04-02T11:29:30.299" v="195"/>
+          <ac:picMkLst>
+            <pc:docMk/>
+            <pc:sldMk cId="2142200571" sldId="264"/>
+            <ac:picMk id="9" creationId="{17C23C1B-545E-95DC-5C60-698C0F6B28AE}"/>
+          </ac:picMkLst>
+        </pc:picChg>
+        <pc:picChg chg="add mod">
+          <ac:chgData name="Abhishek Pandey C" userId="719bcc0d-fd0b-4ed3-8a8c-d6a3676db542" providerId="ADAL" clId="{882776F1-6D74-4F8D-9BB4-CEA38D7F16BE}" dt="2024-04-02T11:29:30.299" v="195"/>
+          <ac:picMkLst>
+            <pc:docMk/>
+            <pc:sldMk cId="2142200571" sldId="264"/>
+            <ac:picMk id="13" creationId="{193AAC58-F4E7-EF1A-4558-53F679B1E083}"/>
+          </ac:picMkLst>
+        </pc:picChg>
+        <pc:picChg chg="add mod">
+          <ac:chgData name="Abhishek Pandey C" userId="719bcc0d-fd0b-4ed3-8a8c-d6a3676db542" providerId="ADAL" clId="{882776F1-6D74-4F8D-9BB4-CEA38D7F16BE}" dt="2024-04-02T11:29:30.299" v="195"/>
+          <ac:picMkLst>
+            <pc:docMk/>
+            <pc:sldMk cId="2142200571" sldId="264"/>
+            <ac:picMk id="17" creationId="{6811F2FF-C8C6-3660-0468-20F946F8098A}"/>
+          </ac:picMkLst>
+        </pc:picChg>
+        <pc:picChg chg="add mod">
+          <ac:chgData name="Abhishek Pandey C" userId="719bcc0d-fd0b-4ed3-8a8c-d6a3676db542" providerId="ADAL" clId="{882776F1-6D74-4F8D-9BB4-CEA38D7F16BE}" dt="2024-04-02T11:29:30.299" v="195"/>
+          <ac:picMkLst>
+            <pc:docMk/>
+            <pc:sldMk cId="2142200571" sldId="264"/>
+            <ac:picMk id="21" creationId="{D90EA7F4-94B9-0259-2E7C-FD2AD6163F45}"/>
+          </ac:picMkLst>
+        </pc:picChg>
+        <pc:picChg chg="add mod">
+          <ac:chgData name="Abhishek Pandey C" userId="719bcc0d-fd0b-4ed3-8a8c-d6a3676db542" providerId="ADAL" clId="{882776F1-6D74-4F8D-9BB4-CEA38D7F16BE}" dt="2024-04-02T11:30:17.721" v="199" actId="1076"/>
+          <ac:picMkLst>
+            <pc:docMk/>
+            <pc:sldMk cId="2142200571" sldId="264"/>
+            <ac:picMk id="34" creationId="{1B178DEA-EEF3-5B6C-2367-5CC2AC32753A}"/>
+          </ac:picMkLst>
+        </pc:picChg>
+        <pc:picChg chg="add del mod">
+          <ac:chgData name="Abhishek Pandey C" userId="719bcc0d-fd0b-4ed3-8a8c-d6a3676db542" providerId="ADAL" clId="{882776F1-6D74-4F8D-9BB4-CEA38D7F16BE}" dt="2024-04-02T11:30:23.105" v="200" actId="1076"/>
+          <ac:picMkLst>
+            <pc:docMk/>
+            <pc:sldMk cId="2142200571" sldId="264"/>
+            <ac:picMk id="36" creationId="{B04CB6BD-0A35-50F2-ECBB-F0545E6439D8}"/>
+          </ac:picMkLst>
+        </pc:picChg>
+        <pc:picChg chg="add del mod">
+          <ac:chgData name="Abhishek Pandey C" userId="719bcc0d-fd0b-4ed3-8a8c-d6a3676db542" providerId="ADAL" clId="{882776F1-6D74-4F8D-9BB4-CEA38D7F16BE}" dt="2024-04-02T11:28:11.735" v="182" actId="22"/>
+          <ac:picMkLst>
+            <pc:docMk/>
+            <pc:sldMk cId="2142200571" sldId="264"/>
+            <ac:picMk id="38" creationId="{464A8E73-40BD-F486-33C8-0419CEA7F474}"/>
+          </ac:picMkLst>
+        </pc:picChg>
+        <pc:picChg chg="add mod">
+          <ac:chgData name="Abhishek Pandey C" userId="719bcc0d-fd0b-4ed3-8a8c-d6a3676db542" providerId="ADAL" clId="{882776F1-6D74-4F8D-9BB4-CEA38D7F16BE}" dt="2024-04-02T11:31:25.930" v="211" actId="1076"/>
+          <ac:picMkLst>
+            <pc:docMk/>
+            <pc:sldMk cId="2142200571" sldId="264"/>
+            <ac:picMk id="40" creationId="{A305EE95-E0F5-7BDF-39B3-F101F515BA89}"/>
+          </ac:picMkLst>
+        </pc:picChg>
+        <pc:picChg chg="add mod">
+          <ac:chgData name="Abhishek Pandey C" userId="719bcc0d-fd0b-4ed3-8a8c-d6a3676db542" providerId="ADAL" clId="{882776F1-6D74-4F8D-9BB4-CEA38D7F16BE}" dt="2024-04-02T11:31:04.681" v="207" actId="1076"/>
+          <ac:picMkLst>
+            <pc:docMk/>
+            <pc:sldMk cId="2142200571" sldId="264"/>
+            <ac:picMk id="42" creationId="{3FB895CC-93FB-9F80-B90F-3B3AEE800DE3}"/>
+          </ac:picMkLst>
+        </pc:picChg>
+      </pc:sldChg>
+      <pc:sldChg chg="addSp modSp mod">
+        <pc:chgData name="Abhishek Pandey C" userId="719bcc0d-fd0b-4ed3-8a8c-d6a3676db542" providerId="ADAL" clId="{882776F1-6D74-4F8D-9BB4-CEA38D7F16BE}" dt="2024-04-02T11:37:23.013" v="231" actId="14100"/>
+        <pc:sldMkLst>
+          <pc:docMk/>
+          <pc:sldMk cId="1088405651" sldId="265"/>
+        </pc:sldMkLst>
+        <pc:picChg chg="add">
+          <ac:chgData name="Abhishek Pandey C" userId="719bcc0d-fd0b-4ed3-8a8c-d6a3676db542" providerId="ADAL" clId="{882776F1-6D74-4F8D-9BB4-CEA38D7F16BE}" dt="2024-04-02T11:36:50.685" v="228" actId="22"/>
+          <ac:picMkLst>
+            <pc:docMk/>
+            <pc:sldMk cId="1088405651" sldId="265"/>
+            <ac:picMk id="3" creationId="{08906085-B4C8-711B-E45A-D294D2B801DE}"/>
+          </ac:picMkLst>
+        </pc:picChg>
+        <pc:picChg chg="add mod">
+          <ac:chgData name="Abhishek Pandey C" userId="719bcc0d-fd0b-4ed3-8a8c-d6a3676db542" providerId="ADAL" clId="{882776F1-6D74-4F8D-9BB4-CEA38D7F16BE}" dt="2024-04-02T11:37:23.013" v="231" actId="14100"/>
+          <ac:picMkLst>
+            <pc:docMk/>
+            <pc:sldMk cId="1088405651" sldId="265"/>
+            <ac:picMk id="5" creationId="{172CBAE0-01D5-1C8D-C21E-4A93C707B969}"/>
+          </ac:picMkLst>
+        </pc:picChg>
+      </pc:sldChg>
+      <pc:sldMasterChg chg="modSp modSldLayout">
+        <pc:chgData name="Abhishek Pandey C" userId="719bcc0d-fd0b-4ed3-8a8c-d6a3676db542" providerId="ADAL" clId="{882776F1-6D74-4F8D-9BB4-CEA38D7F16BE}" dt="2024-04-02T11:29:30.299" v="195"/>
+        <pc:sldMasterMkLst>
+          <pc:docMk/>
+          <pc:sldMasterMk cId="213425003" sldId="2147483648"/>
+        </pc:sldMasterMkLst>
+        <pc:spChg chg="mod">
+          <ac:chgData name="Abhishek Pandey C" userId="719bcc0d-fd0b-4ed3-8a8c-d6a3676db542" providerId="ADAL" clId="{882776F1-6D74-4F8D-9BB4-CEA38D7F16BE}" dt="2024-04-02T11:29:30.299" v="195"/>
+          <ac:spMkLst>
+            <pc:docMk/>
+            <pc:sldMasterMk cId="213425003" sldId="2147483648"/>
+            <ac:spMk id="2" creationId="{A3B27408-1C4B-2326-B134-1351593025FD}"/>
+          </ac:spMkLst>
+        </pc:spChg>
+        <pc:spChg chg="mod">
+          <ac:chgData name="Abhishek Pandey C" userId="719bcc0d-fd0b-4ed3-8a8c-d6a3676db542" providerId="ADAL" clId="{882776F1-6D74-4F8D-9BB4-CEA38D7F16BE}" dt="2024-04-02T11:29:30.299" v="195"/>
+          <ac:spMkLst>
+            <pc:docMk/>
+            <pc:sldMasterMk cId="213425003" sldId="2147483648"/>
+            <ac:spMk id="3" creationId="{FE1D5693-5074-2DF1-F7C2-F4B9660C83F6}"/>
+          </ac:spMkLst>
+        </pc:spChg>
+        <pc:spChg chg="mod">
+          <ac:chgData name="Abhishek Pandey C" userId="719bcc0d-fd0b-4ed3-8a8c-d6a3676db542" providerId="ADAL" clId="{882776F1-6D74-4F8D-9BB4-CEA38D7F16BE}" dt="2024-04-02T11:29:30.299" v="195"/>
+          <ac:spMkLst>
+            <pc:docMk/>
+            <pc:sldMasterMk cId="213425003" sldId="2147483648"/>
+            <ac:spMk id="4" creationId="{A8CAD146-167A-403A-D245-4C5B8810A3FB}"/>
+          </ac:spMkLst>
+        </pc:spChg>
+        <pc:spChg chg="mod">
+          <ac:chgData name="Abhishek Pandey C" userId="719bcc0d-fd0b-4ed3-8a8c-d6a3676db542" providerId="ADAL" clId="{882776F1-6D74-4F8D-9BB4-CEA38D7F16BE}" dt="2024-04-02T11:29:30.299" v="195"/>
+          <ac:spMkLst>
+            <pc:docMk/>
+            <pc:sldMasterMk cId="213425003" sldId="2147483648"/>
+            <ac:spMk id="5" creationId="{4366B938-B353-96FF-19A4-9DCF2B856310}"/>
+          </ac:spMkLst>
+        </pc:spChg>
+        <pc:spChg chg="mod">
+          <ac:chgData name="Abhishek Pandey C" userId="719bcc0d-fd0b-4ed3-8a8c-d6a3676db542" providerId="ADAL" clId="{882776F1-6D74-4F8D-9BB4-CEA38D7F16BE}" dt="2024-04-02T11:29:30.299" v="195"/>
+          <ac:spMkLst>
+            <pc:docMk/>
+            <pc:sldMasterMk cId="213425003" sldId="2147483648"/>
+            <ac:spMk id="6" creationId="{6B34088F-EEFA-8132-2B36-04394A0E2504}"/>
+          </ac:spMkLst>
+        </pc:spChg>
+        <pc:sldLayoutChg chg="modSp">
+          <pc:chgData name="Abhishek Pandey C" userId="719bcc0d-fd0b-4ed3-8a8c-d6a3676db542" providerId="ADAL" clId="{882776F1-6D74-4F8D-9BB4-CEA38D7F16BE}" dt="2024-04-02T11:29:30.299" v="195"/>
+          <pc:sldLayoutMkLst>
+            <pc:docMk/>
+            <pc:sldMasterMk cId="213425003" sldId="2147483648"/>
+            <pc:sldLayoutMk cId="3617973260" sldId="2147483649"/>
+          </pc:sldLayoutMkLst>
+          <pc:spChg chg="mod">
+            <ac:chgData name="Abhishek Pandey C" userId="719bcc0d-fd0b-4ed3-8a8c-d6a3676db542" providerId="ADAL" clId="{882776F1-6D74-4F8D-9BB4-CEA38D7F16BE}" dt="2024-04-02T11:29:30.299" v="195"/>
+            <ac:spMkLst>
+              <pc:docMk/>
+              <pc:sldMasterMk cId="213425003" sldId="2147483648"/>
+              <pc:sldLayoutMk cId="3617973260" sldId="2147483649"/>
+              <ac:spMk id="2" creationId="{341C36EF-56F9-8634-E38C-EA49F52FB992}"/>
+            </ac:spMkLst>
+          </pc:spChg>
+          <pc:spChg chg="mod">
+            <ac:chgData name="Abhishek Pandey C" userId="719bcc0d-fd0b-4ed3-8a8c-d6a3676db542" providerId="ADAL" clId="{882776F1-6D74-4F8D-9BB4-CEA38D7F16BE}" dt="2024-04-02T11:29:30.299" v="195"/>
+            <ac:spMkLst>
+              <pc:docMk/>
+              <pc:sldMasterMk cId="213425003" sldId="2147483648"/>
+              <pc:sldLayoutMk cId="3617973260" sldId="2147483649"/>
+              <ac:spMk id="3" creationId="{B7C4D88A-313F-89FC-D63E-C059835A8E55}"/>
+            </ac:spMkLst>
+          </pc:spChg>
+        </pc:sldLayoutChg>
+        <pc:sldLayoutChg chg="modSp">
+          <pc:chgData name="Abhishek Pandey C" userId="719bcc0d-fd0b-4ed3-8a8c-d6a3676db542" providerId="ADAL" clId="{882776F1-6D74-4F8D-9BB4-CEA38D7F16BE}" dt="2024-04-02T11:29:30.299" v="195"/>
+          <pc:sldLayoutMkLst>
+            <pc:docMk/>
+            <pc:sldMasterMk cId="213425003" sldId="2147483648"/>
+            <pc:sldLayoutMk cId="1865102290" sldId="2147483651"/>
+          </pc:sldLayoutMkLst>
+          <pc:spChg chg="mod">
+            <ac:chgData name="Abhishek Pandey C" userId="719bcc0d-fd0b-4ed3-8a8c-d6a3676db542" providerId="ADAL" clId="{882776F1-6D74-4F8D-9BB4-CEA38D7F16BE}" dt="2024-04-02T11:29:30.299" v="195"/>
+            <ac:spMkLst>
+              <pc:docMk/>
+              <pc:sldMasterMk cId="213425003" sldId="2147483648"/>
+              <pc:sldLayoutMk cId="1865102290" sldId="2147483651"/>
+              <ac:spMk id="2" creationId="{D43B1156-BC72-1224-A3E5-4EC69929C292}"/>
+            </ac:spMkLst>
+          </pc:spChg>
+          <pc:spChg chg="mod">
+            <ac:chgData name="Abhishek Pandey C" userId="719bcc0d-fd0b-4ed3-8a8c-d6a3676db542" providerId="ADAL" clId="{882776F1-6D74-4F8D-9BB4-CEA38D7F16BE}" dt="2024-04-02T11:29:30.299" v="195"/>
+            <ac:spMkLst>
+              <pc:docMk/>
+              <pc:sldMasterMk cId="213425003" sldId="2147483648"/>
+              <pc:sldLayoutMk cId="1865102290" sldId="2147483651"/>
+              <ac:spMk id="3" creationId="{474A7761-2E54-7739-3527-E72D21C7D792}"/>
+            </ac:spMkLst>
+          </pc:spChg>
+        </pc:sldLayoutChg>
+        <pc:sldLayoutChg chg="modSp">
+          <pc:chgData name="Abhishek Pandey C" userId="719bcc0d-fd0b-4ed3-8a8c-d6a3676db542" providerId="ADAL" clId="{882776F1-6D74-4F8D-9BB4-CEA38D7F16BE}" dt="2024-04-02T11:29:30.299" v="195"/>
+          <pc:sldLayoutMkLst>
+            <pc:docMk/>
+            <pc:sldMasterMk cId="213425003" sldId="2147483648"/>
+            <pc:sldLayoutMk cId="3715065892" sldId="2147483652"/>
+          </pc:sldLayoutMkLst>
+          <pc:spChg chg="mod">
+            <ac:chgData name="Abhishek Pandey C" userId="719bcc0d-fd0b-4ed3-8a8c-d6a3676db542" providerId="ADAL" clId="{882776F1-6D74-4F8D-9BB4-CEA38D7F16BE}" dt="2024-04-02T11:29:30.299" v="195"/>
+            <ac:spMkLst>
+              <pc:docMk/>
+              <pc:sldMasterMk cId="213425003" sldId="2147483648"/>
+              <pc:sldLayoutMk cId="3715065892" sldId="2147483652"/>
+              <ac:spMk id="3" creationId="{252A41D9-45DA-54C0-2E9F-5498D7869105}"/>
+            </ac:spMkLst>
+          </pc:spChg>
+          <pc:spChg chg="mod">
+            <ac:chgData name="Abhishek Pandey C" userId="719bcc0d-fd0b-4ed3-8a8c-d6a3676db542" providerId="ADAL" clId="{882776F1-6D74-4F8D-9BB4-CEA38D7F16BE}" dt="2024-04-02T11:29:30.299" v="195"/>
+            <ac:spMkLst>
+              <pc:docMk/>
+              <pc:sldMasterMk cId="213425003" sldId="2147483648"/>
+              <pc:sldLayoutMk cId="3715065892" sldId="2147483652"/>
+              <ac:spMk id="4" creationId="{5D90B30B-3ED8-9B2F-1CFD-0D34041F2355}"/>
+            </ac:spMkLst>
+          </pc:spChg>
+        </pc:sldLayoutChg>
+        <pc:sldLayoutChg chg="modSp">
+          <pc:chgData name="Abhishek Pandey C" userId="719bcc0d-fd0b-4ed3-8a8c-d6a3676db542" providerId="ADAL" clId="{882776F1-6D74-4F8D-9BB4-CEA38D7F16BE}" dt="2024-04-02T11:29:30.299" v="195"/>
+          <pc:sldLayoutMkLst>
+            <pc:docMk/>
+            <pc:sldMasterMk cId="213425003" sldId="2147483648"/>
+            <pc:sldLayoutMk cId="977528317" sldId="2147483653"/>
+          </pc:sldLayoutMkLst>
+          <pc:spChg chg="mod">
+            <ac:chgData name="Abhishek Pandey C" userId="719bcc0d-fd0b-4ed3-8a8c-d6a3676db542" providerId="ADAL" clId="{882776F1-6D74-4F8D-9BB4-CEA38D7F16BE}" dt="2024-04-02T11:29:30.299" v="195"/>
+            <ac:spMkLst>
+              <pc:docMk/>
+              <pc:sldMasterMk cId="213425003" sldId="2147483648"/>
+              <pc:sldLayoutMk cId="977528317" sldId="2147483653"/>
+              <ac:spMk id="2" creationId="{0D657888-2CCD-5645-56BD-68AF439A649B}"/>
+            </ac:spMkLst>
+          </pc:spChg>
+          <pc:spChg chg="mod">
+            <ac:chgData name="Abhishek Pandey C" userId="719bcc0d-fd0b-4ed3-8a8c-d6a3676db542" providerId="ADAL" clId="{882776F1-6D74-4F8D-9BB4-CEA38D7F16BE}" dt="2024-04-02T11:29:30.299" v="195"/>
+            <ac:spMkLst>
+              <pc:docMk/>
+              <pc:sldMasterMk cId="213425003" sldId="2147483648"/>
+              <pc:sldLayoutMk cId="977528317" sldId="2147483653"/>
+              <ac:spMk id="3" creationId="{E30BC471-536A-7FA3-90D8-ED25FB7FB3C1}"/>
+            </ac:spMkLst>
+          </pc:spChg>
+          <pc:spChg chg="mod">
+            <ac:chgData name="Abhishek Pandey C" userId="719bcc0d-fd0b-4ed3-8a8c-d6a3676db542" providerId="ADAL" clId="{882776F1-6D74-4F8D-9BB4-CEA38D7F16BE}" dt="2024-04-02T11:29:30.299" v="195"/>
+            <ac:spMkLst>
+              <pc:docMk/>
+              <pc:sldMasterMk cId="213425003" sldId="2147483648"/>
+              <pc:sldLayoutMk cId="977528317" sldId="2147483653"/>
+              <ac:spMk id="4" creationId="{98107438-FFFB-07C6-8D7F-4686FE912F47}"/>
+            </ac:spMkLst>
+          </pc:spChg>
+          <pc:spChg chg="mod">
+            <ac:chgData name="Abhishek Pandey C" userId="719bcc0d-fd0b-4ed3-8a8c-d6a3676db542" providerId="ADAL" clId="{882776F1-6D74-4F8D-9BB4-CEA38D7F16BE}" dt="2024-04-02T11:29:30.299" v="195"/>
+            <ac:spMkLst>
+              <pc:docMk/>
+              <pc:sldMasterMk cId="213425003" sldId="2147483648"/>
+              <pc:sldLayoutMk cId="977528317" sldId="2147483653"/>
+              <ac:spMk id="5" creationId="{E8444356-821F-4ED9-CED6-8941083D670A}"/>
+            </ac:spMkLst>
+          </pc:spChg>
+          <pc:spChg chg="mod">
+            <ac:chgData name="Abhishek Pandey C" userId="719bcc0d-fd0b-4ed3-8a8c-d6a3676db542" providerId="ADAL" clId="{882776F1-6D74-4F8D-9BB4-CEA38D7F16BE}" dt="2024-04-02T11:29:30.299" v="195"/>
+            <ac:spMkLst>
+              <pc:docMk/>
+              <pc:sldMasterMk cId="213425003" sldId="2147483648"/>
+              <pc:sldLayoutMk cId="977528317" sldId="2147483653"/>
+              <ac:spMk id="6" creationId="{7DE4D7E7-7493-DEAD-A10D-A948253F6A2F}"/>
+            </ac:spMkLst>
+          </pc:spChg>
+        </pc:sldLayoutChg>
+        <pc:sldLayoutChg chg="modSp">
+          <pc:chgData name="Abhishek Pandey C" userId="719bcc0d-fd0b-4ed3-8a8c-d6a3676db542" providerId="ADAL" clId="{882776F1-6D74-4F8D-9BB4-CEA38D7F16BE}" dt="2024-04-02T11:29:30.299" v="195"/>
+          <pc:sldLayoutMkLst>
+            <pc:docMk/>
+            <pc:sldMasterMk cId="213425003" sldId="2147483648"/>
+            <pc:sldLayoutMk cId="469108471" sldId="2147483656"/>
+          </pc:sldLayoutMkLst>
+          <pc:spChg chg="mod">
+            <ac:chgData name="Abhishek Pandey C" userId="719bcc0d-fd0b-4ed3-8a8c-d6a3676db542" providerId="ADAL" clId="{882776F1-6D74-4F8D-9BB4-CEA38D7F16BE}" dt="2024-04-02T11:29:30.299" v="195"/>
+            <ac:spMkLst>
+              <pc:docMk/>
+              <pc:sldMasterMk cId="213425003" sldId="2147483648"/>
+              <pc:sldLayoutMk cId="469108471" sldId="2147483656"/>
+              <ac:spMk id="2" creationId="{B837A864-495D-53F2-9E86-FAC185E1F134}"/>
+            </ac:spMkLst>
+          </pc:spChg>
+          <pc:spChg chg="mod">
+            <ac:chgData name="Abhishek Pandey C" userId="719bcc0d-fd0b-4ed3-8a8c-d6a3676db542" providerId="ADAL" clId="{882776F1-6D74-4F8D-9BB4-CEA38D7F16BE}" dt="2024-04-02T11:29:30.299" v="195"/>
+            <ac:spMkLst>
+              <pc:docMk/>
+              <pc:sldMasterMk cId="213425003" sldId="2147483648"/>
+              <pc:sldLayoutMk cId="469108471" sldId="2147483656"/>
+              <ac:spMk id="3" creationId="{D0DF45A6-19CF-117F-24DA-C73255D8971C}"/>
+            </ac:spMkLst>
+          </pc:spChg>
+          <pc:spChg chg="mod">
+            <ac:chgData name="Abhishek Pandey C" userId="719bcc0d-fd0b-4ed3-8a8c-d6a3676db542" providerId="ADAL" clId="{882776F1-6D74-4F8D-9BB4-CEA38D7F16BE}" dt="2024-04-02T11:29:30.299" v="195"/>
+            <ac:spMkLst>
+              <pc:docMk/>
+              <pc:sldMasterMk cId="213425003" sldId="2147483648"/>
+              <pc:sldLayoutMk cId="469108471" sldId="2147483656"/>
+              <ac:spMk id="4" creationId="{02A1CE40-3682-BF21-436E-C5F1B434D5C1}"/>
+            </ac:spMkLst>
+          </pc:spChg>
+        </pc:sldLayoutChg>
+        <pc:sldLayoutChg chg="modSp">
+          <pc:chgData name="Abhishek Pandey C" userId="719bcc0d-fd0b-4ed3-8a8c-d6a3676db542" providerId="ADAL" clId="{882776F1-6D74-4F8D-9BB4-CEA38D7F16BE}" dt="2024-04-02T11:29:30.299" v="195"/>
+          <pc:sldLayoutMkLst>
+            <pc:docMk/>
+            <pc:sldMasterMk cId="213425003" sldId="2147483648"/>
+            <pc:sldLayoutMk cId="2890851695" sldId="2147483657"/>
+          </pc:sldLayoutMkLst>
+          <pc:spChg chg="mod">
+            <ac:chgData name="Abhishek Pandey C" userId="719bcc0d-fd0b-4ed3-8a8c-d6a3676db542" providerId="ADAL" clId="{882776F1-6D74-4F8D-9BB4-CEA38D7F16BE}" dt="2024-04-02T11:29:30.299" v="195"/>
+            <ac:spMkLst>
+              <pc:docMk/>
+              <pc:sldMasterMk cId="213425003" sldId="2147483648"/>
+              <pc:sldLayoutMk cId="2890851695" sldId="2147483657"/>
+              <ac:spMk id="2" creationId="{D132C971-EA22-DC44-1266-A5169AB64E77}"/>
+            </ac:spMkLst>
+          </pc:spChg>
+          <pc:spChg chg="mod">
+            <ac:chgData name="Abhishek Pandey C" userId="719bcc0d-fd0b-4ed3-8a8c-d6a3676db542" providerId="ADAL" clId="{882776F1-6D74-4F8D-9BB4-CEA38D7F16BE}" dt="2024-04-02T11:29:30.299" v="195"/>
+            <ac:spMkLst>
+              <pc:docMk/>
+              <pc:sldMasterMk cId="213425003" sldId="2147483648"/>
+              <pc:sldLayoutMk cId="2890851695" sldId="2147483657"/>
+              <ac:spMk id="3" creationId="{5B8F1D1D-6E30-53F6-87CB-F3490AAA1A4B}"/>
+            </ac:spMkLst>
+          </pc:spChg>
+          <pc:spChg chg="mod">
+            <ac:chgData name="Abhishek Pandey C" userId="719bcc0d-fd0b-4ed3-8a8c-d6a3676db542" providerId="ADAL" clId="{882776F1-6D74-4F8D-9BB4-CEA38D7F16BE}" dt="2024-04-02T11:29:30.299" v="195"/>
+            <ac:spMkLst>
+              <pc:docMk/>
+              <pc:sldMasterMk cId="213425003" sldId="2147483648"/>
+              <pc:sldLayoutMk cId="2890851695" sldId="2147483657"/>
+              <ac:spMk id="4" creationId="{1D918500-5D38-9B88-51B3-A61C25D440CC}"/>
+            </ac:spMkLst>
+          </pc:spChg>
+        </pc:sldLayoutChg>
+        <pc:sldLayoutChg chg="modSp">
+          <pc:chgData name="Abhishek Pandey C" userId="719bcc0d-fd0b-4ed3-8a8c-d6a3676db542" providerId="ADAL" clId="{882776F1-6D74-4F8D-9BB4-CEA38D7F16BE}" dt="2024-04-02T11:29:30.299" v="195"/>
+          <pc:sldLayoutMkLst>
+            <pc:docMk/>
+            <pc:sldMasterMk cId="213425003" sldId="2147483648"/>
+            <pc:sldLayoutMk cId="2755982891" sldId="2147483659"/>
+          </pc:sldLayoutMkLst>
+          <pc:spChg chg="mod">
+            <ac:chgData name="Abhishek Pandey C" userId="719bcc0d-fd0b-4ed3-8a8c-d6a3676db542" providerId="ADAL" clId="{882776F1-6D74-4F8D-9BB4-CEA38D7F16BE}" dt="2024-04-02T11:29:30.299" v="195"/>
+            <ac:spMkLst>
+              <pc:docMk/>
+              <pc:sldMasterMk cId="213425003" sldId="2147483648"/>
+              <pc:sldLayoutMk cId="2755982891" sldId="2147483659"/>
+              <ac:spMk id="2" creationId="{7DD8B203-EB46-777B-02A8-32DFD810EE2C}"/>
+            </ac:spMkLst>
+          </pc:spChg>
+          <pc:spChg chg="mod">
+            <ac:chgData name="Abhishek Pandey C" userId="719bcc0d-fd0b-4ed3-8a8c-d6a3676db542" providerId="ADAL" clId="{882776F1-6D74-4F8D-9BB4-CEA38D7F16BE}" dt="2024-04-02T11:29:30.299" v="195"/>
+            <ac:spMkLst>
+              <pc:docMk/>
+              <pc:sldMasterMk cId="213425003" sldId="2147483648"/>
+              <pc:sldLayoutMk cId="2755982891" sldId="2147483659"/>
+              <ac:spMk id="3" creationId="{EB90C2BF-D86A-2B3D-04B6-D29A50ACE641}"/>
+            </ac:spMkLst>
+          </pc:spChg>
+        </pc:sldLayoutChg>
+      </pc:sldMasterChg>
+      <pc:sldMasterChg chg="modSp modSldLayout">
+        <pc:chgData name="Abhishek Pandey C" userId="719bcc0d-fd0b-4ed3-8a8c-d6a3676db542" providerId="ADAL" clId="{882776F1-6D74-4F8D-9BB4-CEA38D7F16BE}" dt="2024-04-02T11:28:10.116" v="179"/>
+        <pc:sldMasterMkLst>
+          <pc:docMk/>
+          <pc:sldMasterMk cId="998758301" sldId="2147483660"/>
+        </pc:sldMasterMkLst>
+        <pc:spChg chg="mod">
+          <ac:chgData name="Abhishek Pandey C" userId="719bcc0d-fd0b-4ed3-8a8c-d6a3676db542" providerId="ADAL" clId="{882776F1-6D74-4F8D-9BB4-CEA38D7F16BE}" dt="2024-04-02T11:28:10.116" v="179"/>
+          <ac:spMkLst>
+            <pc:docMk/>
+            <pc:sldMasterMk cId="998758301" sldId="2147483660"/>
+            <ac:spMk id="2" creationId="{00000000-0000-0000-0000-000000000000}"/>
+          </ac:spMkLst>
+        </pc:spChg>
+        <pc:spChg chg="mod">
+          <ac:chgData name="Abhishek Pandey C" userId="719bcc0d-fd0b-4ed3-8a8c-d6a3676db542" providerId="ADAL" clId="{882776F1-6D74-4F8D-9BB4-CEA38D7F16BE}" dt="2024-04-02T11:28:10.116" v="179"/>
+          <ac:spMkLst>
+            <pc:docMk/>
+            <pc:sldMasterMk cId="998758301" sldId="2147483660"/>
+            <ac:spMk id="3" creationId="{00000000-0000-0000-0000-000000000000}"/>
+          </ac:spMkLst>
+        </pc:spChg>
+        <pc:spChg chg="mod">
+          <ac:chgData name="Abhishek Pandey C" userId="719bcc0d-fd0b-4ed3-8a8c-d6a3676db542" providerId="ADAL" clId="{882776F1-6D74-4F8D-9BB4-CEA38D7F16BE}" dt="2024-04-02T11:28:10.116" v="179"/>
+          <ac:spMkLst>
+            <pc:docMk/>
+            <pc:sldMasterMk cId="998758301" sldId="2147483660"/>
+            <ac:spMk id="4" creationId="{00000000-0000-0000-0000-000000000000}"/>
+          </ac:spMkLst>
+        </pc:spChg>
+        <pc:spChg chg="mod">
+          <ac:chgData name="Abhishek Pandey C" userId="719bcc0d-fd0b-4ed3-8a8c-d6a3676db542" providerId="ADAL" clId="{882776F1-6D74-4F8D-9BB4-CEA38D7F16BE}" dt="2024-04-02T11:28:10.116" v="179"/>
+          <ac:spMkLst>
+            <pc:docMk/>
+            <pc:sldMasterMk cId="998758301" sldId="2147483660"/>
+            <ac:spMk id="5" creationId="{00000000-0000-0000-0000-000000000000}"/>
+          </ac:spMkLst>
+        </pc:spChg>
+        <pc:spChg chg="mod">
+          <ac:chgData name="Abhishek Pandey C" userId="719bcc0d-fd0b-4ed3-8a8c-d6a3676db542" providerId="ADAL" clId="{882776F1-6D74-4F8D-9BB4-CEA38D7F16BE}" dt="2024-04-02T11:28:10.116" v="179"/>
+          <ac:spMkLst>
+            <pc:docMk/>
+            <pc:sldMasterMk cId="998758301" sldId="2147483660"/>
+            <ac:spMk id="6" creationId="{00000000-0000-0000-0000-000000000000}"/>
+          </ac:spMkLst>
+        </pc:spChg>
+        <pc:sldLayoutChg chg="modSp">
+          <pc:chgData name="Abhishek Pandey C" userId="719bcc0d-fd0b-4ed3-8a8c-d6a3676db542" providerId="ADAL" clId="{882776F1-6D74-4F8D-9BB4-CEA38D7F16BE}" dt="2024-04-02T11:28:10.116" v="179"/>
+          <pc:sldLayoutMkLst>
+            <pc:docMk/>
+            <pc:sldMasterMk cId="998758301" sldId="2147483660"/>
+            <pc:sldLayoutMk cId="140193565" sldId="2147483661"/>
+          </pc:sldLayoutMkLst>
+          <pc:spChg chg="mod">
+            <ac:chgData name="Abhishek Pandey C" userId="719bcc0d-fd0b-4ed3-8a8c-d6a3676db542" providerId="ADAL" clId="{882776F1-6D74-4F8D-9BB4-CEA38D7F16BE}" dt="2024-04-02T11:28:10.116" v="179"/>
+            <ac:spMkLst>
+              <pc:docMk/>
+              <pc:sldMasterMk cId="998758301" sldId="2147483660"/>
+              <pc:sldLayoutMk cId="140193565" sldId="2147483661"/>
+              <ac:spMk id="2" creationId="{00000000-0000-0000-0000-000000000000}"/>
+            </ac:spMkLst>
+          </pc:spChg>
+          <pc:spChg chg="mod">
+            <ac:chgData name="Abhishek Pandey C" userId="719bcc0d-fd0b-4ed3-8a8c-d6a3676db542" providerId="ADAL" clId="{882776F1-6D74-4F8D-9BB4-CEA38D7F16BE}" dt="2024-04-02T11:28:10.116" v="179"/>
+            <ac:spMkLst>
+              <pc:docMk/>
+              <pc:sldMasterMk cId="998758301" sldId="2147483660"/>
+              <pc:sldLayoutMk cId="140193565" sldId="2147483661"/>
+              <ac:spMk id="3" creationId="{00000000-0000-0000-0000-000000000000}"/>
+            </ac:spMkLst>
+          </pc:spChg>
+        </pc:sldLayoutChg>
+        <pc:sldLayoutChg chg="modSp">
+          <pc:chgData name="Abhishek Pandey C" userId="719bcc0d-fd0b-4ed3-8a8c-d6a3676db542" providerId="ADAL" clId="{882776F1-6D74-4F8D-9BB4-CEA38D7F16BE}" dt="2024-04-02T11:28:10.116" v="179"/>
+          <pc:sldLayoutMkLst>
+            <pc:docMk/>
+            <pc:sldMasterMk cId="998758301" sldId="2147483660"/>
+            <pc:sldLayoutMk cId="2790356802" sldId="2147483663"/>
+          </pc:sldLayoutMkLst>
+          <pc:spChg chg="mod">
+            <ac:chgData name="Abhishek Pandey C" userId="719bcc0d-fd0b-4ed3-8a8c-d6a3676db542" providerId="ADAL" clId="{882776F1-6D74-4F8D-9BB4-CEA38D7F16BE}" dt="2024-04-02T11:28:10.116" v="179"/>
+            <ac:spMkLst>
+              <pc:docMk/>
+              <pc:sldMasterMk cId="998758301" sldId="2147483660"/>
+              <pc:sldLayoutMk cId="2790356802" sldId="2147483663"/>
+              <ac:spMk id="2" creationId="{00000000-0000-0000-0000-000000000000}"/>
+            </ac:spMkLst>
+          </pc:spChg>
+          <pc:spChg chg="mod">
+            <ac:chgData name="Abhishek Pandey C" userId="719bcc0d-fd0b-4ed3-8a8c-d6a3676db542" providerId="ADAL" clId="{882776F1-6D74-4F8D-9BB4-CEA38D7F16BE}" dt="2024-04-02T11:28:10.116" v="179"/>
+            <ac:spMkLst>
+              <pc:docMk/>
+              <pc:sldMasterMk cId="998758301" sldId="2147483660"/>
+              <pc:sldLayoutMk cId="2790356802" sldId="2147483663"/>
+              <ac:spMk id="3" creationId="{00000000-0000-0000-0000-000000000000}"/>
+            </ac:spMkLst>
+          </pc:spChg>
+        </pc:sldLayoutChg>
+        <pc:sldLayoutChg chg="modSp">
+          <pc:chgData name="Abhishek Pandey C" userId="719bcc0d-fd0b-4ed3-8a8c-d6a3676db542" providerId="ADAL" clId="{882776F1-6D74-4F8D-9BB4-CEA38D7F16BE}" dt="2024-04-02T11:28:10.116" v="179"/>
+          <pc:sldLayoutMkLst>
+            <pc:docMk/>
+            <pc:sldMasterMk cId="998758301" sldId="2147483660"/>
+            <pc:sldLayoutMk cId="1583842217" sldId="2147483664"/>
+          </pc:sldLayoutMkLst>
+          <pc:spChg chg="mod">
+            <ac:chgData name="Abhishek Pandey C" userId="719bcc0d-fd0b-4ed3-8a8c-d6a3676db542" providerId="ADAL" clId="{882776F1-6D74-4F8D-9BB4-CEA38D7F16BE}" dt="2024-04-02T11:28:10.116" v="179"/>
+            <ac:spMkLst>
+              <pc:docMk/>
+              <pc:sldMasterMk cId="998758301" sldId="2147483660"/>
+              <pc:sldLayoutMk cId="1583842217" sldId="2147483664"/>
+              <ac:spMk id="3" creationId="{00000000-0000-0000-0000-000000000000}"/>
+            </ac:spMkLst>
+          </pc:spChg>
+          <pc:spChg chg="mod">
+            <ac:chgData name="Abhishek Pandey C" userId="719bcc0d-fd0b-4ed3-8a8c-d6a3676db542" providerId="ADAL" clId="{882776F1-6D74-4F8D-9BB4-CEA38D7F16BE}" dt="2024-04-02T11:28:10.116" v="179"/>
+            <ac:spMkLst>
+              <pc:docMk/>
+              <pc:sldMasterMk cId="998758301" sldId="2147483660"/>
+              <pc:sldLayoutMk cId="1583842217" sldId="2147483664"/>
+              <ac:spMk id="4" creationId="{00000000-0000-0000-0000-000000000000}"/>
+            </ac:spMkLst>
+          </pc:spChg>
+        </pc:sldLayoutChg>
+        <pc:sldLayoutChg chg="modSp">
+          <pc:chgData name="Abhishek Pandey C" userId="719bcc0d-fd0b-4ed3-8a8c-d6a3676db542" providerId="ADAL" clId="{882776F1-6D74-4F8D-9BB4-CEA38D7F16BE}" dt="2024-04-02T11:28:10.116" v="179"/>
+          <pc:sldLayoutMkLst>
+            <pc:docMk/>
+            <pc:sldMasterMk cId="998758301" sldId="2147483660"/>
+            <pc:sldLayoutMk cId="611042528" sldId="2147483665"/>
+          </pc:sldLayoutMkLst>
+          <pc:spChg chg="mod">
+            <ac:chgData name="Abhishek Pandey C" userId="719bcc0d-fd0b-4ed3-8a8c-d6a3676db542" providerId="ADAL" clId="{882776F1-6D74-4F8D-9BB4-CEA38D7F16BE}" dt="2024-04-02T11:28:10.116" v="179"/>
+            <ac:spMkLst>
+              <pc:docMk/>
+              <pc:sldMasterMk cId="998758301" sldId="2147483660"/>
+              <pc:sldLayoutMk cId="611042528" sldId="2147483665"/>
+              <ac:spMk id="2" creationId="{00000000-0000-0000-0000-000000000000}"/>
+            </ac:spMkLst>
+          </pc:spChg>
+          <pc:spChg chg="mod">
+            <ac:chgData name="Abhishek Pandey C" userId="719bcc0d-fd0b-4ed3-8a8c-d6a3676db542" providerId="ADAL" clId="{882776F1-6D74-4F8D-9BB4-CEA38D7F16BE}" dt="2024-04-02T11:28:10.116" v="179"/>
+            <ac:spMkLst>
+              <pc:docMk/>
+              <pc:sldMasterMk cId="998758301" sldId="2147483660"/>
+              <pc:sldLayoutMk cId="611042528" sldId="2147483665"/>
+              <ac:spMk id="3" creationId="{00000000-0000-0000-0000-000000000000}"/>
+            </ac:spMkLst>
+          </pc:spChg>
+          <pc:spChg chg="mod">
+            <ac:chgData name="Abhishek Pandey C" userId="719bcc0d-fd0b-4ed3-8a8c-d6a3676db542" providerId="ADAL" clId="{882776F1-6D74-4F8D-9BB4-CEA38D7F16BE}" dt="2024-04-02T11:28:10.116" v="179"/>
+            <ac:spMkLst>
+              <pc:docMk/>
+              <pc:sldMasterMk cId="998758301" sldId="2147483660"/>
+              <pc:sldLayoutMk cId="611042528" sldId="2147483665"/>
+              <ac:spMk id="4" creationId="{00000000-0000-0000-0000-000000000000}"/>
+            </ac:spMkLst>
+          </pc:spChg>
+          <pc:spChg chg="mod">
+            <ac:chgData name="Abhishek Pandey C" userId="719bcc0d-fd0b-4ed3-8a8c-d6a3676db542" providerId="ADAL" clId="{882776F1-6D74-4F8D-9BB4-CEA38D7F16BE}" dt="2024-04-02T11:28:10.116" v="179"/>
+            <ac:spMkLst>
+              <pc:docMk/>
+              <pc:sldMasterMk cId="998758301" sldId="2147483660"/>
+              <pc:sldLayoutMk cId="611042528" sldId="2147483665"/>
+              <ac:spMk id="5" creationId="{00000000-0000-0000-0000-000000000000}"/>
+            </ac:spMkLst>
+          </pc:spChg>
+          <pc:spChg chg="mod">
+            <ac:chgData name="Abhishek Pandey C" userId="719bcc0d-fd0b-4ed3-8a8c-d6a3676db542" providerId="ADAL" clId="{882776F1-6D74-4F8D-9BB4-CEA38D7F16BE}" dt="2024-04-02T11:28:10.116" v="179"/>
+            <ac:spMkLst>
+              <pc:docMk/>
+              <pc:sldMasterMk cId="998758301" sldId="2147483660"/>
+              <pc:sldLayoutMk cId="611042528" sldId="2147483665"/>
+              <ac:spMk id="6" creationId="{00000000-0000-0000-0000-000000000000}"/>
+            </ac:spMkLst>
+          </pc:spChg>
+        </pc:sldLayoutChg>
+        <pc:sldLayoutChg chg="modSp">
+          <pc:chgData name="Abhishek Pandey C" userId="719bcc0d-fd0b-4ed3-8a8c-d6a3676db542" providerId="ADAL" clId="{882776F1-6D74-4F8D-9BB4-CEA38D7F16BE}" dt="2024-04-02T11:28:10.116" v="179"/>
+          <pc:sldLayoutMkLst>
+            <pc:docMk/>
+            <pc:sldMasterMk cId="998758301" sldId="2147483660"/>
+            <pc:sldLayoutMk cId="1619607845" sldId="2147483668"/>
+          </pc:sldLayoutMkLst>
+          <pc:spChg chg="mod">
+            <ac:chgData name="Abhishek Pandey C" userId="719bcc0d-fd0b-4ed3-8a8c-d6a3676db542" providerId="ADAL" clId="{882776F1-6D74-4F8D-9BB4-CEA38D7F16BE}" dt="2024-04-02T11:28:10.116" v="179"/>
+            <ac:spMkLst>
+              <pc:docMk/>
+              <pc:sldMasterMk cId="998758301" sldId="2147483660"/>
+              <pc:sldLayoutMk cId="1619607845" sldId="2147483668"/>
+              <ac:spMk id="2" creationId="{00000000-0000-0000-0000-000000000000}"/>
+            </ac:spMkLst>
+          </pc:spChg>
+          <pc:spChg chg="mod">
+            <ac:chgData name="Abhishek Pandey C" userId="719bcc0d-fd0b-4ed3-8a8c-d6a3676db542" providerId="ADAL" clId="{882776F1-6D74-4F8D-9BB4-CEA38D7F16BE}" dt="2024-04-02T11:28:10.116" v="179"/>
+            <ac:spMkLst>
+              <pc:docMk/>
+              <pc:sldMasterMk cId="998758301" sldId="2147483660"/>
+              <pc:sldLayoutMk cId="1619607845" sldId="2147483668"/>
+              <ac:spMk id="3" creationId="{00000000-0000-0000-0000-000000000000}"/>
+            </ac:spMkLst>
+          </pc:spChg>
+          <pc:spChg chg="mod">
+            <ac:chgData name="Abhishek Pandey C" userId="719bcc0d-fd0b-4ed3-8a8c-d6a3676db542" providerId="ADAL" clId="{882776F1-6D74-4F8D-9BB4-CEA38D7F16BE}" dt="2024-04-02T11:28:10.116" v="179"/>
+            <ac:spMkLst>
+              <pc:docMk/>
+              <pc:sldMasterMk cId="998758301" sldId="2147483660"/>
+              <pc:sldLayoutMk cId="1619607845" sldId="2147483668"/>
+              <ac:spMk id="4" creationId="{00000000-0000-0000-0000-000000000000}"/>
+            </ac:spMkLst>
+          </pc:spChg>
+        </pc:sldLayoutChg>
+        <pc:sldLayoutChg chg="modSp">
+          <pc:chgData name="Abhishek Pandey C" userId="719bcc0d-fd0b-4ed3-8a8c-d6a3676db542" providerId="ADAL" clId="{882776F1-6D74-4F8D-9BB4-CEA38D7F16BE}" dt="2024-04-02T11:28:10.116" v="179"/>
+          <pc:sldLayoutMkLst>
+            <pc:docMk/>
+            <pc:sldMasterMk cId="998758301" sldId="2147483660"/>
+            <pc:sldLayoutMk cId="2053042417" sldId="2147483669"/>
+          </pc:sldLayoutMkLst>
+          <pc:spChg chg="mod">
+            <ac:chgData name="Abhishek Pandey C" userId="719bcc0d-fd0b-4ed3-8a8c-d6a3676db542" providerId="ADAL" clId="{882776F1-6D74-4F8D-9BB4-CEA38D7F16BE}" dt="2024-04-02T11:28:10.116" v="179"/>
+            <ac:spMkLst>
+              <pc:docMk/>
+              <pc:sldMasterMk cId="998758301" sldId="2147483660"/>
+              <pc:sldLayoutMk cId="2053042417" sldId="2147483669"/>
+              <ac:spMk id="2" creationId="{00000000-0000-0000-0000-000000000000}"/>
+            </ac:spMkLst>
+          </pc:spChg>
+          <pc:spChg chg="mod">
+            <ac:chgData name="Abhishek Pandey C" userId="719bcc0d-fd0b-4ed3-8a8c-d6a3676db542" providerId="ADAL" clId="{882776F1-6D74-4F8D-9BB4-CEA38D7F16BE}" dt="2024-04-02T11:28:10.116" v="179"/>
+            <ac:spMkLst>
+              <pc:docMk/>
+              <pc:sldMasterMk cId="998758301" sldId="2147483660"/>
+              <pc:sldLayoutMk cId="2053042417" sldId="2147483669"/>
+              <ac:spMk id="3" creationId="{00000000-0000-0000-0000-000000000000}"/>
+            </ac:spMkLst>
+          </pc:spChg>
+          <pc:spChg chg="mod">
+            <ac:chgData name="Abhishek Pandey C" userId="719bcc0d-fd0b-4ed3-8a8c-d6a3676db542" providerId="ADAL" clId="{882776F1-6D74-4F8D-9BB4-CEA38D7F16BE}" dt="2024-04-02T11:28:10.116" v="179"/>
+            <ac:spMkLst>
+              <pc:docMk/>
+              <pc:sldMasterMk cId="998758301" sldId="2147483660"/>
+              <pc:sldLayoutMk cId="2053042417" sldId="2147483669"/>
+              <ac:spMk id="4" creationId="{00000000-0000-0000-0000-000000000000}"/>
+            </ac:spMkLst>
+          </pc:spChg>
+        </pc:sldLayoutChg>
+        <pc:sldLayoutChg chg="modSp">
+          <pc:chgData name="Abhishek Pandey C" userId="719bcc0d-fd0b-4ed3-8a8c-d6a3676db542" providerId="ADAL" clId="{882776F1-6D74-4F8D-9BB4-CEA38D7F16BE}" dt="2024-04-02T11:28:10.116" v="179"/>
+          <pc:sldLayoutMkLst>
+            <pc:docMk/>
+            <pc:sldMasterMk cId="998758301" sldId="2147483660"/>
+            <pc:sldLayoutMk cId="2151295884" sldId="2147483671"/>
+          </pc:sldLayoutMkLst>
+          <pc:spChg chg="mod">
+            <ac:chgData name="Abhishek Pandey C" userId="719bcc0d-fd0b-4ed3-8a8c-d6a3676db542" providerId="ADAL" clId="{882776F1-6D74-4F8D-9BB4-CEA38D7F16BE}" dt="2024-04-02T11:28:10.116" v="179"/>
+            <ac:spMkLst>
+              <pc:docMk/>
+              <pc:sldMasterMk cId="998758301" sldId="2147483660"/>
+              <pc:sldLayoutMk cId="2151295884" sldId="2147483671"/>
+              <ac:spMk id="2" creationId="{00000000-0000-0000-0000-000000000000}"/>
+            </ac:spMkLst>
+          </pc:spChg>
+          <pc:spChg chg="mod">
+            <ac:chgData name="Abhishek Pandey C" userId="719bcc0d-fd0b-4ed3-8a8c-d6a3676db542" providerId="ADAL" clId="{882776F1-6D74-4F8D-9BB4-CEA38D7F16BE}" dt="2024-04-02T11:28:10.116" v="179"/>
+            <ac:spMkLst>
+              <pc:docMk/>
+              <pc:sldMasterMk cId="998758301" sldId="2147483660"/>
+              <pc:sldLayoutMk cId="2151295884" sldId="2147483671"/>
+              <ac:spMk id="3" creationId="{00000000-0000-0000-0000-000000000000}"/>
+            </ac:spMkLst>
+          </pc:spChg>
+        </pc:sldLayoutChg>
+      </pc:sldMasterChg>
+    </pc:docChg>
+  </pc:docChgLst>
 </pc:chgInfo>
 </file>
 
@@ -400,7 +1828,7 @@
         </p:nvSpPr>
         <p:spPr>
           <a:xfrm>
-            <a:off x="1524000" y="3602038"/>
+            <a:off x="1524000" y="3602039"/>
             <a:ext cx="9144000" cy="1655762"/>
           </a:xfrm>
         </p:spPr>
@@ -411,35 +1839,35 @@
               <a:buNone/>
               <a:defRPr sz="2400"/>
             </a:lvl1pPr>
-            <a:lvl2pPr marL="457200" indent="0" algn="ctr">
+            <a:lvl2pPr marL="457228" indent="0" algn="ctr">
               <a:buNone/>
               <a:defRPr sz="2000"/>
             </a:lvl2pPr>
-            <a:lvl3pPr marL="914400" indent="0" algn="ctr">
+            <a:lvl3pPr marL="914457" indent="0" algn="ctr">
               <a:buNone/>
               <a:defRPr sz="1800"/>
             </a:lvl3pPr>
-            <a:lvl4pPr marL="1371600" indent="0" algn="ctr">
+            <a:lvl4pPr marL="1371685" indent="0" algn="ctr">
               <a:buNone/>
               <a:defRPr sz="1600"/>
             </a:lvl4pPr>
-            <a:lvl5pPr marL="1828800" indent="0" algn="ctr">
+            <a:lvl5pPr marL="1828913" indent="0" algn="ctr">
               <a:buNone/>
               <a:defRPr sz="1600"/>
             </a:lvl5pPr>
-            <a:lvl6pPr marL="2286000" indent="0" algn="ctr">
+            <a:lvl6pPr marL="2286142" indent="0" algn="ctr">
               <a:buNone/>
               <a:defRPr sz="1600"/>
             </a:lvl6pPr>
-            <a:lvl7pPr marL="2743200" indent="0" algn="ctr">
+            <a:lvl7pPr marL="2743370" indent="0" algn="ctr">
               <a:buNone/>
               <a:defRPr sz="1600"/>
             </a:lvl7pPr>
-            <a:lvl8pPr marL="3200400" indent="0" algn="ctr">
+            <a:lvl8pPr marL="3200598" indent="0" algn="ctr">
               <a:buNone/>
               <a:defRPr sz="1600"/>
             </a:lvl8pPr>
-            <a:lvl9pPr marL="3657600" indent="0" algn="ctr">
+            <a:lvl9pPr marL="3657827" indent="0" algn="ctr">
               <a:buNone/>
               <a:defRPr sz="1600"/>
             </a:lvl9pPr>
@@ -476,7 +1904,7 @@
           <a:p>
             <a:fld id="{70EDF9B1-29A9-40EF-B57F-948F04F870D6}" type="datetimeFigureOut">
               <a:rPr lang="en-IN" smtClean="0"/>
-              <a:t>12-03-2024</a:t>
+              <a:t>02-04-2024</a:t>
             </a:fld>
             <a:endParaRPr lang="en-IN"/>
           </a:p>
@@ -676,7 +2104,7 @@
           <a:p>
             <a:fld id="{70EDF9B1-29A9-40EF-B57F-948F04F870D6}" type="datetimeFigureOut">
               <a:rPr lang="en-IN" smtClean="0"/>
-              <a:t>12-03-2024</a:t>
+              <a:t>02-04-2024</a:t>
             </a:fld>
             <a:endParaRPr lang="en-IN"/>
           </a:p>
@@ -784,7 +2212,7 @@
         </p:nvSpPr>
         <p:spPr>
           <a:xfrm>
-            <a:off x="8724900" y="365125"/>
+            <a:off x="8724900" y="365127"/>
             <a:ext cx="2628900" cy="5811838"/>
           </a:xfrm>
         </p:spPr>
@@ -818,7 +2246,7 @@
         </p:nvSpPr>
         <p:spPr>
           <a:xfrm>
-            <a:off x="838200" y="365125"/>
+            <a:off x="838200" y="365127"/>
             <a:ext cx="7734300" cy="5811838"/>
           </a:xfrm>
         </p:spPr>
@@ -886,7 +2314,7 @@
           <a:p>
             <a:fld id="{70EDF9B1-29A9-40EF-B57F-948F04F870D6}" type="datetimeFigureOut">
               <a:rPr lang="en-IN" smtClean="0"/>
-              <a:t>12-03-2024</a:t>
+              <a:t>02-04-2024</a:t>
             </a:fld>
             <a:endParaRPr lang="en-IN"/>
           </a:p>
@@ -1086,7 +2514,7 @@
           <a:p>
             <a:fld id="{70EDF9B1-29A9-40EF-B57F-948F04F870D6}" type="datetimeFigureOut">
               <a:rPr lang="en-IN" smtClean="0"/>
-              <a:t>12-03-2024</a:t>
+              <a:t>02-04-2024</a:t>
             </a:fld>
             <a:endParaRPr lang="en-IN"/>
           </a:p>
@@ -1194,7 +2622,7 @@
         </p:nvSpPr>
         <p:spPr>
           <a:xfrm>
-            <a:off x="831850" y="1709738"/>
+            <a:off x="831850" y="1709739"/>
             <a:ext cx="10515600" cy="2852737"/>
           </a:xfrm>
         </p:spPr>
@@ -1232,7 +2660,7 @@
         </p:nvSpPr>
         <p:spPr>
           <a:xfrm>
-            <a:off x="831850" y="4589463"/>
+            <a:off x="831850" y="4589464"/>
             <a:ext cx="10515600" cy="1500187"/>
           </a:xfrm>
         </p:spPr>
@@ -1249,7 +2677,7 @@
                 </a:solidFill>
               </a:defRPr>
             </a:lvl1pPr>
-            <a:lvl2pPr marL="457200" indent="0">
+            <a:lvl2pPr marL="457228" indent="0">
               <a:buNone/>
               <a:defRPr sz="2000">
                 <a:solidFill>
@@ -1259,7 +2687,7 @@
                 </a:solidFill>
               </a:defRPr>
             </a:lvl2pPr>
-            <a:lvl3pPr marL="914400" indent="0">
+            <a:lvl3pPr marL="914457" indent="0">
               <a:buNone/>
               <a:defRPr sz="1800">
                 <a:solidFill>
@@ -1269,7 +2697,7 @@
                 </a:solidFill>
               </a:defRPr>
             </a:lvl3pPr>
-            <a:lvl4pPr marL="1371600" indent="0">
+            <a:lvl4pPr marL="1371685" indent="0">
               <a:buNone/>
               <a:defRPr sz="1600">
                 <a:solidFill>
@@ -1279,7 +2707,7 @@
                 </a:solidFill>
               </a:defRPr>
             </a:lvl4pPr>
-            <a:lvl5pPr marL="1828800" indent="0">
+            <a:lvl5pPr marL="1828913" indent="0">
               <a:buNone/>
               <a:defRPr sz="1600">
                 <a:solidFill>
@@ -1289,7 +2717,7 @@
                 </a:solidFill>
               </a:defRPr>
             </a:lvl5pPr>
-            <a:lvl6pPr marL="2286000" indent="0">
+            <a:lvl6pPr marL="2286142" indent="0">
               <a:buNone/>
               <a:defRPr sz="1600">
                 <a:solidFill>
@@ -1299,7 +2727,7 @@
                 </a:solidFill>
               </a:defRPr>
             </a:lvl6pPr>
-            <a:lvl7pPr marL="2743200" indent="0">
+            <a:lvl7pPr marL="2743370" indent="0">
               <a:buNone/>
               <a:defRPr sz="1600">
                 <a:solidFill>
@@ -1309,7 +2737,7 @@
                 </a:solidFill>
               </a:defRPr>
             </a:lvl7pPr>
-            <a:lvl8pPr marL="3200400" indent="0">
+            <a:lvl8pPr marL="3200598" indent="0">
               <a:buNone/>
               <a:defRPr sz="1600">
                 <a:solidFill>
@@ -1319,7 +2747,7 @@
                 </a:solidFill>
               </a:defRPr>
             </a:lvl8pPr>
-            <a:lvl9pPr marL="3657600" indent="0">
+            <a:lvl9pPr marL="3657827" indent="0">
               <a:buNone/>
               <a:defRPr sz="1600">
                 <a:solidFill>
@@ -1362,7 +2790,7 @@
           <a:p>
             <a:fld id="{70EDF9B1-29A9-40EF-B57F-948F04F870D6}" type="datetimeFigureOut">
               <a:rPr lang="en-IN" smtClean="0"/>
-              <a:t>12-03-2024</a:t>
+              <a:t>02-04-2024</a:t>
             </a:fld>
             <a:endParaRPr lang="en-IN"/>
           </a:p>
@@ -1630,7 +3058,7 @@
           <a:p>
             <a:fld id="{70EDF9B1-29A9-40EF-B57F-948F04F870D6}" type="datetimeFigureOut">
               <a:rPr lang="en-IN" smtClean="0"/>
-              <a:t>12-03-2024</a:t>
+              <a:t>02-04-2024</a:t>
             </a:fld>
             <a:endParaRPr lang="en-IN"/>
           </a:p>
@@ -1772,7 +3200,7 @@
         </p:nvSpPr>
         <p:spPr>
           <a:xfrm>
-            <a:off x="839788" y="1681163"/>
+            <a:off x="839791" y="1681164"/>
             <a:ext cx="5157787" cy="823912"/>
           </a:xfrm>
         </p:spPr>
@@ -1783,35 +3211,35 @@
               <a:buNone/>
               <a:defRPr sz="2400" b="1"/>
             </a:lvl1pPr>
-            <a:lvl2pPr marL="457200" indent="0">
+            <a:lvl2pPr marL="457228" indent="0">
               <a:buNone/>
               <a:defRPr sz="2000" b="1"/>
             </a:lvl2pPr>
-            <a:lvl3pPr marL="914400" indent="0">
+            <a:lvl3pPr marL="914457" indent="0">
               <a:buNone/>
               <a:defRPr sz="1800" b="1"/>
             </a:lvl3pPr>
-            <a:lvl4pPr marL="1371600" indent="0">
+            <a:lvl4pPr marL="1371685" indent="0">
               <a:buNone/>
               <a:defRPr sz="1600" b="1"/>
             </a:lvl4pPr>
-            <a:lvl5pPr marL="1828800" indent="0">
+            <a:lvl5pPr marL="1828913" indent="0">
               <a:buNone/>
               <a:defRPr sz="1600" b="1"/>
             </a:lvl5pPr>
-            <a:lvl6pPr marL="2286000" indent="0">
+            <a:lvl6pPr marL="2286142" indent="0">
               <a:buNone/>
               <a:defRPr sz="1600" b="1"/>
             </a:lvl6pPr>
-            <a:lvl7pPr marL="2743200" indent="0">
+            <a:lvl7pPr marL="2743370" indent="0">
               <a:buNone/>
               <a:defRPr sz="1600" b="1"/>
             </a:lvl7pPr>
-            <a:lvl8pPr marL="3200400" indent="0">
+            <a:lvl8pPr marL="3200598" indent="0">
               <a:buNone/>
               <a:defRPr sz="1600" b="1"/>
             </a:lvl8pPr>
-            <a:lvl9pPr marL="3657600" indent="0">
+            <a:lvl9pPr marL="3657827" indent="0">
               <a:buNone/>
               <a:defRPr sz="1600" b="1"/>
             </a:lvl9pPr>
@@ -1843,7 +3271,7 @@
         </p:nvSpPr>
         <p:spPr>
           <a:xfrm>
-            <a:off x="839788" y="2505075"/>
+            <a:off x="839791" y="2505075"/>
             <a:ext cx="5157787" cy="3684588"/>
           </a:xfrm>
         </p:spPr>
@@ -1906,7 +3334,7 @@
         </p:nvSpPr>
         <p:spPr>
           <a:xfrm>
-            <a:off x="6172200" y="1681163"/>
+            <a:off x="6172200" y="1681164"/>
             <a:ext cx="5183188" cy="823912"/>
           </a:xfrm>
         </p:spPr>
@@ -1917,35 +3345,35 @@
               <a:buNone/>
               <a:defRPr sz="2400" b="1"/>
             </a:lvl1pPr>
-            <a:lvl2pPr marL="457200" indent="0">
+            <a:lvl2pPr marL="457228" indent="0">
               <a:buNone/>
               <a:defRPr sz="2000" b="1"/>
             </a:lvl2pPr>
-            <a:lvl3pPr marL="914400" indent="0">
+            <a:lvl3pPr marL="914457" indent="0">
               <a:buNone/>
               <a:defRPr sz="1800" b="1"/>
             </a:lvl3pPr>
-            <a:lvl4pPr marL="1371600" indent="0">
+            <a:lvl4pPr marL="1371685" indent="0">
               <a:buNone/>
               <a:defRPr sz="1600" b="1"/>
             </a:lvl4pPr>
-            <a:lvl5pPr marL="1828800" indent="0">
+            <a:lvl5pPr marL="1828913" indent="0">
               <a:buNone/>
               <a:defRPr sz="1600" b="1"/>
             </a:lvl5pPr>
-            <a:lvl6pPr marL="2286000" indent="0">
+            <a:lvl6pPr marL="2286142" indent="0">
               <a:buNone/>
               <a:defRPr sz="1600" b="1"/>
             </a:lvl6pPr>
-            <a:lvl7pPr marL="2743200" indent="0">
+            <a:lvl7pPr marL="2743370" indent="0">
               <a:buNone/>
               <a:defRPr sz="1600" b="1"/>
             </a:lvl7pPr>
-            <a:lvl8pPr marL="3200400" indent="0">
+            <a:lvl8pPr marL="3200598" indent="0">
               <a:buNone/>
               <a:defRPr sz="1600" b="1"/>
             </a:lvl8pPr>
-            <a:lvl9pPr marL="3657600" indent="0">
+            <a:lvl9pPr marL="3657827" indent="0">
               <a:buNone/>
               <a:defRPr sz="1600" b="1"/>
             </a:lvl9pPr>
@@ -2045,7 +3473,7 @@
           <a:p>
             <a:fld id="{70EDF9B1-29A9-40EF-B57F-948F04F870D6}" type="datetimeFigureOut">
               <a:rPr lang="en-IN" smtClean="0"/>
-              <a:t>12-03-2024</a:t>
+              <a:t>02-04-2024</a:t>
             </a:fld>
             <a:endParaRPr lang="en-IN"/>
           </a:p>
@@ -2187,7 +3615,7 @@
           <a:p>
             <a:fld id="{70EDF9B1-29A9-40EF-B57F-948F04F870D6}" type="datetimeFigureOut">
               <a:rPr lang="en-IN" smtClean="0"/>
-              <a:t>12-03-2024</a:t>
+              <a:t>02-04-2024</a:t>
             </a:fld>
             <a:endParaRPr lang="en-IN"/>
           </a:p>
@@ -2300,7 +3728,7 @@
           <a:p>
             <a:fld id="{70EDF9B1-29A9-40EF-B57F-948F04F870D6}" type="datetimeFigureOut">
               <a:rPr lang="en-IN" smtClean="0"/>
-              <a:t>12-03-2024</a:t>
+              <a:t>02-04-2024</a:t>
             </a:fld>
             <a:endParaRPr lang="en-IN"/>
           </a:p>
@@ -2408,7 +3836,7 @@
         </p:nvSpPr>
         <p:spPr>
           <a:xfrm>
-            <a:off x="839788" y="457200"/>
+            <a:off x="839792" y="457200"/>
             <a:ext cx="3932237" cy="1600200"/>
           </a:xfrm>
         </p:spPr>
@@ -2446,7 +3874,7 @@
         </p:nvSpPr>
         <p:spPr>
           <a:xfrm>
-            <a:off x="5183188" y="987425"/>
+            <a:off x="5183188" y="987427"/>
             <a:ext cx="6172200" cy="4873625"/>
           </a:xfrm>
         </p:spPr>
@@ -2537,7 +3965,7 @@
         </p:nvSpPr>
         <p:spPr>
           <a:xfrm>
-            <a:off x="839788" y="2057400"/>
+            <a:off x="839792" y="2057401"/>
             <a:ext cx="3932237" cy="3811588"/>
           </a:xfrm>
         </p:spPr>
@@ -2548,35 +3976,35 @@
               <a:buNone/>
               <a:defRPr sz="1600"/>
             </a:lvl1pPr>
-            <a:lvl2pPr marL="457200" indent="0">
+            <a:lvl2pPr marL="457228" indent="0">
               <a:buNone/>
               <a:defRPr sz="1400"/>
             </a:lvl2pPr>
-            <a:lvl3pPr marL="914400" indent="0">
+            <a:lvl3pPr marL="914457" indent="0">
               <a:buNone/>
               <a:defRPr sz="1200"/>
             </a:lvl3pPr>
-            <a:lvl4pPr marL="1371600" indent="0">
+            <a:lvl4pPr marL="1371685" indent="0">
               <a:buNone/>
               <a:defRPr sz="1000"/>
             </a:lvl4pPr>
-            <a:lvl5pPr marL="1828800" indent="0">
+            <a:lvl5pPr marL="1828913" indent="0">
               <a:buNone/>
               <a:defRPr sz="1000"/>
             </a:lvl5pPr>
-            <a:lvl6pPr marL="2286000" indent="0">
+            <a:lvl6pPr marL="2286142" indent="0">
               <a:buNone/>
               <a:defRPr sz="1000"/>
             </a:lvl6pPr>
-            <a:lvl7pPr marL="2743200" indent="0">
+            <a:lvl7pPr marL="2743370" indent="0">
               <a:buNone/>
               <a:defRPr sz="1000"/>
             </a:lvl7pPr>
-            <a:lvl8pPr marL="3200400" indent="0">
+            <a:lvl8pPr marL="3200598" indent="0">
               <a:buNone/>
               <a:defRPr sz="1000"/>
             </a:lvl8pPr>
-            <a:lvl9pPr marL="3657600" indent="0">
+            <a:lvl9pPr marL="3657827" indent="0">
               <a:buNone/>
               <a:defRPr sz="1000"/>
             </a:lvl9pPr>
@@ -2613,7 +4041,7 @@
           <a:p>
             <a:fld id="{70EDF9B1-29A9-40EF-B57F-948F04F870D6}" type="datetimeFigureOut">
               <a:rPr lang="en-IN" smtClean="0"/>
-              <a:t>12-03-2024</a:t>
+              <a:t>02-04-2024</a:t>
             </a:fld>
             <a:endParaRPr lang="en-IN"/>
           </a:p>
@@ -2721,7 +4149,7 @@
         </p:nvSpPr>
         <p:spPr>
           <a:xfrm>
-            <a:off x="839788" y="457200"/>
+            <a:off x="839792" y="457200"/>
             <a:ext cx="3932237" cy="1600200"/>
           </a:xfrm>
         </p:spPr>
@@ -2759,7 +4187,7 @@
         </p:nvSpPr>
         <p:spPr>
           <a:xfrm>
-            <a:off x="5183188" y="987425"/>
+            <a:off x="5183188" y="987427"/>
             <a:ext cx="6172200" cy="4873625"/>
           </a:xfrm>
         </p:spPr>
@@ -2770,35 +4198,35 @@
               <a:buNone/>
               <a:defRPr sz="3200"/>
             </a:lvl1pPr>
-            <a:lvl2pPr marL="457200" indent="0">
+            <a:lvl2pPr marL="457228" indent="0">
               <a:buNone/>
               <a:defRPr sz="2800"/>
             </a:lvl2pPr>
-            <a:lvl3pPr marL="914400" indent="0">
+            <a:lvl3pPr marL="914457" indent="0">
               <a:buNone/>
               <a:defRPr sz="2400"/>
             </a:lvl3pPr>
-            <a:lvl4pPr marL="1371600" indent="0">
+            <a:lvl4pPr marL="1371685" indent="0">
               <a:buNone/>
               <a:defRPr sz="2000"/>
             </a:lvl4pPr>
-            <a:lvl5pPr marL="1828800" indent="0">
+            <a:lvl5pPr marL="1828913" indent="0">
               <a:buNone/>
               <a:defRPr sz="2000"/>
             </a:lvl5pPr>
-            <a:lvl6pPr marL="2286000" indent="0">
+            <a:lvl6pPr marL="2286142" indent="0">
               <a:buNone/>
               <a:defRPr sz="2000"/>
             </a:lvl6pPr>
-            <a:lvl7pPr marL="2743200" indent="0">
+            <a:lvl7pPr marL="2743370" indent="0">
               <a:buNone/>
               <a:defRPr sz="2000"/>
             </a:lvl7pPr>
-            <a:lvl8pPr marL="3200400" indent="0">
+            <a:lvl8pPr marL="3200598" indent="0">
               <a:buNone/>
               <a:defRPr sz="2000"/>
             </a:lvl8pPr>
-            <a:lvl9pPr marL="3657600" indent="0">
+            <a:lvl9pPr marL="3657827" indent="0">
               <a:buNone/>
               <a:defRPr sz="2000"/>
             </a:lvl9pPr>
@@ -2826,7 +4254,7 @@
         </p:nvSpPr>
         <p:spPr>
           <a:xfrm>
-            <a:off x="839788" y="2057400"/>
+            <a:off x="839792" y="2057401"/>
             <a:ext cx="3932237" cy="3811588"/>
           </a:xfrm>
         </p:spPr>
@@ -2837,35 +4265,35 @@
               <a:buNone/>
               <a:defRPr sz="1600"/>
             </a:lvl1pPr>
-            <a:lvl2pPr marL="457200" indent="0">
+            <a:lvl2pPr marL="457228" indent="0">
               <a:buNone/>
               <a:defRPr sz="1400"/>
             </a:lvl2pPr>
-            <a:lvl3pPr marL="914400" indent="0">
+            <a:lvl3pPr marL="914457" indent="0">
               <a:buNone/>
               <a:defRPr sz="1200"/>
             </a:lvl3pPr>
-            <a:lvl4pPr marL="1371600" indent="0">
+            <a:lvl4pPr marL="1371685" indent="0">
               <a:buNone/>
               <a:defRPr sz="1000"/>
             </a:lvl4pPr>
-            <a:lvl5pPr marL="1828800" indent="0">
+            <a:lvl5pPr marL="1828913" indent="0">
               <a:buNone/>
               <a:defRPr sz="1000"/>
             </a:lvl5pPr>
-            <a:lvl6pPr marL="2286000" indent="0">
+            <a:lvl6pPr marL="2286142" indent="0">
               <a:buNone/>
               <a:defRPr sz="1000"/>
             </a:lvl6pPr>
-            <a:lvl7pPr marL="2743200" indent="0">
+            <a:lvl7pPr marL="2743370" indent="0">
               <a:buNone/>
               <a:defRPr sz="1000"/>
             </a:lvl7pPr>
-            <a:lvl8pPr marL="3200400" indent="0">
+            <a:lvl8pPr marL="3200598" indent="0">
               <a:buNone/>
               <a:defRPr sz="1000"/>
             </a:lvl8pPr>
-            <a:lvl9pPr marL="3657600" indent="0">
+            <a:lvl9pPr marL="3657827" indent="0">
               <a:buNone/>
               <a:defRPr sz="1000"/>
             </a:lvl9pPr>
@@ -2902,7 +4330,7 @@
           <a:p>
             <a:fld id="{70EDF9B1-29A9-40EF-B57F-948F04F870D6}" type="datetimeFigureOut">
               <a:rPr lang="en-IN" smtClean="0"/>
-              <a:t>12-03-2024</a:t>
+              <a:t>02-04-2024</a:t>
             </a:fld>
             <a:endParaRPr lang="en-IN"/>
           </a:p>
@@ -3122,7 +4550,7 @@
         </p:nvSpPr>
         <p:spPr>
           <a:xfrm>
-            <a:off x="838200" y="6356350"/>
+            <a:off x="838200" y="6356352"/>
             <a:ext cx="2743200" cy="365125"/>
           </a:xfrm>
           <a:prstGeom prst="rect">
@@ -3145,7 +4573,7 @@
           <a:p>
             <a:fld id="{70EDF9B1-29A9-40EF-B57F-948F04F870D6}" type="datetimeFigureOut">
               <a:rPr lang="en-IN" smtClean="0"/>
-              <a:t>12-03-2024</a:t>
+              <a:t>02-04-2024</a:t>
             </a:fld>
             <a:endParaRPr lang="en-IN"/>
           </a:p>
@@ -3169,7 +4597,7 @@
         </p:nvSpPr>
         <p:spPr>
           <a:xfrm>
-            <a:off x="4038600" y="6356350"/>
+            <a:off x="4038600" y="6356352"/>
             <a:ext cx="4114800" cy="365125"/>
           </a:xfrm>
           <a:prstGeom prst="rect">
@@ -3212,7 +4640,7 @@
         </p:nvSpPr>
         <p:spPr>
           <a:xfrm>
-            <a:off x="8610600" y="6356350"/>
+            <a:off x="8610600" y="6356352"/>
             <a:ext cx="2743200" cy="365125"/>
           </a:xfrm>
           <a:prstGeom prst="rect">
@@ -3264,7 +4692,7 @@
   </p:sldLayoutIdLst>
   <p:txStyles>
     <p:titleStyle>
-      <a:lvl1pPr algn="l" defTabSz="914400" rtl="0" eaLnBrk="1" latinLnBrk="0" hangingPunct="1">
+      <a:lvl1pPr algn="l" defTabSz="914457" rtl="0" eaLnBrk="1" latinLnBrk="0" hangingPunct="1">
         <a:lnSpc>
           <a:spcPct val="90000"/>
         </a:lnSpc>
@@ -3283,7 +4711,7 @@
       </a:lvl1pPr>
     </p:titleStyle>
     <p:bodyStyle>
-      <a:lvl1pPr marL="228600" indent="-228600" algn="l" defTabSz="914400" rtl="0" eaLnBrk="1" latinLnBrk="0" hangingPunct="1">
+      <a:lvl1pPr marL="228614" indent="-228614" algn="l" defTabSz="914457" rtl="0" eaLnBrk="1" latinLnBrk="0" hangingPunct="1">
         <a:lnSpc>
           <a:spcPct val="90000"/>
         </a:lnSpc>
@@ -3301,7 +4729,7 @@
           <a:cs typeface="+mn-cs"/>
         </a:defRPr>
       </a:lvl1pPr>
-      <a:lvl2pPr marL="685800" indent="-228600" algn="l" defTabSz="914400" rtl="0" eaLnBrk="1" latinLnBrk="0" hangingPunct="1">
+      <a:lvl2pPr marL="685843" indent="-228614" algn="l" defTabSz="914457" rtl="0" eaLnBrk="1" latinLnBrk="0" hangingPunct="1">
         <a:lnSpc>
           <a:spcPct val="90000"/>
         </a:lnSpc>
@@ -3319,7 +4747,7 @@
           <a:cs typeface="+mn-cs"/>
         </a:defRPr>
       </a:lvl2pPr>
-      <a:lvl3pPr marL="1143000" indent="-228600" algn="l" defTabSz="914400" rtl="0" eaLnBrk="1" latinLnBrk="0" hangingPunct="1">
+      <a:lvl3pPr marL="1143071" indent="-228614" algn="l" defTabSz="914457" rtl="0" eaLnBrk="1" latinLnBrk="0" hangingPunct="1">
         <a:lnSpc>
           <a:spcPct val="90000"/>
         </a:lnSpc>
@@ -3337,7 +4765,7 @@
           <a:cs typeface="+mn-cs"/>
         </a:defRPr>
       </a:lvl3pPr>
-      <a:lvl4pPr marL="1600200" indent="-228600" algn="l" defTabSz="914400" rtl="0" eaLnBrk="1" latinLnBrk="0" hangingPunct="1">
+      <a:lvl4pPr marL="1600299" indent="-228614" algn="l" defTabSz="914457" rtl="0" eaLnBrk="1" latinLnBrk="0" hangingPunct="1">
         <a:lnSpc>
           <a:spcPct val="90000"/>
         </a:lnSpc>
@@ -3355,7 +4783,7 @@
           <a:cs typeface="+mn-cs"/>
         </a:defRPr>
       </a:lvl4pPr>
-      <a:lvl5pPr marL="2057400" indent="-228600" algn="l" defTabSz="914400" rtl="0" eaLnBrk="1" latinLnBrk="0" hangingPunct="1">
+      <a:lvl5pPr marL="2057528" indent="-228614" algn="l" defTabSz="914457" rtl="0" eaLnBrk="1" latinLnBrk="0" hangingPunct="1">
         <a:lnSpc>
           <a:spcPct val="90000"/>
         </a:lnSpc>
@@ -3373,7 +4801,7 @@
           <a:cs typeface="+mn-cs"/>
         </a:defRPr>
       </a:lvl5pPr>
-      <a:lvl6pPr marL="2514600" indent="-228600" algn="l" defTabSz="914400" rtl="0" eaLnBrk="1" latinLnBrk="0" hangingPunct="1">
+      <a:lvl6pPr marL="2514756" indent="-228614" algn="l" defTabSz="914457" rtl="0" eaLnBrk="1" latinLnBrk="0" hangingPunct="1">
         <a:lnSpc>
           <a:spcPct val="90000"/>
         </a:lnSpc>
@@ -3391,7 +4819,7 @@
           <a:cs typeface="+mn-cs"/>
         </a:defRPr>
       </a:lvl6pPr>
-      <a:lvl7pPr marL="2971800" indent="-228600" algn="l" defTabSz="914400" rtl="0" eaLnBrk="1" latinLnBrk="0" hangingPunct="1">
+      <a:lvl7pPr marL="2971984" indent="-228614" algn="l" defTabSz="914457" rtl="0" eaLnBrk="1" latinLnBrk="0" hangingPunct="1">
         <a:lnSpc>
           <a:spcPct val="90000"/>
         </a:lnSpc>
@@ -3409,7 +4837,7 @@
           <a:cs typeface="+mn-cs"/>
         </a:defRPr>
       </a:lvl7pPr>
-      <a:lvl8pPr marL="3429000" indent="-228600" algn="l" defTabSz="914400" rtl="0" eaLnBrk="1" latinLnBrk="0" hangingPunct="1">
+      <a:lvl8pPr marL="3429213" indent="-228614" algn="l" defTabSz="914457" rtl="0" eaLnBrk="1" latinLnBrk="0" hangingPunct="1">
         <a:lnSpc>
           <a:spcPct val="90000"/>
         </a:lnSpc>
@@ -3427,7 +4855,7 @@
           <a:cs typeface="+mn-cs"/>
         </a:defRPr>
       </a:lvl8pPr>
-      <a:lvl9pPr marL="3886200" indent="-228600" algn="l" defTabSz="914400" rtl="0" eaLnBrk="1" latinLnBrk="0" hangingPunct="1">
+      <a:lvl9pPr marL="3886441" indent="-228614" algn="l" defTabSz="914457" rtl="0" eaLnBrk="1" latinLnBrk="0" hangingPunct="1">
         <a:lnSpc>
           <a:spcPct val="90000"/>
         </a:lnSpc>
@@ -3450,7 +4878,7 @@
       <a:defPPr>
         <a:defRPr lang="en-US"/>
       </a:defPPr>
-      <a:lvl1pPr marL="0" algn="l" defTabSz="914400" rtl="0" eaLnBrk="1" latinLnBrk="0" hangingPunct="1">
+      <a:lvl1pPr marL="0" algn="l" defTabSz="914457" rtl="0" eaLnBrk="1" latinLnBrk="0" hangingPunct="1">
         <a:defRPr sz="1800" kern="1200">
           <a:solidFill>
             <a:schemeClr val="tx1"/>
@@ -3460,7 +4888,7 @@
           <a:cs typeface="+mn-cs"/>
         </a:defRPr>
       </a:lvl1pPr>
-      <a:lvl2pPr marL="457200" algn="l" defTabSz="914400" rtl="0" eaLnBrk="1" latinLnBrk="0" hangingPunct="1">
+      <a:lvl2pPr marL="457228" algn="l" defTabSz="914457" rtl="0" eaLnBrk="1" latinLnBrk="0" hangingPunct="1">
         <a:defRPr sz="1800" kern="1200">
           <a:solidFill>
             <a:schemeClr val="tx1"/>
@@ -3470,7 +4898,7 @@
           <a:cs typeface="+mn-cs"/>
         </a:defRPr>
       </a:lvl2pPr>
-      <a:lvl3pPr marL="914400" algn="l" defTabSz="914400" rtl="0" eaLnBrk="1" latinLnBrk="0" hangingPunct="1">
+      <a:lvl3pPr marL="914457" algn="l" defTabSz="914457" rtl="0" eaLnBrk="1" latinLnBrk="0" hangingPunct="1">
         <a:defRPr sz="1800" kern="1200">
           <a:solidFill>
             <a:schemeClr val="tx1"/>
@@ -3480,7 +4908,7 @@
           <a:cs typeface="+mn-cs"/>
         </a:defRPr>
       </a:lvl3pPr>
-      <a:lvl4pPr marL="1371600" algn="l" defTabSz="914400" rtl="0" eaLnBrk="1" latinLnBrk="0" hangingPunct="1">
+      <a:lvl4pPr marL="1371685" algn="l" defTabSz="914457" rtl="0" eaLnBrk="1" latinLnBrk="0" hangingPunct="1">
         <a:defRPr sz="1800" kern="1200">
           <a:solidFill>
             <a:schemeClr val="tx1"/>
@@ -3490,7 +4918,7 @@
           <a:cs typeface="+mn-cs"/>
         </a:defRPr>
       </a:lvl4pPr>
-      <a:lvl5pPr marL="1828800" algn="l" defTabSz="914400" rtl="0" eaLnBrk="1" latinLnBrk="0" hangingPunct="1">
+      <a:lvl5pPr marL="1828913" algn="l" defTabSz="914457" rtl="0" eaLnBrk="1" latinLnBrk="0" hangingPunct="1">
         <a:defRPr sz="1800" kern="1200">
           <a:solidFill>
             <a:schemeClr val="tx1"/>
@@ -3500,7 +4928,7 @@
           <a:cs typeface="+mn-cs"/>
         </a:defRPr>
       </a:lvl5pPr>
-      <a:lvl6pPr marL="2286000" algn="l" defTabSz="914400" rtl="0" eaLnBrk="1" latinLnBrk="0" hangingPunct="1">
+      <a:lvl6pPr marL="2286142" algn="l" defTabSz="914457" rtl="0" eaLnBrk="1" latinLnBrk="0" hangingPunct="1">
         <a:defRPr sz="1800" kern="1200">
           <a:solidFill>
             <a:schemeClr val="tx1"/>
@@ -3510,7 +4938,7 @@
           <a:cs typeface="+mn-cs"/>
         </a:defRPr>
       </a:lvl6pPr>
-      <a:lvl7pPr marL="2743200" algn="l" defTabSz="914400" rtl="0" eaLnBrk="1" latinLnBrk="0" hangingPunct="1">
+      <a:lvl7pPr marL="2743370" algn="l" defTabSz="914457" rtl="0" eaLnBrk="1" latinLnBrk="0" hangingPunct="1">
         <a:defRPr sz="1800" kern="1200">
           <a:solidFill>
             <a:schemeClr val="tx1"/>
@@ -3520,7 +4948,7 @@
           <a:cs typeface="+mn-cs"/>
         </a:defRPr>
       </a:lvl7pPr>
-      <a:lvl8pPr marL="3200400" algn="l" defTabSz="914400" rtl="0" eaLnBrk="1" latinLnBrk="0" hangingPunct="1">
+      <a:lvl8pPr marL="3200598" algn="l" defTabSz="914457" rtl="0" eaLnBrk="1" latinLnBrk="0" hangingPunct="1">
         <a:defRPr sz="1800" kern="1200">
           <a:solidFill>
             <a:schemeClr val="tx1"/>
@@ -3530,7 +4958,7 @@
           <a:cs typeface="+mn-cs"/>
         </a:defRPr>
       </a:lvl8pPr>
-      <a:lvl9pPr marL="3657600" algn="l" defTabSz="914400" rtl="0" eaLnBrk="1" latinLnBrk="0" hangingPunct="1">
+      <a:lvl9pPr marL="3657827" algn="l" defTabSz="914457" rtl="0" eaLnBrk="1" latinLnBrk="0" hangingPunct="1">
         <a:defRPr sz="1800" kern="1200">
           <a:solidFill>
             <a:schemeClr val="tx1"/>
@@ -3595,7 +5023,7 @@
         </p:nvSpPr>
         <p:spPr>
           <a:xfrm>
-            <a:off x="0" y="1"/>
+            <a:off x="2" y="1"/>
             <a:ext cx="12191695" cy="6858000"/>
           </a:xfrm>
           <a:prstGeom prst="rect">
@@ -3655,7 +5083,7 @@
         </p:nvSpPr>
         <p:spPr>
           <a:xfrm>
-            <a:off x="305" y="0"/>
+            <a:off x="308" y="0"/>
             <a:ext cx="12191695" cy="6858000"/>
           </a:xfrm>
           <a:prstGeom prst="rect">
@@ -3731,7 +5159,7 @@
         </p:nvGrpSpPr>
         <p:grpSpPr>
           <a:xfrm>
-            <a:off x="1303402" y="3985"/>
+            <a:off x="1303405" y="3985"/>
             <a:ext cx="9772765" cy="6858000"/>
             <a:chOff x="1303402" y="3985"/>
             <a:chExt cx="9772765" cy="6858000"/>
@@ -7311,11 +8739,7 @@
             <a:lstStyle/>
             <a:p>
               <a:pPr algn="ctr"/>
-              <a:endParaRPr lang="en-US" dirty="0">
-                <a:solidFill>
-                  <a:schemeClr val="lt1"/>
-                </a:solidFill>
-              </a:endParaRPr>
+              <a:endParaRPr lang="en-US" dirty="0"/>
             </a:p>
           </p:txBody>
         </p:sp>
@@ -10626,7 +12050,7 @@
         </p:nvSpPr>
         <p:spPr>
           <a:xfrm>
-            <a:off x="3215729" y="1764407"/>
+            <a:off x="3215730" y="1764408"/>
             <a:ext cx="5760846" cy="2310312"/>
           </a:xfrm>
           <a:prstGeom prst="rect">
@@ -10634,7 +12058,7 @@
           </a:prstGeom>
         </p:spPr>
         <p:txBody>
-          <a:bodyPr vert="horz" lIns="91440" tIns="45720" rIns="91440" bIns="45720" rtlCol="0" anchor="b">
+          <a:bodyPr vert="horz" lIns="91441" tIns="45720" rIns="91441" bIns="45720" rtlCol="0" anchor="b">
             <a:normAutofit/>
           </a:bodyPr>
           <a:lstStyle/>
@@ -10651,7 +12075,7 @@
               </a:spcAft>
             </a:pPr>
             <a:r>
-              <a:rPr lang="en-US" sz="5200" b="1" kern="1200" dirty="0">
+              <a:rPr lang="en-US" sz="5200" b="1" dirty="0">
                 <a:solidFill>
                   <a:schemeClr val="tx2"/>
                 </a:solidFill>
@@ -10817,7 +12241,7 @@
         </p:nvSpPr>
         <p:spPr>
           <a:xfrm rot="16200000">
-            <a:off x="800100" y="1491343"/>
+            <a:off x="800102" y="1491345"/>
             <a:ext cx="3333749" cy="3499103"/>
           </a:xfrm>
           <a:prstGeom prst="downArrow">
@@ -10872,7 +12296,7 @@
         </p:nvSpPr>
         <p:spPr>
           <a:xfrm>
-            <a:off x="1028700" y="1967266"/>
+            <a:off x="1028700" y="1967268"/>
             <a:ext cx="2628900" cy="2547257"/>
           </a:xfrm>
           <a:prstGeom prst="rect">
@@ -10881,7 +12305,7 @@
           <a:noFill/>
         </p:spPr>
         <p:txBody>
-          <a:bodyPr vert="horz" lIns="91440" tIns="45720" rIns="91440" bIns="45720" rtlCol="0" anchor="ctr">
+          <a:bodyPr vert="horz" lIns="91441" tIns="45720" rIns="91441" bIns="45720" rtlCol="0" anchor="ctr">
             <a:normAutofit/>
           </a:bodyPr>
           <a:lstStyle/>
@@ -10898,7 +12322,7 @@
               </a:spcAft>
             </a:pPr>
             <a:r>
-              <a:rPr lang="en-US" sz="3600" kern="1200" dirty="0">
+              <a:rPr lang="en-US" sz="3601" dirty="0">
                 <a:solidFill>
                   <a:srgbClr val="FFFFFF"/>
                 </a:solidFill>
@@ -10933,7 +12357,7 @@
         </p:blipFill>
         <p:spPr>
           <a:xfrm>
-            <a:off x="4777316" y="935928"/>
+            <a:off x="4777316" y="935929"/>
             <a:ext cx="6780700" cy="4983814"/>
           </a:xfrm>
           <a:prstGeom prst="rect">
@@ -11004,7 +12428,7 @@
         </p:nvSpPr>
         <p:spPr>
           <a:xfrm rot="16200000">
-            <a:off x="800100" y="1491343"/>
+            <a:off x="800102" y="1491345"/>
             <a:ext cx="3333749" cy="3499103"/>
           </a:xfrm>
           <a:prstGeom prst="downArrow">
@@ -11059,7 +12483,7 @@
         </p:nvSpPr>
         <p:spPr>
           <a:xfrm>
-            <a:off x="1028700" y="1967266"/>
+            <a:off x="1028700" y="1967268"/>
             <a:ext cx="2628900" cy="2547257"/>
           </a:xfrm>
           <a:prstGeom prst="rect">
@@ -11068,7 +12492,7 @@
           <a:noFill/>
         </p:spPr>
         <p:txBody>
-          <a:bodyPr vert="horz" lIns="91440" tIns="45720" rIns="91440" bIns="45720" rtlCol="0" anchor="ctr">
+          <a:bodyPr vert="horz" lIns="91441" tIns="45720" rIns="91441" bIns="45720" rtlCol="0" anchor="ctr">
             <a:normAutofit/>
           </a:bodyPr>
           <a:lstStyle/>
@@ -11085,7 +12509,7 @@
               </a:spcAft>
             </a:pPr>
             <a:r>
-              <a:rPr lang="en-US" sz="3600" kern="1200">
+              <a:rPr lang="en-US" sz="3601">
                 <a:solidFill>
                   <a:srgbClr val="FFFFFF"/>
                 </a:solidFill>
@@ -11120,7 +12544,7 @@
         </p:blipFill>
         <p:spPr>
           <a:xfrm>
-            <a:off x="4777316" y="740984"/>
+            <a:off x="4777316" y="740987"/>
             <a:ext cx="6780700" cy="5373703"/>
           </a:xfrm>
           <a:prstGeom prst="rect">
@@ -11191,7 +12615,7 @@
         </p:nvSpPr>
         <p:spPr>
           <a:xfrm rot="16200000">
-            <a:off x="800100" y="1491343"/>
+            <a:off x="800102" y="1491345"/>
             <a:ext cx="3333749" cy="3499103"/>
           </a:xfrm>
           <a:prstGeom prst="downArrow">
@@ -11246,7 +12670,7 @@
         </p:nvSpPr>
         <p:spPr>
           <a:xfrm>
-            <a:off x="1028700" y="1967266"/>
+            <a:off x="1028700" y="1967268"/>
             <a:ext cx="2628900" cy="2547257"/>
           </a:xfrm>
           <a:prstGeom prst="rect">
@@ -11255,7 +12679,7 @@
           <a:noFill/>
         </p:spPr>
         <p:txBody>
-          <a:bodyPr vert="horz" lIns="91440" tIns="45720" rIns="91440" bIns="45720" rtlCol="0" anchor="ctr">
+          <a:bodyPr vert="horz" lIns="91441" tIns="45720" rIns="91441" bIns="45720" rtlCol="0" anchor="ctr">
             <a:normAutofit/>
           </a:bodyPr>
           <a:lstStyle/>
@@ -11272,7 +12696,7 @@
               </a:spcAft>
             </a:pPr>
             <a:r>
-              <a:rPr lang="en-US" sz="3600" kern="1200">
+              <a:rPr lang="en-US" sz="3601">
                 <a:solidFill>
                   <a:srgbClr val="FFFFFF"/>
                 </a:solidFill>
@@ -11307,7 +12731,7 @@
         </p:blipFill>
         <p:spPr>
           <a:xfrm>
-            <a:off x="4777316" y="1088494"/>
+            <a:off x="4777316" y="1088495"/>
             <a:ext cx="6780700" cy="4678682"/>
           </a:xfrm>
           <a:prstGeom prst="rect">
@@ -11331,6 +12755,14 @@
 <file path=ppt/slides/slide5.xml><?xml version="1.0" encoding="utf-8"?>
 <p:sld xmlns:a="http://schemas.openxmlformats.org/drawingml/2006/main" xmlns:r="http://schemas.openxmlformats.org/officeDocument/2006/relationships" xmlns:p="http://schemas.openxmlformats.org/presentationml/2006/main">
   <p:cSld>
+    <p:bg>
+      <p:bgPr>
+        <a:solidFill>
+          <a:schemeClr val="bg1"/>
+        </a:solidFill>
+        <a:effectLst/>
+      </p:bgPr>
+    </p:bg>
     <p:spTree>
       <p:nvGrpSpPr>
         <p:cNvPr id="1" name=""/>
@@ -11345,6 +12777,588 @@
           <a:chExt cx="0" cy="0"/>
         </a:xfrm>
       </p:grpSpPr>
+      <p:sp>
+        <p:nvSpPr>
+          <p:cNvPr id="8" name="Rectangle 7">
+            <a:extLst>
+              <a:ext uri="{FF2B5EF4-FFF2-40B4-BE49-F238E27FC236}">
+                <a16:creationId xmlns:a16="http://schemas.microsoft.com/office/drawing/2014/main" id="{F3060C83-F051-4F0E-ABAD-AA0DFC48B218}"/>
+              </a:ext>
+              <a:ext uri="{C183D7F6-B498-43B3-948B-1728B52AA6E4}">
+                <adec:decorative xmlns:adec="http://schemas.microsoft.com/office/drawing/2017/decorative" val="1"/>
+              </a:ext>
+            </a:extLst>
+          </p:cNvPr>
+          <p:cNvSpPr>
+            <a:spLocks noGrp="1" noRot="1" noChangeAspect="1" noMove="1" noResize="1" noEditPoints="1" noAdjustHandles="1" noChangeArrowheads="1" noChangeShapeType="1" noTextEdit="1"/>
+          </p:cNvSpPr>
+          <p:nvPr>
+            <p:extLst>
+              <p:ext uri="{386F3935-93C4-4BCD-93E2-E3B085C9AB24}">
+                <p16:designElem xmlns:p16="http://schemas.microsoft.com/office/powerpoint/2015/main" val="1"/>
+              </p:ext>
+            </p:extLst>
+          </p:nvPr>
+        </p:nvSpPr>
+        <p:spPr>
+          <a:xfrm>
+            <a:off x="0" y="0"/>
+            <a:ext cx="12192000" cy="6858000"/>
+          </a:xfrm>
+          <a:prstGeom prst="rect">
+            <a:avLst/>
+          </a:prstGeom>
+          <a:solidFill>
+            <a:schemeClr val="bg1"/>
+          </a:solidFill>
+          <a:ln>
+            <a:noFill/>
+          </a:ln>
+        </p:spPr>
+        <p:style>
+          <a:lnRef idx="2">
+            <a:schemeClr val="accent1">
+              <a:shade val="50000"/>
+            </a:schemeClr>
+          </a:lnRef>
+          <a:fillRef idx="1">
+            <a:schemeClr val="accent1"/>
+          </a:fillRef>
+          <a:effectRef idx="0">
+            <a:schemeClr val="accent1"/>
+          </a:effectRef>
+          <a:fontRef idx="minor">
+            <a:schemeClr val="lt1"/>
+          </a:fontRef>
+        </p:style>
+        <p:txBody>
+          <a:bodyPr rtlCol="0" anchor="ctr"/>
+          <a:lstStyle/>
+          <a:p>
+            <a:pPr algn="ctr"/>
+            <a:endParaRPr lang="en-US" dirty="0"/>
+          </a:p>
+        </p:txBody>
+      </p:sp>
+      <p:sp>
+        <p:nvSpPr>
+          <p:cNvPr id="10" name="Freeform: Shape 9">
+            <a:extLst>
+              <a:ext uri="{FF2B5EF4-FFF2-40B4-BE49-F238E27FC236}">
+                <a16:creationId xmlns:a16="http://schemas.microsoft.com/office/drawing/2014/main" id="{83C98ABE-055B-441F-B07E-44F97F083C39}"/>
+              </a:ext>
+              <a:ext uri="{C183D7F6-B498-43B3-948B-1728B52AA6E4}">
+                <adec:decorative xmlns:adec="http://schemas.microsoft.com/office/drawing/2017/decorative" val="1"/>
+              </a:ext>
+            </a:extLst>
+          </p:cNvPr>
+          <p:cNvSpPr>
+            <a:spLocks noGrp="1" noRot="1" noChangeAspect="1" noMove="1" noResize="1" noEditPoints="1" noAdjustHandles="1" noChangeArrowheads="1" noChangeShapeType="1" noTextEdit="1"/>
+          </p:cNvSpPr>
+          <p:nvPr>
+            <p:extLst>
+              <p:ext uri="{386F3935-93C4-4BCD-93E2-E3B085C9AB24}">
+                <p16:designElem xmlns:p16="http://schemas.microsoft.com/office/powerpoint/2015/main" val="1"/>
+              </p:ext>
+            </p:extLst>
+          </p:nvPr>
+        </p:nvSpPr>
+        <p:spPr>
+          <a:xfrm rot="18900000" flipH="1">
+            <a:off x="-376156" y="-253670"/>
+            <a:ext cx="1827638" cy="1376989"/>
+          </a:xfrm>
+          <a:custGeom>
+            <a:avLst/>
+            <a:gdLst>
+              <a:gd name="connsiteX0" fmla="*/ 0 w 1827638"/>
+              <a:gd name="connsiteY0" fmla="*/ 987379 h 1376989"/>
+              <a:gd name="connsiteX1" fmla="*/ 987379 w 1827638"/>
+              <a:gd name="connsiteY1" fmla="*/ 0 h 1376989"/>
+              <a:gd name="connsiteX2" fmla="*/ 1827638 w 1827638"/>
+              <a:gd name="connsiteY2" fmla="*/ 840260 h 1376989"/>
+              <a:gd name="connsiteX3" fmla="*/ 1827638 w 1827638"/>
+              <a:gd name="connsiteY3" fmla="*/ 1376989 h 1376989"/>
+              <a:gd name="connsiteX4" fmla="*/ 0 w 1827638"/>
+              <a:gd name="connsiteY4" fmla="*/ 1376989 h 1376989"/>
+            </a:gdLst>
+            <a:ahLst/>
+            <a:cxnLst>
+              <a:cxn ang="0">
+                <a:pos x="connsiteX0" y="connsiteY0"/>
+              </a:cxn>
+              <a:cxn ang="0">
+                <a:pos x="connsiteX1" y="connsiteY1"/>
+              </a:cxn>
+              <a:cxn ang="0">
+                <a:pos x="connsiteX2" y="connsiteY2"/>
+              </a:cxn>
+              <a:cxn ang="0">
+                <a:pos x="connsiteX3" y="connsiteY3"/>
+              </a:cxn>
+              <a:cxn ang="0">
+                <a:pos x="connsiteX4" y="connsiteY4"/>
+              </a:cxn>
+            </a:cxnLst>
+            <a:rect l="l" t="t" r="r" b="b"/>
+            <a:pathLst>
+              <a:path w="1827638" h="1376989">
+                <a:moveTo>
+                  <a:pt x="0" y="987379"/>
+                </a:moveTo>
+                <a:lnTo>
+                  <a:pt x="987379" y="0"/>
+                </a:lnTo>
+                <a:lnTo>
+                  <a:pt x="1827638" y="840260"/>
+                </a:lnTo>
+                <a:lnTo>
+                  <a:pt x="1827638" y="1376989"/>
+                </a:lnTo>
+                <a:lnTo>
+                  <a:pt x="0" y="1376989"/>
+                </a:lnTo>
+                <a:close/>
+              </a:path>
+            </a:pathLst>
+          </a:custGeom>
+          <a:solidFill>
+            <a:schemeClr val="accent1">
+              <a:alpha val="30000"/>
+            </a:schemeClr>
+          </a:solidFill>
+          <a:ln>
+            <a:noFill/>
+          </a:ln>
+        </p:spPr>
+        <p:style>
+          <a:lnRef idx="2">
+            <a:schemeClr val="accent1">
+              <a:shade val="50000"/>
+            </a:schemeClr>
+          </a:lnRef>
+          <a:fillRef idx="1">
+            <a:schemeClr val="accent1"/>
+          </a:fillRef>
+          <a:effectRef idx="0">
+            <a:schemeClr val="accent1"/>
+          </a:effectRef>
+          <a:fontRef idx="minor">
+            <a:schemeClr val="lt1"/>
+          </a:fontRef>
+        </p:style>
+        <p:txBody>
+          <a:bodyPr rtlCol="0" anchor="ctr"/>
+          <a:lstStyle/>
+          <a:p>
+            <a:pPr algn="ctr"/>
+            <a:endParaRPr lang="en-US" dirty="0"/>
+          </a:p>
+        </p:txBody>
+      </p:sp>
+      <p:sp>
+        <p:nvSpPr>
+          <p:cNvPr id="12" name="Rectangle 11">
+            <a:extLst>
+              <a:ext uri="{FF2B5EF4-FFF2-40B4-BE49-F238E27FC236}">
+                <a16:creationId xmlns:a16="http://schemas.microsoft.com/office/drawing/2014/main" id="{29FDB030-9B49-4CED-8CCD-4D99382388AC}"/>
+              </a:ext>
+              <a:ext uri="{C183D7F6-B498-43B3-948B-1728B52AA6E4}">
+                <adec:decorative xmlns:adec="http://schemas.microsoft.com/office/drawing/2017/decorative" val="1"/>
+              </a:ext>
+            </a:extLst>
+          </p:cNvPr>
+          <p:cNvSpPr>
+            <a:spLocks noGrp="1" noRot="1" noChangeAspect="1" noMove="1" noResize="1" noEditPoints="1" noAdjustHandles="1" noChangeArrowheads="1" noChangeShapeType="1" noTextEdit="1"/>
+          </p:cNvSpPr>
+          <p:nvPr>
+            <p:extLst>
+              <p:ext uri="{386F3935-93C4-4BCD-93E2-E3B085C9AB24}">
+                <p16:designElem xmlns:p16="http://schemas.microsoft.com/office/powerpoint/2015/main" val="1"/>
+              </p:ext>
+            </p:extLst>
+          </p:nvPr>
+        </p:nvSpPr>
+        <p:spPr>
+          <a:xfrm rot="18900000" flipH="1">
+            <a:off x="891641" y="422146"/>
+            <a:ext cx="645368" cy="645368"/>
+          </a:xfrm>
+          <a:prstGeom prst="rect">
+            <a:avLst/>
+          </a:prstGeom>
+          <a:solidFill>
+            <a:schemeClr val="accent1">
+              <a:alpha val="30000"/>
+            </a:schemeClr>
+          </a:solidFill>
+          <a:ln>
+            <a:noFill/>
+          </a:ln>
+        </p:spPr>
+        <p:style>
+          <a:lnRef idx="2">
+            <a:schemeClr val="accent1">
+              <a:shade val="50000"/>
+            </a:schemeClr>
+          </a:lnRef>
+          <a:fillRef idx="1">
+            <a:schemeClr val="accent1"/>
+          </a:fillRef>
+          <a:effectRef idx="0">
+            <a:schemeClr val="accent1"/>
+          </a:effectRef>
+          <a:fontRef idx="minor">
+            <a:schemeClr val="lt1"/>
+          </a:fontRef>
+        </p:style>
+        <p:txBody>
+          <a:bodyPr rtlCol="0" anchor="ctr"/>
+          <a:lstStyle/>
+          <a:p>
+            <a:pPr algn="ctr"/>
+            <a:endParaRPr lang="en-US"/>
+          </a:p>
+        </p:txBody>
+      </p:sp>
+      <p:sp>
+        <p:nvSpPr>
+          <p:cNvPr id="14" name="Rectangle 13">
+            <a:extLst>
+              <a:ext uri="{FF2B5EF4-FFF2-40B4-BE49-F238E27FC236}">
+                <a16:creationId xmlns:a16="http://schemas.microsoft.com/office/drawing/2014/main" id="{3783CA14-24A1-485C-8B30-D6A5D87987AD}"/>
+              </a:ext>
+              <a:ext uri="{C183D7F6-B498-43B3-948B-1728B52AA6E4}">
+                <adec:decorative xmlns:adec="http://schemas.microsoft.com/office/drawing/2017/decorative" val="1"/>
+              </a:ext>
+            </a:extLst>
+          </p:cNvPr>
+          <p:cNvSpPr>
+            <a:spLocks noGrp="1" noRot="1" noChangeAspect="1" noMove="1" noResize="1" noEditPoints="1" noAdjustHandles="1" noChangeArrowheads="1" noChangeShapeType="1" noTextEdit="1"/>
+          </p:cNvSpPr>
+          <p:nvPr>
+            <p:extLst>
+              <p:ext uri="{386F3935-93C4-4BCD-93E2-E3B085C9AB24}">
+                <p16:designElem xmlns:p16="http://schemas.microsoft.com/office/powerpoint/2015/main" val="1"/>
+              </p:ext>
+            </p:extLst>
+          </p:nvPr>
+        </p:nvSpPr>
+        <p:spPr>
+          <a:xfrm rot="18900000" flipH="1">
+            <a:off x="10043483" y="655141"/>
+            <a:ext cx="687472" cy="687472"/>
+          </a:xfrm>
+          <a:prstGeom prst="rect">
+            <a:avLst/>
+          </a:prstGeom>
+          <a:solidFill>
+            <a:schemeClr val="accent4">
+              <a:alpha val="30000"/>
+            </a:schemeClr>
+          </a:solidFill>
+          <a:ln>
+            <a:noFill/>
+          </a:ln>
+        </p:spPr>
+        <p:style>
+          <a:lnRef idx="2">
+            <a:schemeClr val="accent1">
+              <a:shade val="50000"/>
+            </a:schemeClr>
+          </a:lnRef>
+          <a:fillRef idx="1">
+            <a:schemeClr val="accent1"/>
+          </a:fillRef>
+          <a:effectRef idx="0">
+            <a:schemeClr val="accent1"/>
+          </a:effectRef>
+          <a:fontRef idx="minor">
+            <a:schemeClr val="lt1"/>
+          </a:fontRef>
+        </p:style>
+        <p:txBody>
+          <a:bodyPr rtlCol="0" anchor="ctr"/>
+          <a:lstStyle/>
+          <a:p>
+            <a:pPr algn="ctr"/>
+            <a:endParaRPr lang="en-US"/>
+          </a:p>
+        </p:txBody>
+      </p:sp>
+      <p:sp>
+        <p:nvSpPr>
+          <p:cNvPr id="16" name="Freeform: Shape 15">
+            <a:extLst>
+              <a:ext uri="{FF2B5EF4-FFF2-40B4-BE49-F238E27FC236}">
+                <a16:creationId xmlns:a16="http://schemas.microsoft.com/office/drawing/2014/main" id="{9A97C86A-04D6-40F7-AE84-31AB43E6A846}"/>
+              </a:ext>
+              <a:ext uri="{C183D7F6-B498-43B3-948B-1728B52AA6E4}">
+                <adec:decorative xmlns:adec="http://schemas.microsoft.com/office/drawing/2017/decorative" val="1"/>
+              </a:ext>
+            </a:extLst>
+          </p:cNvPr>
+          <p:cNvSpPr>
+            <a:spLocks noGrp="1" noRot="1" noChangeAspect="1" noMove="1" noResize="1" noEditPoints="1" noAdjustHandles="1" noChangeArrowheads="1" noChangeShapeType="1" noTextEdit="1"/>
+          </p:cNvSpPr>
+          <p:nvPr>
+            <p:extLst>
+              <p:ext uri="{386F3935-93C4-4BCD-93E2-E3B085C9AB24}">
+                <p16:designElem xmlns:p16="http://schemas.microsoft.com/office/powerpoint/2015/main" val="1"/>
+              </p:ext>
+            </p:extLst>
+          </p:nvPr>
+        </p:nvSpPr>
+        <p:spPr>
+          <a:xfrm rot="10800000" flipH="1">
+            <a:off x="9356646" y="2"/>
+            <a:ext cx="2835357" cy="1480837"/>
+          </a:xfrm>
+          <a:custGeom>
+            <a:avLst/>
+            <a:gdLst>
+              <a:gd name="connsiteX0" fmla="*/ 2835357 w 2835357"/>
+              <a:gd name="connsiteY0" fmla="*/ 1480837 h 1480837"/>
+              <a:gd name="connsiteX1" fmla="*/ 0 w 2835357"/>
+              <a:gd name="connsiteY1" fmla="*/ 1480837 h 1480837"/>
+              <a:gd name="connsiteX2" fmla="*/ 1552727 w 2835357"/>
+              <a:gd name="connsiteY2" fmla="*/ 0 h 1480837"/>
+              <a:gd name="connsiteX3" fmla="*/ 2835357 w 2835357"/>
+              <a:gd name="connsiteY3" fmla="*/ 1223245 h 1480837"/>
+            </a:gdLst>
+            <a:ahLst/>
+            <a:cxnLst>
+              <a:cxn ang="0">
+                <a:pos x="connsiteX0" y="connsiteY0"/>
+              </a:cxn>
+              <a:cxn ang="0">
+                <a:pos x="connsiteX1" y="connsiteY1"/>
+              </a:cxn>
+              <a:cxn ang="0">
+                <a:pos x="connsiteX2" y="connsiteY2"/>
+              </a:cxn>
+              <a:cxn ang="0">
+                <a:pos x="connsiteX3" y="connsiteY3"/>
+              </a:cxn>
+            </a:cxnLst>
+            <a:rect l="l" t="t" r="r" b="b"/>
+            <a:pathLst>
+              <a:path w="2835357" h="1480837">
+                <a:moveTo>
+                  <a:pt x="2835357" y="1480837"/>
+                </a:moveTo>
+                <a:lnTo>
+                  <a:pt x="0" y="1480837"/>
+                </a:lnTo>
+                <a:lnTo>
+                  <a:pt x="1552727" y="0"/>
+                </a:lnTo>
+                <a:lnTo>
+                  <a:pt x="2835357" y="1223245"/>
+                </a:lnTo>
+                <a:close/>
+              </a:path>
+            </a:pathLst>
+          </a:custGeom>
+          <a:solidFill>
+            <a:schemeClr val="accent4">
+              <a:alpha val="30000"/>
+            </a:schemeClr>
+          </a:solidFill>
+          <a:ln>
+            <a:noFill/>
+          </a:ln>
+        </p:spPr>
+        <p:style>
+          <a:lnRef idx="2">
+            <a:schemeClr val="accent1">
+              <a:shade val="50000"/>
+            </a:schemeClr>
+          </a:lnRef>
+          <a:fillRef idx="1">
+            <a:schemeClr val="accent1"/>
+          </a:fillRef>
+          <a:effectRef idx="0">
+            <a:schemeClr val="accent1"/>
+          </a:effectRef>
+          <a:fontRef idx="minor">
+            <a:schemeClr val="lt1"/>
+          </a:fontRef>
+        </p:style>
+        <p:txBody>
+          <a:bodyPr wrap="square" rtlCol="0" anchor="ctr">
+            <a:noAutofit/>
+          </a:bodyPr>
+          <a:lstStyle/>
+          <a:p>
+            <a:pPr algn="ctr"/>
+            <a:endParaRPr lang="en-US" dirty="0"/>
+          </a:p>
+        </p:txBody>
+      </p:sp>
+      <p:sp>
+        <p:nvSpPr>
+          <p:cNvPr id="18" name="Isosceles Triangle 17">
+            <a:extLst>
+              <a:ext uri="{FF2B5EF4-FFF2-40B4-BE49-F238E27FC236}">
+                <a16:creationId xmlns:a16="http://schemas.microsoft.com/office/drawing/2014/main" id="{FF9F2414-84E8-453E-B1F3-389FDE8192D9}"/>
+              </a:ext>
+              <a:ext uri="{C183D7F6-B498-43B3-948B-1728B52AA6E4}">
+                <adec:decorative xmlns:adec="http://schemas.microsoft.com/office/drawing/2017/decorative" val="1"/>
+              </a:ext>
+            </a:extLst>
+          </p:cNvPr>
+          <p:cNvSpPr>
+            <a:spLocks noGrp="1" noRot="1" noChangeAspect="1" noMove="1" noResize="1" noEditPoints="1" noAdjustHandles="1" noChangeArrowheads="1" noChangeShapeType="1" noTextEdit="1"/>
+          </p:cNvSpPr>
+          <p:nvPr>
+            <p:extLst>
+              <p:ext uri="{386F3935-93C4-4BCD-93E2-E3B085C9AB24}">
+                <p16:designElem xmlns:p16="http://schemas.microsoft.com/office/powerpoint/2015/main" val="1"/>
+              </p:ext>
+            </p:extLst>
+          </p:nvPr>
+        </p:nvSpPr>
+        <p:spPr>
+          <a:xfrm flipH="1">
+            <a:off x="7976347" y="6115504"/>
+            <a:ext cx="1494513" cy="742499"/>
+          </a:xfrm>
+          <a:prstGeom prst="triangle">
+            <a:avLst/>
+          </a:prstGeom>
+          <a:solidFill>
+            <a:schemeClr val="accent1">
+              <a:alpha val="30000"/>
+            </a:schemeClr>
+          </a:solidFill>
+          <a:ln>
+            <a:noFill/>
+          </a:ln>
+        </p:spPr>
+        <p:style>
+          <a:lnRef idx="2">
+            <a:schemeClr val="accent1">
+              <a:shade val="50000"/>
+            </a:schemeClr>
+          </a:lnRef>
+          <a:fillRef idx="1">
+            <a:schemeClr val="accent1"/>
+          </a:fillRef>
+          <a:effectRef idx="0">
+            <a:schemeClr val="accent1"/>
+          </a:effectRef>
+          <a:fontRef idx="minor">
+            <a:schemeClr val="lt1"/>
+          </a:fontRef>
+        </p:style>
+        <p:txBody>
+          <a:bodyPr rtlCol="0" anchor="ctr"/>
+          <a:lstStyle/>
+          <a:p>
+            <a:pPr algn="ctr"/>
+            <a:endParaRPr lang="en-US"/>
+          </a:p>
+        </p:txBody>
+      </p:sp>
+      <p:pic>
+        <p:nvPicPr>
+          <p:cNvPr id="3" name="Picture 2">
+            <a:extLst>
+              <a:ext uri="{FF2B5EF4-FFF2-40B4-BE49-F238E27FC236}">
+                <a16:creationId xmlns:a16="http://schemas.microsoft.com/office/drawing/2014/main" id="{B4BA79F7-95C1-DECF-BE2E-89BCC990A6F5}"/>
+              </a:ext>
+            </a:extLst>
+          </p:cNvPr>
+          <p:cNvPicPr>
+            <a:picLocks noChangeAspect="1"/>
+          </p:cNvPicPr>
+          <p:nvPr/>
+        </p:nvPicPr>
+        <p:blipFill>
+          <a:blip r:embed="rId2"/>
+          <a:stretch>
+            <a:fillRect/>
+          </a:stretch>
+        </p:blipFill>
+        <p:spPr>
+          <a:xfrm>
+            <a:off x="643469" y="2120391"/>
+            <a:ext cx="10905067" cy="2617216"/>
+          </a:xfrm>
+          <a:prstGeom prst="rect">
+            <a:avLst/>
+          </a:prstGeom>
+          <a:ln>
+            <a:noFill/>
+          </a:ln>
+        </p:spPr>
+      </p:pic>
+      <p:sp>
+        <p:nvSpPr>
+          <p:cNvPr id="20" name="Isosceles Triangle 19">
+            <a:extLst>
+              <a:ext uri="{FF2B5EF4-FFF2-40B4-BE49-F238E27FC236}">
+                <a16:creationId xmlns:a16="http://schemas.microsoft.com/office/drawing/2014/main" id="{3ECA69A1-7536-43AC-85EF-C7106179F5ED}"/>
+              </a:ext>
+              <a:ext uri="{C183D7F6-B498-43B3-948B-1728B52AA6E4}">
+                <adec:decorative xmlns:adec="http://schemas.microsoft.com/office/drawing/2017/decorative" val="1"/>
+              </a:ext>
+            </a:extLst>
+          </p:cNvPr>
+          <p:cNvSpPr>
+            <a:spLocks noGrp="1" noRot="1" noChangeAspect="1" noMove="1" noResize="1" noEditPoints="1" noAdjustHandles="1" noChangeArrowheads="1" noChangeShapeType="1" noTextEdit="1"/>
+          </p:cNvSpPr>
+          <p:nvPr>
+            <p:extLst>
+              <p:ext uri="{386F3935-93C4-4BCD-93E2-E3B085C9AB24}">
+                <p16:designElem xmlns:p16="http://schemas.microsoft.com/office/powerpoint/2015/main" val="1"/>
+              </p:ext>
+            </p:extLst>
+          </p:nvPr>
+        </p:nvSpPr>
+        <p:spPr>
+          <a:xfrm flipH="1">
+            <a:off x="7604083" y="6453146"/>
+            <a:ext cx="814903" cy="404857"/>
+          </a:xfrm>
+          <a:prstGeom prst="triangle">
+            <a:avLst/>
+          </a:prstGeom>
+          <a:solidFill>
+            <a:schemeClr val="accent1">
+              <a:alpha val="30000"/>
+            </a:schemeClr>
+          </a:solidFill>
+          <a:ln>
+            <a:noFill/>
+          </a:ln>
+        </p:spPr>
+        <p:style>
+          <a:lnRef idx="2">
+            <a:schemeClr val="accent1">
+              <a:shade val="50000"/>
+            </a:schemeClr>
+          </a:lnRef>
+          <a:fillRef idx="1">
+            <a:schemeClr val="accent1"/>
+          </a:fillRef>
+          <a:effectRef idx="0">
+            <a:schemeClr val="accent1"/>
+          </a:effectRef>
+          <a:fontRef idx="minor">
+            <a:schemeClr val="lt1"/>
+          </a:fontRef>
+        </p:style>
+        <p:txBody>
+          <a:bodyPr rtlCol="0" anchor="ctr"/>
+          <a:lstStyle/>
+          <a:p>
+            <a:pPr algn="ctr"/>
+            <a:endParaRPr lang="en-US"/>
+          </a:p>
+        </p:txBody>
+      </p:sp>
     </p:spTree>
     <p:extLst>
       <p:ext uri="{BB962C8B-B14F-4D97-AF65-F5344CB8AC3E}">
@@ -11361,6 +13375,14 @@
 <file path=ppt/slides/slide6.xml><?xml version="1.0" encoding="utf-8"?>
 <p:sld xmlns:a="http://schemas.openxmlformats.org/drawingml/2006/main" xmlns:r="http://schemas.openxmlformats.org/officeDocument/2006/relationships" xmlns:p="http://schemas.openxmlformats.org/presentationml/2006/main">
   <p:cSld>
+    <p:bg>
+      <p:bgPr>
+        <a:solidFill>
+          <a:schemeClr val="bg1"/>
+        </a:solidFill>
+        <a:effectLst/>
+      </p:bgPr>
+    </p:bg>
     <p:spTree>
       <p:nvGrpSpPr>
         <p:cNvPr id="1" name=""/>
@@ -11375,6 +13397,624 @@
           <a:chExt cx="0" cy="0"/>
         </a:xfrm>
       </p:grpSpPr>
+      <p:sp>
+        <p:nvSpPr>
+          <p:cNvPr id="8" name="Rectangle 7">
+            <a:extLst>
+              <a:ext uri="{FF2B5EF4-FFF2-40B4-BE49-F238E27FC236}">
+                <a16:creationId xmlns:a16="http://schemas.microsoft.com/office/drawing/2014/main" id="{F3060C83-F051-4F0E-ABAD-AA0DFC48B218}"/>
+              </a:ext>
+              <a:ext uri="{C183D7F6-B498-43B3-948B-1728B52AA6E4}">
+                <adec:decorative xmlns:adec="http://schemas.microsoft.com/office/drawing/2017/decorative" val="1"/>
+              </a:ext>
+            </a:extLst>
+          </p:cNvPr>
+          <p:cNvSpPr>
+            <a:spLocks noGrp="1" noRot="1" noChangeAspect="1" noMove="1" noResize="1" noEditPoints="1" noAdjustHandles="1" noChangeArrowheads="1" noChangeShapeType="1" noTextEdit="1"/>
+          </p:cNvSpPr>
+          <p:nvPr>
+            <p:extLst>
+              <p:ext uri="{386F3935-93C4-4BCD-93E2-E3B085C9AB24}">
+                <p16:designElem xmlns:p16="http://schemas.microsoft.com/office/powerpoint/2015/main" val="1"/>
+              </p:ext>
+            </p:extLst>
+          </p:nvPr>
+        </p:nvSpPr>
+        <p:spPr>
+          <a:xfrm>
+            <a:off x="0" y="0"/>
+            <a:ext cx="12192000" cy="6858000"/>
+          </a:xfrm>
+          <a:prstGeom prst="rect">
+            <a:avLst/>
+          </a:prstGeom>
+          <a:solidFill>
+            <a:schemeClr val="bg1"/>
+          </a:solidFill>
+          <a:ln>
+            <a:noFill/>
+          </a:ln>
+        </p:spPr>
+        <p:style>
+          <a:lnRef idx="2">
+            <a:schemeClr val="accent1">
+              <a:shade val="50000"/>
+            </a:schemeClr>
+          </a:lnRef>
+          <a:fillRef idx="1">
+            <a:schemeClr val="accent1"/>
+          </a:fillRef>
+          <a:effectRef idx="0">
+            <a:schemeClr val="accent1"/>
+          </a:effectRef>
+          <a:fontRef idx="minor">
+            <a:schemeClr val="lt1"/>
+          </a:fontRef>
+        </p:style>
+        <p:txBody>
+          <a:bodyPr rtlCol="0" anchor="ctr"/>
+          <a:lstStyle/>
+          <a:p>
+            <a:pPr algn="ctr"/>
+            <a:endParaRPr lang="en-US" dirty="0"/>
+          </a:p>
+        </p:txBody>
+      </p:sp>
+      <p:sp>
+        <p:nvSpPr>
+          <p:cNvPr id="10" name="Freeform: Shape 9">
+            <a:extLst>
+              <a:ext uri="{FF2B5EF4-FFF2-40B4-BE49-F238E27FC236}">
+                <a16:creationId xmlns:a16="http://schemas.microsoft.com/office/drawing/2014/main" id="{83C98ABE-055B-441F-B07E-44F97F083C39}"/>
+              </a:ext>
+              <a:ext uri="{C183D7F6-B498-43B3-948B-1728B52AA6E4}">
+                <adec:decorative xmlns:adec="http://schemas.microsoft.com/office/drawing/2017/decorative" val="1"/>
+              </a:ext>
+            </a:extLst>
+          </p:cNvPr>
+          <p:cNvSpPr>
+            <a:spLocks noGrp="1" noRot="1" noChangeAspect="1" noMove="1" noResize="1" noEditPoints="1" noAdjustHandles="1" noChangeArrowheads="1" noChangeShapeType="1" noTextEdit="1"/>
+          </p:cNvSpPr>
+          <p:nvPr>
+            <p:extLst>
+              <p:ext uri="{386F3935-93C4-4BCD-93E2-E3B085C9AB24}">
+                <p16:designElem xmlns:p16="http://schemas.microsoft.com/office/powerpoint/2015/main" val="1"/>
+              </p:ext>
+            </p:extLst>
+          </p:nvPr>
+        </p:nvSpPr>
+        <p:spPr>
+          <a:xfrm rot="18900000" flipH="1">
+            <a:off x="-376156" y="-253670"/>
+            <a:ext cx="1827638" cy="1376989"/>
+          </a:xfrm>
+          <a:custGeom>
+            <a:avLst/>
+            <a:gdLst>
+              <a:gd name="connsiteX0" fmla="*/ 0 w 1827638"/>
+              <a:gd name="connsiteY0" fmla="*/ 987379 h 1376989"/>
+              <a:gd name="connsiteX1" fmla="*/ 987379 w 1827638"/>
+              <a:gd name="connsiteY1" fmla="*/ 0 h 1376989"/>
+              <a:gd name="connsiteX2" fmla="*/ 1827638 w 1827638"/>
+              <a:gd name="connsiteY2" fmla="*/ 840260 h 1376989"/>
+              <a:gd name="connsiteX3" fmla="*/ 1827638 w 1827638"/>
+              <a:gd name="connsiteY3" fmla="*/ 1376989 h 1376989"/>
+              <a:gd name="connsiteX4" fmla="*/ 0 w 1827638"/>
+              <a:gd name="connsiteY4" fmla="*/ 1376989 h 1376989"/>
+            </a:gdLst>
+            <a:ahLst/>
+            <a:cxnLst>
+              <a:cxn ang="0">
+                <a:pos x="connsiteX0" y="connsiteY0"/>
+              </a:cxn>
+              <a:cxn ang="0">
+                <a:pos x="connsiteX1" y="connsiteY1"/>
+              </a:cxn>
+              <a:cxn ang="0">
+                <a:pos x="connsiteX2" y="connsiteY2"/>
+              </a:cxn>
+              <a:cxn ang="0">
+                <a:pos x="connsiteX3" y="connsiteY3"/>
+              </a:cxn>
+              <a:cxn ang="0">
+                <a:pos x="connsiteX4" y="connsiteY4"/>
+              </a:cxn>
+            </a:cxnLst>
+            <a:rect l="l" t="t" r="r" b="b"/>
+            <a:pathLst>
+              <a:path w="1827638" h="1376989">
+                <a:moveTo>
+                  <a:pt x="0" y="987379"/>
+                </a:moveTo>
+                <a:lnTo>
+                  <a:pt x="987379" y="0"/>
+                </a:lnTo>
+                <a:lnTo>
+                  <a:pt x="1827638" y="840260"/>
+                </a:lnTo>
+                <a:lnTo>
+                  <a:pt x="1827638" y="1376989"/>
+                </a:lnTo>
+                <a:lnTo>
+                  <a:pt x="0" y="1376989"/>
+                </a:lnTo>
+                <a:close/>
+              </a:path>
+            </a:pathLst>
+          </a:custGeom>
+          <a:solidFill>
+            <a:schemeClr val="accent1">
+              <a:alpha val="30000"/>
+            </a:schemeClr>
+          </a:solidFill>
+          <a:ln>
+            <a:noFill/>
+          </a:ln>
+        </p:spPr>
+        <p:style>
+          <a:lnRef idx="2">
+            <a:schemeClr val="accent1">
+              <a:shade val="50000"/>
+            </a:schemeClr>
+          </a:lnRef>
+          <a:fillRef idx="1">
+            <a:schemeClr val="accent1"/>
+          </a:fillRef>
+          <a:effectRef idx="0">
+            <a:schemeClr val="accent1"/>
+          </a:effectRef>
+          <a:fontRef idx="minor">
+            <a:schemeClr val="lt1"/>
+          </a:fontRef>
+        </p:style>
+        <p:txBody>
+          <a:bodyPr rtlCol="0" anchor="ctr"/>
+          <a:lstStyle/>
+          <a:p>
+            <a:pPr algn="ctr"/>
+            <a:endParaRPr lang="en-US" dirty="0"/>
+          </a:p>
+        </p:txBody>
+      </p:sp>
+      <p:sp>
+        <p:nvSpPr>
+          <p:cNvPr id="12" name="Rectangle 11">
+            <a:extLst>
+              <a:ext uri="{FF2B5EF4-FFF2-40B4-BE49-F238E27FC236}">
+                <a16:creationId xmlns:a16="http://schemas.microsoft.com/office/drawing/2014/main" id="{29FDB030-9B49-4CED-8CCD-4D99382388AC}"/>
+              </a:ext>
+              <a:ext uri="{C183D7F6-B498-43B3-948B-1728B52AA6E4}">
+                <adec:decorative xmlns:adec="http://schemas.microsoft.com/office/drawing/2017/decorative" val="1"/>
+              </a:ext>
+            </a:extLst>
+          </p:cNvPr>
+          <p:cNvSpPr>
+            <a:spLocks noGrp="1" noRot="1" noChangeAspect="1" noMove="1" noResize="1" noEditPoints="1" noAdjustHandles="1" noChangeArrowheads="1" noChangeShapeType="1" noTextEdit="1"/>
+          </p:cNvSpPr>
+          <p:nvPr>
+            <p:extLst>
+              <p:ext uri="{386F3935-93C4-4BCD-93E2-E3B085C9AB24}">
+                <p16:designElem xmlns:p16="http://schemas.microsoft.com/office/powerpoint/2015/main" val="1"/>
+              </p:ext>
+            </p:extLst>
+          </p:nvPr>
+        </p:nvSpPr>
+        <p:spPr>
+          <a:xfrm rot="18900000" flipH="1">
+            <a:off x="891641" y="422146"/>
+            <a:ext cx="645368" cy="645368"/>
+          </a:xfrm>
+          <a:prstGeom prst="rect">
+            <a:avLst/>
+          </a:prstGeom>
+          <a:solidFill>
+            <a:schemeClr val="accent1">
+              <a:alpha val="30000"/>
+            </a:schemeClr>
+          </a:solidFill>
+          <a:ln>
+            <a:noFill/>
+          </a:ln>
+        </p:spPr>
+        <p:style>
+          <a:lnRef idx="2">
+            <a:schemeClr val="accent1">
+              <a:shade val="50000"/>
+            </a:schemeClr>
+          </a:lnRef>
+          <a:fillRef idx="1">
+            <a:schemeClr val="accent1"/>
+          </a:fillRef>
+          <a:effectRef idx="0">
+            <a:schemeClr val="accent1"/>
+          </a:effectRef>
+          <a:fontRef idx="minor">
+            <a:schemeClr val="lt1"/>
+          </a:fontRef>
+        </p:style>
+        <p:txBody>
+          <a:bodyPr rtlCol="0" anchor="ctr"/>
+          <a:lstStyle/>
+          <a:p>
+            <a:pPr algn="ctr"/>
+            <a:endParaRPr lang="en-US"/>
+          </a:p>
+        </p:txBody>
+      </p:sp>
+      <p:sp>
+        <p:nvSpPr>
+          <p:cNvPr id="14" name="Rectangle 13">
+            <a:extLst>
+              <a:ext uri="{FF2B5EF4-FFF2-40B4-BE49-F238E27FC236}">
+                <a16:creationId xmlns:a16="http://schemas.microsoft.com/office/drawing/2014/main" id="{3783CA14-24A1-485C-8B30-D6A5D87987AD}"/>
+              </a:ext>
+              <a:ext uri="{C183D7F6-B498-43B3-948B-1728B52AA6E4}">
+                <adec:decorative xmlns:adec="http://schemas.microsoft.com/office/drawing/2017/decorative" val="1"/>
+              </a:ext>
+            </a:extLst>
+          </p:cNvPr>
+          <p:cNvSpPr>
+            <a:spLocks noGrp="1" noRot="1" noChangeAspect="1" noMove="1" noResize="1" noEditPoints="1" noAdjustHandles="1" noChangeArrowheads="1" noChangeShapeType="1" noTextEdit="1"/>
+          </p:cNvSpPr>
+          <p:nvPr>
+            <p:extLst>
+              <p:ext uri="{386F3935-93C4-4BCD-93E2-E3B085C9AB24}">
+                <p16:designElem xmlns:p16="http://schemas.microsoft.com/office/powerpoint/2015/main" val="1"/>
+              </p:ext>
+            </p:extLst>
+          </p:nvPr>
+        </p:nvSpPr>
+        <p:spPr>
+          <a:xfrm rot="18900000" flipH="1">
+            <a:off x="10043483" y="655141"/>
+            <a:ext cx="687472" cy="687472"/>
+          </a:xfrm>
+          <a:prstGeom prst="rect">
+            <a:avLst/>
+          </a:prstGeom>
+          <a:solidFill>
+            <a:schemeClr val="accent4">
+              <a:alpha val="30000"/>
+            </a:schemeClr>
+          </a:solidFill>
+          <a:ln>
+            <a:noFill/>
+          </a:ln>
+        </p:spPr>
+        <p:style>
+          <a:lnRef idx="2">
+            <a:schemeClr val="accent1">
+              <a:shade val="50000"/>
+            </a:schemeClr>
+          </a:lnRef>
+          <a:fillRef idx="1">
+            <a:schemeClr val="accent1"/>
+          </a:fillRef>
+          <a:effectRef idx="0">
+            <a:schemeClr val="accent1"/>
+          </a:effectRef>
+          <a:fontRef idx="minor">
+            <a:schemeClr val="lt1"/>
+          </a:fontRef>
+        </p:style>
+        <p:txBody>
+          <a:bodyPr rtlCol="0" anchor="ctr"/>
+          <a:lstStyle/>
+          <a:p>
+            <a:pPr algn="ctr"/>
+            <a:endParaRPr lang="en-US"/>
+          </a:p>
+        </p:txBody>
+      </p:sp>
+      <p:sp>
+        <p:nvSpPr>
+          <p:cNvPr id="16" name="Freeform: Shape 15">
+            <a:extLst>
+              <a:ext uri="{FF2B5EF4-FFF2-40B4-BE49-F238E27FC236}">
+                <a16:creationId xmlns:a16="http://schemas.microsoft.com/office/drawing/2014/main" id="{9A97C86A-04D6-40F7-AE84-31AB43E6A846}"/>
+              </a:ext>
+              <a:ext uri="{C183D7F6-B498-43B3-948B-1728B52AA6E4}">
+                <adec:decorative xmlns:adec="http://schemas.microsoft.com/office/drawing/2017/decorative" val="1"/>
+              </a:ext>
+            </a:extLst>
+          </p:cNvPr>
+          <p:cNvSpPr>
+            <a:spLocks noGrp="1" noRot="1" noChangeAspect="1" noMove="1" noResize="1" noEditPoints="1" noAdjustHandles="1" noChangeArrowheads="1" noChangeShapeType="1" noTextEdit="1"/>
+          </p:cNvSpPr>
+          <p:nvPr>
+            <p:extLst>
+              <p:ext uri="{386F3935-93C4-4BCD-93E2-E3B085C9AB24}">
+                <p16:designElem xmlns:p16="http://schemas.microsoft.com/office/powerpoint/2015/main" val="1"/>
+              </p:ext>
+            </p:extLst>
+          </p:nvPr>
+        </p:nvSpPr>
+        <p:spPr>
+          <a:xfrm rot="10800000" flipH="1">
+            <a:off x="9356646" y="2"/>
+            <a:ext cx="2835357" cy="1480837"/>
+          </a:xfrm>
+          <a:custGeom>
+            <a:avLst/>
+            <a:gdLst>
+              <a:gd name="connsiteX0" fmla="*/ 2835357 w 2835357"/>
+              <a:gd name="connsiteY0" fmla="*/ 1480837 h 1480837"/>
+              <a:gd name="connsiteX1" fmla="*/ 0 w 2835357"/>
+              <a:gd name="connsiteY1" fmla="*/ 1480837 h 1480837"/>
+              <a:gd name="connsiteX2" fmla="*/ 1552727 w 2835357"/>
+              <a:gd name="connsiteY2" fmla="*/ 0 h 1480837"/>
+              <a:gd name="connsiteX3" fmla="*/ 2835357 w 2835357"/>
+              <a:gd name="connsiteY3" fmla="*/ 1223245 h 1480837"/>
+            </a:gdLst>
+            <a:ahLst/>
+            <a:cxnLst>
+              <a:cxn ang="0">
+                <a:pos x="connsiteX0" y="connsiteY0"/>
+              </a:cxn>
+              <a:cxn ang="0">
+                <a:pos x="connsiteX1" y="connsiteY1"/>
+              </a:cxn>
+              <a:cxn ang="0">
+                <a:pos x="connsiteX2" y="connsiteY2"/>
+              </a:cxn>
+              <a:cxn ang="0">
+                <a:pos x="connsiteX3" y="connsiteY3"/>
+              </a:cxn>
+            </a:cxnLst>
+            <a:rect l="l" t="t" r="r" b="b"/>
+            <a:pathLst>
+              <a:path w="2835357" h="1480837">
+                <a:moveTo>
+                  <a:pt x="2835357" y="1480837"/>
+                </a:moveTo>
+                <a:lnTo>
+                  <a:pt x="0" y="1480837"/>
+                </a:lnTo>
+                <a:lnTo>
+                  <a:pt x="1552727" y="0"/>
+                </a:lnTo>
+                <a:lnTo>
+                  <a:pt x="2835357" y="1223245"/>
+                </a:lnTo>
+                <a:close/>
+              </a:path>
+            </a:pathLst>
+          </a:custGeom>
+          <a:solidFill>
+            <a:schemeClr val="accent4">
+              <a:alpha val="30000"/>
+            </a:schemeClr>
+          </a:solidFill>
+          <a:ln>
+            <a:noFill/>
+          </a:ln>
+        </p:spPr>
+        <p:style>
+          <a:lnRef idx="2">
+            <a:schemeClr val="accent1">
+              <a:shade val="50000"/>
+            </a:schemeClr>
+          </a:lnRef>
+          <a:fillRef idx="1">
+            <a:schemeClr val="accent1"/>
+          </a:fillRef>
+          <a:effectRef idx="0">
+            <a:schemeClr val="accent1"/>
+          </a:effectRef>
+          <a:fontRef idx="minor">
+            <a:schemeClr val="lt1"/>
+          </a:fontRef>
+        </p:style>
+        <p:txBody>
+          <a:bodyPr wrap="square" rtlCol="0" anchor="ctr">
+            <a:noAutofit/>
+          </a:bodyPr>
+          <a:lstStyle/>
+          <a:p>
+            <a:pPr algn="ctr"/>
+            <a:endParaRPr lang="en-US" dirty="0"/>
+          </a:p>
+        </p:txBody>
+      </p:sp>
+      <p:sp>
+        <p:nvSpPr>
+          <p:cNvPr id="18" name="Isosceles Triangle 17">
+            <a:extLst>
+              <a:ext uri="{FF2B5EF4-FFF2-40B4-BE49-F238E27FC236}">
+                <a16:creationId xmlns:a16="http://schemas.microsoft.com/office/drawing/2014/main" id="{FF9F2414-84E8-453E-B1F3-389FDE8192D9}"/>
+              </a:ext>
+              <a:ext uri="{C183D7F6-B498-43B3-948B-1728B52AA6E4}">
+                <adec:decorative xmlns:adec="http://schemas.microsoft.com/office/drawing/2017/decorative" val="1"/>
+              </a:ext>
+            </a:extLst>
+          </p:cNvPr>
+          <p:cNvSpPr>
+            <a:spLocks noGrp="1" noRot="1" noChangeAspect="1" noMove="1" noResize="1" noEditPoints="1" noAdjustHandles="1" noChangeArrowheads="1" noChangeShapeType="1" noTextEdit="1"/>
+          </p:cNvSpPr>
+          <p:nvPr>
+            <p:extLst>
+              <p:ext uri="{386F3935-93C4-4BCD-93E2-E3B085C9AB24}">
+                <p16:designElem xmlns:p16="http://schemas.microsoft.com/office/powerpoint/2015/main" val="1"/>
+              </p:ext>
+            </p:extLst>
+          </p:nvPr>
+        </p:nvSpPr>
+        <p:spPr>
+          <a:xfrm flipH="1">
+            <a:off x="7976347" y="6115504"/>
+            <a:ext cx="1494513" cy="742499"/>
+          </a:xfrm>
+          <a:prstGeom prst="triangle">
+            <a:avLst/>
+          </a:prstGeom>
+          <a:solidFill>
+            <a:schemeClr val="accent1">
+              <a:alpha val="30000"/>
+            </a:schemeClr>
+          </a:solidFill>
+          <a:ln>
+            <a:noFill/>
+          </a:ln>
+        </p:spPr>
+        <p:style>
+          <a:lnRef idx="2">
+            <a:schemeClr val="accent1">
+              <a:shade val="50000"/>
+            </a:schemeClr>
+          </a:lnRef>
+          <a:fillRef idx="1">
+            <a:schemeClr val="accent1"/>
+          </a:fillRef>
+          <a:effectRef idx="0">
+            <a:schemeClr val="accent1"/>
+          </a:effectRef>
+          <a:fontRef idx="minor">
+            <a:schemeClr val="lt1"/>
+          </a:fontRef>
+        </p:style>
+        <p:txBody>
+          <a:bodyPr rtlCol="0" anchor="ctr"/>
+          <a:lstStyle/>
+          <a:p>
+            <a:pPr algn="ctr"/>
+            <a:endParaRPr lang="en-US"/>
+          </a:p>
+        </p:txBody>
+      </p:sp>
+      <p:pic>
+        <p:nvPicPr>
+          <p:cNvPr id="3" name="Picture 2">
+            <a:extLst>
+              <a:ext uri="{FF2B5EF4-FFF2-40B4-BE49-F238E27FC236}">
+                <a16:creationId xmlns:a16="http://schemas.microsoft.com/office/drawing/2014/main" id="{34EDA241-636A-31CD-3068-75852E359EB2}"/>
+              </a:ext>
+            </a:extLst>
+          </p:cNvPr>
+          <p:cNvPicPr>
+            <a:picLocks noChangeAspect="1"/>
+          </p:cNvPicPr>
+          <p:nvPr/>
+        </p:nvPicPr>
+        <p:blipFill>
+          <a:blip r:embed="rId2"/>
+          <a:stretch>
+            <a:fillRect/>
+          </a:stretch>
+        </p:blipFill>
+        <p:spPr>
+          <a:xfrm>
+            <a:off x="955042" y="643472"/>
+            <a:ext cx="10982960" cy="5899573"/>
+          </a:xfrm>
+          <a:prstGeom prst="rect">
+            <a:avLst/>
+          </a:prstGeom>
+          <a:ln>
+            <a:noFill/>
+          </a:ln>
+        </p:spPr>
+      </p:pic>
+      <p:sp>
+        <p:nvSpPr>
+          <p:cNvPr id="20" name="Isosceles Triangle 19">
+            <a:extLst>
+              <a:ext uri="{FF2B5EF4-FFF2-40B4-BE49-F238E27FC236}">
+                <a16:creationId xmlns:a16="http://schemas.microsoft.com/office/drawing/2014/main" id="{3ECA69A1-7536-43AC-85EF-C7106179F5ED}"/>
+              </a:ext>
+              <a:ext uri="{C183D7F6-B498-43B3-948B-1728B52AA6E4}">
+                <adec:decorative xmlns:adec="http://schemas.microsoft.com/office/drawing/2017/decorative" val="1"/>
+              </a:ext>
+            </a:extLst>
+          </p:cNvPr>
+          <p:cNvSpPr>
+            <a:spLocks noGrp="1" noRot="1" noChangeAspect="1" noMove="1" noResize="1" noEditPoints="1" noAdjustHandles="1" noChangeArrowheads="1" noChangeShapeType="1" noTextEdit="1"/>
+          </p:cNvSpPr>
+          <p:nvPr>
+            <p:extLst>
+              <p:ext uri="{386F3935-93C4-4BCD-93E2-E3B085C9AB24}">
+                <p16:designElem xmlns:p16="http://schemas.microsoft.com/office/powerpoint/2015/main" val="1"/>
+              </p:ext>
+            </p:extLst>
+          </p:nvPr>
+        </p:nvSpPr>
+        <p:spPr>
+          <a:xfrm flipH="1">
+            <a:off x="7604083" y="6453146"/>
+            <a:ext cx="814903" cy="404857"/>
+          </a:xfrm>
+          <a:prstGeom prst="triangle">
+            <a:avLst/>
+          </a:prstGeom>
+          <a:solidFill>
+            <a:schemeClr val="accent1">
+              <a:alpha val="30000"/>
+            </a:schemeClr>
+          </a:solidFill>
+          <a:ln>
+            <a:noFill/>
+          </a:ln>
+        </p:spPr>
+        <p:style>
+          <a:lnRef idx="2">
+            <a:schemeClr val="accent1">
+              <a:shade val="50000"/>
+            </a:schemeClr>
+          </a:lnRef>
+          <a:fillRef idx="1">
+            <a:schemeClr val="accent1"/>
+          </a:fillRef>
+          <a:effectRef idx="0">
+            <a:schemeClr val="accent1"/>
+          </a:effectRef>
+          <a:fontRef idx="minor">
+            <a:schemeClr val="lt1"/>
+          </a:fontRef>
+        </p:style>
+        <p:txBody>
+          <a:bodyPr rtlCol="0" anchor="ctr"/>
+          <a:lstStyle/>
+          <a:p>
+            <a:pPr algn="ctr"/>
+            <a:endParaRPr lang="en-US"/>
+          </a:p>
+        </p:txBody>
+      </p:sp>
+      <p:sp>
+        <p:nvSpPr>
+          <p:cNvPr id="4" name="TextBox 3">
+            <a:extLst>
+              <a:ext uri="{FF2B5EF4-FFF2-40B4-BE49-F238E27FC236}">
+                <a16:creationId xmlns:a16="http://schemas.microsoft.com/office/drawing/2014/main" id="{4CF3CBB2-C956-89D9-B0BF-B7EA1AD15E1B}"/>
+              </a:ext>
+            </a:extLst>
+          </p:cNvPr>
+          <p:cNvSpPr txBox="1"/>
+          <p:nvPr/>
+        </p:nvSpPr>
+        <p:spPr>
+          <a:xfrm>
+            <a:off x="2438814" y="203992"/>
+            <a:ext cx="6374235" cy="523220"/>
+          </a:xfrm>
+          <a:prstGeom prst="rect">
+            <a:avLst/>
+          </a:prstGeom>
+          <a:noFill/>
+        </p:spPr>
+        <p:txBody>
+          <a:bodyPr wrap="square" rtlCol="0">
+            <a:spAutoFit/>
+          </a:bodyPr>
+          <a:lstStyle/>
+          <a:p>
+            <a:r>
+              <a:rPr lang="en-US" sz="2800" b="1" dirty="0"/>
+              <a:t>                             ABSTRACTION</a:t>
+            </a:r>
+            <a:endParaRPr lang="en-IN" sz="2800" b="1" dirty="0"/>
+          </a:p>
+        </p:txBody>
+      </p:sp>
     </p:spTree>
     <p:extLst>
       <p:ext uri="{BB962C8B-B14F-4D97-AF65-F5344CB8AC3E}">
@@ -11391,6 +14031,14 @@
 <file path=ppt/slides/slide7.xml><?xml version="1.0" encoding="utf-8"?>
 <p:sld xmlns:a="http://schemas.openxmlformats.org/drawingml/2006/main" xmlns:r="http://schemas.openxmlformats.org/officeDocument/2006/relationships" xmlns:p="http://schemas.openxmlformats.org/presentationml/2006/main">
   <p:cSld>
+    <p:bg>
+      <p:bgPr>
+        <a:solidFill>
+          <a:schemeClr val="bg1"/>
+        </a:solidFill>
+        <a:effectLst/>
+      </p:bgPr>
+    </p:bg>
     <p:spTree>
       <p:nvGrpSpPr>
         <p:cNvPr id="1" name=""/>
@@ -11405,6 +14053,417 @@
           <a:chExt cx="0" cy="0"/>
         </a:xfrm>
       </p:grpSpPr>
+      <p:sp useBgFill="1">
+        <p:nvSpPr>
+          <p:cNvPr id="66" name="Rectangle 65">
+            <a:extLst>
+              <a:ext uri="{FF2B5EF4-FFF2-40B4-BE49-F238E27FC236}">
+                <a16:creationId xmlns:a16="http://schemas.microsoft.com/office/drawing/2014/main" id="{FFCDD23B-75C8-427B-BD08-53C8156CD7CD}"/>
+              </a:ext>
+              <a:ext uri="{C183D7F6-B498-43B3-948B-1728B52AA6E4}">
+                <adec:decorative xmlns:adec="http://schemas.microsoft.com/office/drawing/2017/decorative" val="1"/>
+              </a:ext>
+            </a:extLst>
+          </p:cNvPr>
+          <p:cNvSpPr>
+            <a:spLocks noGrp="1" noRot="1" noChangeAspect="1" noMove="1" noResize="1" noEditPoints="1" noAdjustHandles="1" noChangeArrowheads="1" noChangeShapeType="1" noTextEdit="1"/>
+          </p:cNvSpPr>
+          <p:nvPr>
+            <p:extLst>
+              <p:ext uri="{386F3935-93C4-4BCD-93E2-E3B085C9AB24}">
+                <p16:designElem xmlns:p16="http://schemas.microsoft.com/office/powerpoint/2015/main" val="1"/>
+              </p:ext>
+            </p:extLst>
+          </p:nvPr>
+        </p:nvSpPr>
+        <p:spPr>
+          <a:xfrm>
+            <a:off x="-2" y="0"/>
+            <a:ext cx="12192000" cy="6858000"/>
+          </a:xfrm>
+          <a:prstGeom prst="rect">
+            <a:avLst/>
+          </a:prstGeom>
+          <a:ln w="12700" cap="flat" cmpd="sng" algn="ctr">
+            <a:noFill/>
+            <a:prstDash val="solid"/>
+            <a:miter lim="800000"/>
+          </a:ln>
+          <a:effectLst/>
+          <a:extLst>
+            <a:ext uri="{91240B29-F687-4F45-9708-019B960494DF}">
+              <a14:hiddenLine xmlns:a14="http://schemas.microsoft.com/office/drawing/2010/main" w="12700" cap="flat" cmpd="sng" algn="ctr">
+                <a:solidFill>
+                  <a:schemeClr val="accent1">
+                    <a:shade val="50000"/>
+                  </a:schemeClr>
+                </a:solidFill>
+                <a:prstDash val="solid"/>
+                <a:miter lim="800000"/>
+              </a14:hiddenLine>
+            </a:ext>
+          </a:extLst>
+        </p:spPr>
+        <p:style>
+          <a:lnRef idx="2">
+            <a:schemeClr val="accent1">
+              <a:shade val="50000"/>
+            </a:schemeClr>
+          </a:lnRef>
+          <a:fillRef idx="1">
+            <a:schemeClr val="accent1"/>
+          </a:fillRef>
+          <a:effectRef idx="0">
+            <a:schemeClr val="accent1"/>
+          </a:effectRef>
+          <a:fontRef idx="minor">
+            <a:schemeClr val="lt1"/>
+          </a:fontRef>
+        </p:style>
+        <p:txBody>
+          <a:bodyPr rtlCol="0" anchor="ctr"/>
+          <a:lstStyle/>
+          <a:p>
+            <a:pPr algn="ctr"/>
+            <a:endParaRPr lang="en-US"/>
+          </a:p>
+        </p:txBody>
+      </p:sp>
+      <p:pic>
+        <p:nvPicPr>
+          <p:cNvPr id="6" name="Picture 5" descr="A person pointing at a large screen&#10;&#10;Description automatically generated">
+            <a:extLst>
+              <a:ext uri="{FF2B5EF4-FFF2-40B4-BE49-F238E27FC236}">
+                <a16:creationId xmlns:a16="http://schemas.microsoft.com/office/drawing/2014/main" id="{1D751CB3-FA1D-A3B5-8A75-5BC9AC7722F9}"/>
+              </a:ext>
+            </a:extLst>
+          </p:cNvPr>
+          <p:cNvPicPr>
+            <a:picLocks noChangeAspect="1"/>
+          </p:cNvPicPr>
+          <p:nvPr/>
+        </p:nvPicPr>
+        <p:blipFill rotWithShape="1">
+          <a:blip r:embed="rId2"/>
+          <a:srcRect l="5917" r="2290" b="1"/>
+          <a:stretch/>
+        </p:blipFill>
+        <p:spPr>
+          <a:xfrm>
+            <a:off x="4826000" y="-19679"/>
+            <a:ext cx="7448134" cy="5291194"/>
+          </a:xfrm>
+          <a:prstGeom prst="rect">
+            <a:avLst/>
+          </a:prstGeom>
+        </p:spPr>
+      </p:pic>
+      <p:sp>
+        <p:nvSpPr>
+          <p:cNvPr id="68" name="Rectangle 67">
+            <a:extLst>
+              <a:ext uri="{FF2B5EF4-FFF2-40B4-BE49-F238E27FC236}">
+                <a16:creationId xmlns:a16="http://schemas.microsoft.com/office/drawing/2014/main" id="{AFFC87AC-C919-4FE5-BAC3-39509E001152}"/>
+              </a:ext>
+              <a:ext uri="{C183D7F6-B498-43B3-948B-1728B52AA6E4}">
+                <adec:decorative xmlns:adec="http://schemas.microsoft.com/office/drawing/2017/decorative" val="1"/>
+              </a:ext>
+            </a:extLst>
+          </p:cNvPr>
+          <p:cNvSpPr>
+            <a:spLocks noGrp="1" noRot="1" noChangeAspect="1" noMove="1" noResize="1" noEditPoints="1" noAdjustHandles="1" noChangeArrowheads="1" noChangeShapeType="1" noTextEdit="1"/>
+          </p:cNvSpPr>
+          <p:nvPr>
+            <p:extLst>
+              <p:ext uri="{386F3935-93C4-4BCD-93E2-E3B085C9AB24}">
+                <p16:designElem xmlns:p16="http://schemas.microsoft.com/office/powerpoint/2015/main" val="1"/>
+              </p:ext>
+            </p:extLst>
+          </p:nvPr>
+        </p:nvSpPr>
+        <p:spPr>
+          <a:xfrm flipH="1">
+            <a:off x="-264" y="5282206"/>
+            <a:ext cx="12192264" cy="1163844"/>
+          </a:xfrm>
+          <a:prstGeom prst="rect">
+            <a:avLst/>
+          </a:prstGeom>
+          <a:gradFill>
+            <a:gsLst>
+              <a:gs pos="28000">
+                <a:schemeClr val="accent1">
+                  <a:lumMod val="75000"/>
+                  <a:alpha val="11000"/>
+                </a:schemeClr>
+              </a:gs>
+              <a:gs pos="100000">
+                <a:srgbClr val="000000">
+                  <a:alpha val="77000"/>
+                </a:srgbClr>
+              </a:gs>
+            </a:gsLst>
+            <a:lin ang="12600000" scaled="0"/>
+          </a:gradFill>
+          <a:ln>
+            <a:noFill/>
+          </a:ln>
+        </p:spPr>
+        <p:style>
+          <a:lnRef idx="2">
+            <a:schemeClr val="accent1">
+              <a:shade val="50000"/>
+            </a:schemeClr>
+          </a:lnRef>
+          <a:fillRef idx="1">
+            <a:schemeClr val="accent1"/>
+          </a:fillRef>
+          <a:effectRef idx="0">
+            <a:schemeClr val="accent1"/>
+          </a:effectRef>
+          <a:fontRef idx="minor">
+            <a:schemeClr val="lt1"/>
+          </a:fontRef>
+        </p:style>
+        <p:txBody>
+          <a:bodyPr rtlCol="0" anchor="ctr"/>
+          <a:lstStyle/>
+          <a:p>
+            <a:pPr algn="ctr"/>
+            <a:endParaRPr lang="en-US" dirty="0"/>
+          </a:p>
+        </p:txBody>
+      </p:sp>
+      <p:sp>
+        <p:nvSpPr>
+          <p:cNvPr id="70" name="Rectangle 69">
+            <a:extLst>
+              <a:ext uri="{FF2B5EF4-FFF2-40B4-BE49-F238E27FC236}">
+                <a16:creationId xmlns:a16="http://schemas.microsoft.com/office/drawing/2014/main" id="{AB5E08C4-8CDD-4623-A5B8-E998C6DEE3B7}"/>
+              </a:ext>
+              <a:ext uri="{C183D7F6-B498-43B3-948B-1728B52AA6E4}">
+                <adec:decorative xmlns:adec="http://schemas.microsoft.com/office/drawing/2017/decorative" val="1"/>
+              </a:ext>
+            </a:extLst>
+          </p:cNvPr>
+          <p:cNvSpPr>
+            <a:spLocks noGrp="1" noRot="1" noChangeAspect="1" noMove="1" noResize="1" noEditPoints="1" noAdjustHandles="1" noChangeArrowheads="1" noChangeShapeType="1" noTextEdit="1"/>
+          </p:cNvSpPr>
+          <p:nvPr>
+            <p:extLst>
+              <p:ext uri="{386F3935-93C4-4BCD-93E2-E3B085C9AB24}">
+                <p16:designElem xmlns:p16="http://schemas.microsoft.com/office/powerpoint/2015/main" val="1"/>
+              </p:ext>
+            </p:extLst>
+          </p:nvPr>
+        </p:nvSpPr>
+        <p:spPr>
+          <a:xfrm flipH="1">
+            <a:off x="3" y="5282208"/>
+            <a:ext cx="12191998" cy="1586485"/>
+          </a:xfrm>
+          <a:prstGeom prst="rect">
+            <a:avLst/>
+          </a:prstGeom>
+          <a:gradFill>
+            <a:gsLst>
+              <a:gs pos="0">
+                <a:srgbClr val="000000">
+                  <a:alpha val="96000"/>
+                </a:srgbClr>
+              </a:gs>
+              <a:gs pos="100000">
+                <a:schemeClr val="accent1"/>
+              </a:gs>
+            </a:gsLst>
+            <a:lin ang="8400000" scaled="0"/>
+          </a:gradFill>
+          <a:ln>
+            <a:noFill/>
+          </a:ln>
+        </p:spPr>
+        <p:style>
+          <a:lnRef idx="2">
+            <a:schemeClr val="accent1">
+              <a:shade val="50000"/>
+            </a:schemeClr>
+          </a:lnRef>
+          <a:fillRef idx="1">
+            <a:schemeClr val="accent1"/>
+          </a:fillRef>
+          <a:effectRef idx="0">
+            <a:schemeClr val="accent1"/>
+          </a:effectRef>
+          <a:fontRef idx="minor">
+            <a:schemeClr val="lt1"/>
+          </a:fontRef>
+        </p:style>
+        <p:txBody>
+          <a:bodyPr rtlCol="0" anchor="ctr"/>
+          <a:lstStyle/>
+          <a:p>
+            <a:pPr algn="ctr"/>
+            <a:endParaRPr lang="en-US"/>
+          </a:p>
+        </p:txBody>
+      </p:sp>
+      <p:sp>
+        <p:nvSpPr>
+          <p:cNvPr id="4" name="TextBox 3">
+            <a:extLst>
+              <a:ext uri="{FF2B5EF4-FFF2-40B4-BE49-F238E27FC236}">
+                <a16:creationId xmlns:a16="http://schemas.microsoft.com/office/drawing/2014/main" id="{9FC92E19-E595-DE36-C512-1B15C8615D4B}"/>
+              </a:ext>
+            </a:extLst>
+          </p:cNvPr>
+          <p:cNvSpPr txBox="1"/>
+          <p:nvPr/>
+        </p:nvSpPr>
+        <p:spPr>
+          <a:xfrm>
+            <a:off x="699717" y="5879208"/>
+            <a:ext cx="7091299" cy="898581"/>
+          </a:xfrm>
+          <a:prstGeom prst="rect">
+            <a:avLst/>
+          </a:prstGeom>
+        </p:spPr>
+        <p:txBody>
+          <a:bodyPr vert="horz" lIns="91441" tIns="45720" rIns="91441" bIns="45720" rtlCol="0" anchor="ctr">
+            <a:normAutofit/>
+          </a:bodyPr>
+          <a:lstStyle/>
+          <a:p>
+            <a:pPr>
+              <a:lnSpc>
+                <a:spcPct val="90000"/>
+              </a:lnSpc>
+              <a:spcBef>
+                <a:spcPct val="0"/>
+              </a:spcBef>
+              <a:spcAft>
+                <a:spcPts val="600"/>
+              </a:spcAft>
+            </a:pPr>
+            <a:r>
+              <a:rPr lang="en-US" sz="3999" b="1">
+                <a:solidFill>
+                  <a:srgbClr val="FFFFFF"/>
+                </a:solidFill>
+                <a:latin typeface="+mj-lt"/>
+                <a:ea typeface="+mj-ea"/>
+                <a:cs typeface="+mj-cs"/>
+              </a:rPr>
+              <a:t>DECOMPISITION</a:t>
+            </a:r>
+          </a:p>
+        </p:txBody>
+      </p:sp>
+      <p:sp>
+        <p:nvSpPr>
+          <p:cNvPr id="72" name="Rectangle 71">
+            <a:extLst>
+              <a:ext uri="{FF2B5EF4-FFF2-40B4-BE49-F238E27FC236}">
+                <a16:creationId xmlns:a16="http://schemas.microsoft.com/office/drawing/2014/main" id="{15F33878-D502-4FFA-8ACE-F2AECDB2A23F}"/>
+              </a:ext>
+              <a:ext uri="{C183D7F6-B498-43B3-948B-1728B52AA6E4}">
+                <adec:decorative xmlns:adec="http://schemas.microsoft.com/office/drawing/2017/decorative" val="1"/>
+              </a:ext>
+            </a:extLst>
+          </p:cNvPr>
+          <p:cNvSpPr>
+            <a:spLocks noGrp="1" noRot="1" noChangeAspect="1" noMove="1" noResize="1" noEditPoints="1" noAdjustHandles="1" noChangeArrowheads="1" noChangeShapeType="1" noTextEdit="1"/>
+          </p:cNvSpPr>
+          <p:nvPr>
+            <p:extLst>
+              <p:ext uri="{386F3935-93C4-4BCD-93E2-E3B085C9AB24}">
+                <p16:designElem xmlns:p16="http://schemas.microsoft.com/office/powerpoint/2015/main" val="1"/>
+              </p:ext>
+            </p:extLst>
+          </p:nvPr>
+        </p:nvSpPr>
+        <p:spPr>
+          <a:xfrm rot="10800000" flipH="1">
+            <a:off x="8128859" y="5282206"/>
+            <a:ext cx="4063143" cy="1576412"/>
+          </a:xfrm>
+          <a:prstGeom prst="rect">
+            <a:avLst/>
+          </a:prstGeom>
+          <a:gradFill>
+            <a:gsLst>
+              <a:gs pos="19000">
+                <a:schemeClr val="accent1">
+                  <a:lumMod val="50000"/>
+                  <a:alpha val="68000"/>
+                </a:schemeClr>
+              </a:gs>
+              <a:gs pos="100000">
+                <a:schemeClr val="accent1">
+                  <a:alpha val="79000"/>
+                </a:schemeClr>
+              </a:gs>
+            </a:gsLst>
+            <a:lin ang="19200000" scaled="0"/>
+          </a:gradFill>
+          <a:ln>
+            <a:noFill/>
+          </a:ln>
+        </p:spPr>
+        <p:style>
+          <a:lnRef idx="2">
+            <a:schemeClr val="accent1">
+              <a:shade val="50000"/>
+            </a:schemeClr>
+          </a:lnRef>
+          <a:fillRef idx="1">
+            <a:schemeClr val="accent1"/>
+          </a:fillRef>
+          <a:effectRef idx="0">
+            <a:schemeClr val="accent1"/>
+          </a:effectRef>
+          <a:fontRef idx="minor">
+            <a:schemeClr val="lt1"/>
+          </a:fontRef>
+        </p:style>
+        <p:txBody>
+          <a:bodyPr rtlCol="0" anchor="ctr"/>
+          <a:lstStyle/>
+          <a:p>
+            <a:pPr algn="ctr"/>
+            <a:endParaRPr lang="en-US"/>
+          </a:p>
+        </p:txBody>
+      </p:sp>
+      <p:pic>
+        <p:nvPicPr>
+          <p:cNvPr id="3" name="Picture 2" descr="A poster of a movie&#10;&#10;Description automatically generated">
+            <a:extLst>
+              <a:ext uri="{FF2B5EF4-FFF2-40B4-BE49-F238E27FC236}">
+                <a16:creationId xmlns:a16="http://schemas.microsoft.com/office/drawing/2014/main" id="{B7884645-F532-7785-2B96-A92D431DBD78}"/>
+              </a:ext>
+            </a:extLst>
+          </p:cNvPr>
+          <p:cNvPicPr>
+            <a:picLocks noChangeAspect="1"/>
+          </p:cNvPicPr>
+          <p:nvPr/>
+        </p:nvPicPr>
+        <p:blipFill rotWithShape="1">
+          <a:blip r:embed="rId3"/>
+          <a:srcRect b="10793"/>
+          <a:stretch/>
+        </p:blipFill>
+        <p:spPr>
+          <a:xfrm>
+            <a:off x="0" y="20119"/>
+            <a:ext cx="4825998" cy="5291195"/>
+          </a:xfrm>
+          <a:prstGeom prst="rect">
+            <a:avLst/>
+          </a:prstGeom>
+        </p:spPr>
+      </p:pic>
     </p:spTree>
     <p:extLst>
       <p:ext uri="{BB962C8B-B14F-4D97-AF65-F5344CB8AC3E}">
@@ -11421,6 +14480,14 @@
 <file path=ppt/slides/slide8.xml><?xml version="1.0" encoding="utf-8"?>
 <p:sld xmlns:a="http://schemas.openxmlformats.org/drawingml/2006/main" xmlns:r="http://schemas.openxmlformats.org/officeDocument/2006/relationships" xmlns:p="http://schemas.openxmlformats.org/presentationml/2006/main">
   <p:cSld>
+    <p:bg>
+      <p:bgPr>
+        <a:solidFill>
+          <a:schemeClr val="bg1"/>
+        </a:solidFill>
+        <a:effectLst/>
+      </p:bgPr>
+    </p:bg>
     <p:spTree>
       <p:nvGrpSpPr>
         <p:cNvPr id="1" name=""/>
@@ -11435,6 +14502,867 @@
           <a:chExt cx="0" cy="0"/>
         </a:xfrm>
       </p:grpSpPr>
+      <p:sp>
+        <p:nvSpPr>
+          <p:cNvPr id="27" name="Rectangle 7">
+            <a:extLst>
+              <a:ext uri="{FF2B5EF4-FFF2-40B4-BE49-F238E27FC236}">
+                <a16:creationId xmlns:a16="http://schemas.microsoft.com/office/drawing/2014/main" id="{F3060C83-F051-4F0E-ABAD-AA0DFC48B218}"/>
+              </a:ext>
+              <a:ext uri="{C183D7F6-B498-43B3-948B-1728B52AA6E4}">
+                <adec:decorative xmlns:adec="http://schemas.microsoft.com/office/drawing/2017/decorative" val="1"/>
+              </a:ext>
+            </a:extLst>
+          </p:cNvPr>
+          <p:cNvSpPr>
+            <a:spLocks noGrp="1" noRot="1" noChangeAspect="1" noMove="1" noResize="1" noEditPoints="1" noAdjustHandles="1" noChangeArrowheads="1" noChangeShapeType="1" noTextEdit="1"/>
+          </p:cNvSpPr>
+          <p:nvPr>
+            <p:extLst>
+              <p:ext uri="{386F3935-93C4-4BCD-93E2-E3B085C9AB24}">
+                <p16:designElem xmlns:p16="http://schemas.microsoft.com/office/powerpoint/2015/main" val="1"/>
+              </p:ext>
+            </p:extLst>
+          </p:nvPr>
+        </p:nvSpPr>
+        <p:spPr>
+          <a:xfrm>
+            <a:off x="0" y="0"/>
+            <a:ext cx="12192000" cy="6858000"/>
+          </a:xfrm>
+          <a:prstGeom prst="rect">
+            <a:avLst/>
+          </a:prstGeom>
+          <a:solidFill>
+            <a:schemeClr val="bg1"/>
+          </a:solidFill>
+          <a:ln>
+            <a:noFill/>
+          </a:ln>
+        </p:spPr>
+        <p:style>
+          <a:lnRef idx="2">
+            <a:schemeClr val="accent1">
+              <a:shade val="50000"/>
+            </a:schemeClr>
+          </a:lnRef>
+          <a:fillRef idx="1">
+            <a:schemeClr val="accent1"/>
+          </a:fillRef>
+          <a:effectRef idx="0">
+            <a:schemeClr val="accent1"/>
+          </a:effectRef>
+          <a:fontRef idx="minor">
+            <a:schemeClr val="lt1"/>
+          </a:fontRef>
+        </p:style>
+        <p:txBody>
+          <a:bodyPr rtlCol="0" anchor="ctr"/>
+          <a:lstStyle/>
+          <a:p>
+            <a:pPr algn="ctr"/>
+            <a:endParaRPr lang="en-US" dirty="0"/>
+          </a:p>
+        </p:txBody>
+      </p:sp>
+      <p:sp>
+        <p:nvSpPr>
+          <p:cNvPr id="28" name="Freeform: Shape 9">
+            <a:extLst>
+              <a:ext uri="{FF2B5EF4-FFF2-40B4-BE49-F238E27FC236}">
+                <a16:creationId xmlns:a16="http://schemas.microsoft.com/office/drawing/2014/main" id="{83C98ABE-055B-441F-B07E-44F97F083C39}"/>
+              </a:ext>
+              <a:ext uri="{C183D7F6-B498-43B3-948B-1728B52AA6E4}">
+                <adec:decorative xmlns:adec="http://schemas.microsoft.com/office/drawing/2017/decorative" val="1"/>
+              </a:ext>
+            </a:extLst>
+          </p:cNvPr>
+          <p:cNvSpPr>
+            <a:spLocks noGrp="1" noRot="1" noChangeAspect="1" noMove="1" noResize="1" noEditPoints="1" noAdjustHandles="1" noChangeArrowheads="1" noChangeShapeType="1" noTextEdit="1"/>
+          </p:cNvSpPr>
+          <p:nvPr>
+            <p:extLst>
+              <p:ext uri="{386F3935-93C4-4BCD-93E2-E3B085C9AB24}">
+                <p16:designElem xmlns:p16="http://schemas.microsoft.com/office/powerpoint/2015/main" val="1"/>
+              </p:ext>
+            </p:extLst>
+          </p:nvPr>
+        </p:nvSpPr>
+        <p:spPr>
+          <a:xfrm rot="18900000" flipH="1">
+            <a:off x="-376156" y="-253670"/>
+            <a:ext cx="1827638" cy="1376989"/>
+          </a:xfrm>
+          <a:custGeom>
+            <a:avLst/>
+            <a:gdLst>
+              <a:gd name="connsiteX0" fmla="*/ 0 w 1827638"/>
+              <a:gd name="connsiteY0" fmla="*/ 987379 h 1376989"/>
+              <a:gd name="connsiteX1" fmla="*/ 987379 w 1827638"/>
+              <a:gd name="connsiteY1" fmla="*/ 0 h 1376989"/>
+              <a:gd name="connsiteX2" fmla="*/ 1827638 w 1827638"/>
+              <a:gd name="connsiteY2" fmla="*/ 840260 h 1376989"/>
+              <a:gd name="connsiteX3" fmla="*/ 1827638 w 1827638"/>
+              <a:gd name="connsiteY3" fmla="*/ 1376989 h 1376989"/>
+              <a:gd name="connsiteX4" fmla="*/ 0 w 1827638"/>
+              <a:gd name="connsiteY4" fmla="*/ 1376989 h 1376989"/>
+            </a:gdLst>
+            <a:ahLst/>
+            <a:cxnLst>
+              <a:cxn ang="0">
+                <a:pos x="connsiteX0" y="connsiteY0"/>
+              </a:cxn>
+              <a:cxn ang="0">
+                <a:pos x="connsiteX1" y="connsiteY1"/>
+              </a:cxn>
+              <a:cxn ang="0">
+                <a:pos x="connsiteX2" y="connsiteY2"/>
+              </a:cxn>
+              <a:cxn ang="0">
+                <a:pos x="connsiteX3" y="connsiteY3"/>
+              </a:cxn>
+              <a:cxn ang="0">
+                <a:pos x="connsiteX4" y="connsiteY4"/>
+              </a:cxn>
+            </a:cxnLst>
+            <a:rect l="l" t="t" r="r" b="b"/>
+            <a:pathLst>
+              <a:path w="1827638" h="1376989">
+                <a:moveTo>
+                  <a:pt x="0" y="987379"/>
+                </a:moveTo>
+                <a:lnTo>
+                  <a:pt x="987379" y="0"/>
+                </a:lnTo>
+                <a:lnTo>
+                  <a:pt x="1827638" y="840260"/>
+                </a:lnTo>
+                <a:lnTo>
+                  <a:pt x="1827638" y="1376989"/>
+                </a:lnTo>
+                <a:lnTo>
+                  <a:pt x="0" y="1376989"/>
+                </a:lnTo>
+                <a:close/>
+              </a:path>
+            </a:pathLst>
+          </a:custGeom>
+          <a:solidFill>
+            <a:schemeClr val="accent1">
+              <a:alpha val="30000"/>
+            </a:schemeClr>
+          </a:solidFill>
+          <a:ln>
+            <a:noFill/>
+          </a:ln>
+        </p:spPr>
+        <p:style>
+          <a:lnRef idx="2">
+            <a:schemeClr val="accent1">
+              <a:shade val="50000"/>
+            </a:schemeClr>
+          </a:lnRef>
+          <a:fillRef idx="1">
+            <a:schemeClr val="accent1"/>
+          </a:fillRef>
+          <a:effectRef idx="0">
+            <a:schemeClr val="accent1"/>
+          </a:effectRef>
+          <a:fontRef idx="minor">
+            <a:schemeClr val="lt1"/>
+          </a:fontRef>
+        </p:style>
+        <p:txBody>
+          <a:bodyPr rtlCol="0" anchor="ctr"/>
+          <a:lstStyle/>
+          <a:p>
+            <a:pPr algn="ctr"/>
+            <a:endParaRPr lang="en-US" dirty="0"/>
+          </a:p>
+        </p:txBody>
+      </p:sp>
+      <p:sp>
+        <p:nvSpPr>
+          <p:cNvPr id="29" name="Rectangle 11">
+            <a:extLst>
+              <a:ext uri="{FF2B5EF4-FFF2-40B4-BE49-F238E27FC236}">
+                <a16:creationId xmlns:a16="http://schemas.microsoft.com/office/drawing/2014/main" id="{29FDB030-9B49-4CED-8CCD-4D99382388AC}"/>
+              </a:ext>
+              <a:ext uri="{C183D7F6-B498-43B3-948B-1728B52AA6E4}">
+                <adec:decorative xmlns:adec="http://schemas.microsoft.com/office/drawing/2017/decorative" val="1"/>
+              </a:ext>
+            </a:extLst>
+          </p:cNvPr>
+          <p:cNvSpPr>
+            <a:spLocks noGrp="1" noRot="1" noChangeAspect="1" noMove="1" noResize="1" noEditPoints="1" noAdjustHandles="1" noChangeArrowheads="1" noChangeShapeType="1" noTextEdit="1"/>
+          </p:cNvSpPr>
+          <p:nvPr>
+            <p:extLst>
+              <p:ext uri="{386F3935-93C4-4BCD-93E2-E3B085C9AB24}">
+                <p16:designElem xmlns:p16="http://schemas.microsoft.com/office/powerpoint/2015/main" val="1"/>
+              </p:ext>
+            </p:extLst>
+          </p:nvPr>
+        </p:nvSpPr>
+        <p:spPr>
+          <a:xfrm rot="18900000" flipH="1">
+            <a:off x="891641" y="422146"/>
+            <a:ext cx="645368" cy="645368"/>
+          </a:xfrm>
+          <a:prstGeom prst="rect">
+            <a:avLst/>
+          </a:prstGeom>
+          <a:solidFill>
+            <a:schemeClr val="accent1">
+              <a:alpha val="30000"/>
+            </a:schemeClr>
+          </a:solidFill>
+          <a:ln>
+            <a:noFill/>
+          </a:ln>
+        </p:spPr>
+        <p:style>
+          <a:lnRef idx="2">
+            <a:schemeClr val="accent1">
+              <a:shade val="50000"/>
+            </a:schemeClr>
+          </a:lnRef>
+          <a:fillRef idx="1">
+            <a:schemeClr val="accent1"/>
+          </a:fillRef>
+          <a:effectRef idx="0">
+            <a:schemeClr val="accent1"/>
+          </a:effectRef>
+          <a:fontRef idx="minor">
+            <a:schemeClr val="lt1"/>
+          </a:fontRef>
+        </p:style>
+        <p:txBody>
+          <a:bodyPr rtlCol="0" anchor="ctr"/>
+          <a:lstStyle/>
+          <a:p>
+            <a:pPr algn="ctr"/>
+            <a:endParaRPr lang="en-US"/>
+          </a:p>
+        </p:txBody>
+      </p:sp>
+      <p:sp>
+        <p:nvSpPr>
+          <p:cNvPr id="30" name="Rectangle 13">
+            <a:extLst>
+              <a:ext uri="{FF2B5EF4-FFF2-40B4-BE49-F238E27FC236}">
+                <a16:creationId xmlns:a16="http://schemas.microsoft.com/office/drawing/2014/main" id="{3783CA14-24A1-485C-8B30-D6A5D87987AD}"/>
+              </a:ext>
+              <a:ext uri="{C183D7F6-B498-43B3-948B-1728B52AA6E4}">
+                <adec:decorative xmlns:adec="http://schemas.microsoft.com/office/drawing/2017/decorative" val="1"/>
+              </a:ext>
+            </a:extLst>
+          </p:cNvPr>
+          <p:cNvSpPr>
+            <a:spLocks noGrp="1" noRot="1" noChangeAspect="1" noMove="1" noResize="1" noEditPoints="1" noAdjustHandles="1" noChangeArrowheads="1" noChangeShapeType="1" noTextEdit="1"/>
+          </p:cNvSpPr>
+          <p:nvPr>
+            <p:extLst>
+              <p:ext uri="{386F3935-93C4-4BCD-93E2-E3B085C9AB24}">
+                <p16:designElem xmlns:p16="http://schemas.microsoft.com/office/powerpoint/2015/main" val="1"/>
+              </p:ext>
+            </p:extLst>
+          </p:nvPr>
+        </p:nvSpPr>
+        <p:spPr>
+          <a:xfrm rot="18900000" flipH="1">
+            <a:off x="10043483" y="655141"/>
+            <a:ext cx="687472" cy="687472"/>
+          </a:xfrm>
+          <a:prstGeom prst="rect">
+            <a:avLst/>
+          </a:prstGeom>
+          <a:solidFill>
+            <a:schemeClr val="accent4">
+              <a:alpha val="30000"/>
+            </a:schemeClr>
+          </a:solidFill>
+          <a:ln>
+            <a:noFill/>
+          </a:ln>
+        </p:spPr>
+        <p:style>
+          <a:lnRef idx="2">
+            <a:schemeClr val="accent1">
+              <a:shade val="50000"/>
+            </a:schemeClr>
+          </a:lnRef>
+          <a:fillRef idx="1">
+            <a:schemeClr val="accent1"/>
+          </a:fillRef>
+          <a:effectRef idx="0">
+            <a:schemeClr val="accent1"/>
+          </a:effectRef>
+          <a:fontRef idx="minor">
+            <a:schemeClr val="lt1"/>
+          </a:fontRef>
+        </p:style>
+        <p:txBody>
+          <a:bodyPr rtlCol="0" anchor="ctr"/>
+          <a:lstStyle/>
+          <a:p>
+            <a:pPr algn="ctr"/>
+            <a:endParaRPr lang="en-US"/>
+          </a:p>
+        </p:txBody>
+      </p:sp>
+      <p:sp>
+        <p:nvSpPr>
+          <p:cNvPr id="31" name="Freeform: Shape 15">
+            <a:extLst>
+              <a:ext uri="{FF2B5EF4-FFF2-40B4-BE49-F238E27FC236}">
+                <a16:creationId xmlns:a16="http://schemas.microsoft.com/office/drawing/2014/main" id="{9A97C86A-04D6-40F7-AE84-31AB43E6A846}"/>
+              </a:ext>
+              <a:ext uri="{C183D7F6-B498-43B3-948B-1728B52AA6E4}">
+                <adec:decorative xmlns:adec="http://schemas.microsoft.com/office/drawing/2017/decorative" val="1"/>
+              </a:ext>
+            </a:extLst>
+          </p:cNvPr>
+          <p:cNvSpPr>
+            <a:spLocks noGrp="1" noRot="1" noChangeAspect="1" noMove="1" noResize="1" noEditPoints="1" noAdjustHandles="1" noChangeArrowheads="1" noChangeShapeType="1" noTextEdit="1"/>
+          </p:cNvSpPr>
+          <p:nvPr>
+            <p:extLst>
+              <p:ext uri="{386F3935-93C4-4BCD-93E2-E3B085C9AB24}">
+                <p16:designElem xmlns:p16="http://schemas.microsoft.com/office/powerpoint/2015/main" val="1"/>
+              </p:ext>
+            </p:extLst>
+          </p:nvPr>
+        </p:nvSpPr>
+        <p:spPr>
+          <a:xfrm rot="10800000" flipH="1">
+            <a:off x="9356646" y="2"/>
+            <a:ext cx="2835357" cy="1480837"/>
+          </a:xfrm>
+          <a:custGeom>
+            <a:avLst/>
+            <a:gdLst>
+              <a:gd name="connsiteX0" fmla="*/ 2835357 w 2835357"/>
+              <a:gd name="connsiteY0" fmla="*/ 1480837 h 1480837"/>
+              <a:gd name="connsiteX1" fmla="*/ 0 w 2835357"/>
+              <a:gd name="connsiteY1" fmla="*/ 1480837 h 1480837"/>
+              <a:gd name="connsiteX2" fmla="*/ 1552727 w 2835357"/>
+              <a:gd name="connsiteY2" fmla="*/ 0 h 1480837"/>
+              <a:gd name="connsiteX3" fmla="*/ 2835357 w 2835357"/>
+              <a:gd name="connsiteY3" fmla="*/ 1223245 h 1480837"/>
+            </a:gdLst>
+            <a:ahLst/>
+            <a:cxnLst>
+              <a:cxn ang="0">
+                <a:pos x="connsiteX0" y="connsiteY0"/>
+              </a:cxn>
+              <a:cxn ang="0">
+                <a:pos x="connsiteX1" y="connsiteY1"/>
+              </a:cxn>
+              <a:cxn ang="0">
+                <a:pos x="connsiteX2" y="connsiteY2"/>
+              </a:cxn>
+              <a:cxn ang="0">
+                <a:pos x="connsiteX3" y="connsiteY3"/>
+              </a:cxn>
+            </a:cxnLst>
+            <a:rect l="l" t="t" r="r" b="b"/>
+            <a:pathLst>
+              <a:path w="2835357" h="1480837">
+                <a:moveTo>
+                  <a:pt x="2835357" y="1480837"/>
+                </a:moveTo>
+                <a:lnTo>
+                  <a:pt x="0" y="1480837"/>
+                </a:lnTo>
+                <a:lnTo>
+                  <a:pt x="1552727" y="0"/>
+                </a:lnTo>
+                <a:lnTo>
+                  <a:pt x="2835357" y="1223245"/>
+                </a:lnTo>
+                <a:close/>
+              </a:path>
+            </a:pathLst>
+          </a:custGeom>
+          <a:solidFill>
+            <a:schemeClr val="accent4">
+              <a:alpha val="30000"/>
+            </a:schemeClr>
+          </a:solidFill>
+          <a:ln>
+            <a:noFill/>
+          </a:ln>
+        </p:spPr>
+        <p:style>
+          <a:lnRef idx="2">
+            <a:schemeClr val="accent1">
+              <a:shade val="50000"/>
+            </a:schemeClr>
+          </a:lnRef>
+          <a:fillRef idx="1">
+            <a:schemeClr val="accent1"/>
+          </a:fillRef>
+          <a:effectRef idx="0">
+            <a:schemeClr val="accent1"/>
+          </a:effectRef>
+          <a:fontRef idx="minor">
+            <a:schemeClr val="lt1"/>
+          </a:fontRef>
+        </p:style>
+        <p:txBody>
+          <a:bodyPr wrap="square" rtlCol="0" anchor="ctr">
+            <a:noAutofit/>
+          </a:bodyPr>
+          <a:lstStyle/>
+          <a:p>
+            <a:pPr algn="ctr"/>
+            <a:endParaRPr lang="en-US" dirty="0"/>
+          </a:p>
+        </p:txBody>
+      </p:sp>
+      <p:sp>
+        <p:nvSpPr>
+          <p:cNvPr id="32" name="Isosceles Triangle 17">
+            <a:extLst>
+              <a:ext uri="{FF2B5EF4-FFF2-40B4-BE49-F238E27FC236}">
+                <a16:creationId xmlns:a16="http://schemas.microsoft.com/office/drawing/2014/main" id="{FF9F2414-84E8-453E-B1F3-389FDE8192D9}"/>
+              </a:ext>
+              <a:ext uri="{C183D7F6-B498-43B3-948B-1728B52AA6E4}">
+                <adec:decorative xmlns:adec="http://schemas.microsoft.com/office/drawing/2017/decorative" val="1"/>
+              </a:ext>
+            </a:extLst>
+          </p:cNvPr>
+          <p:cNvSpPr>
+            <a:spLocks noGrp="1" noRot="1" noChangeAspect="1" noMove="1" noResize="1" noEditPoints="1" noAdjustHandles="1" noChangeArrowheads="1" noChangeShapeType="1" noTextEdit="1"/>
+          </p:cNvSpPr>
+          <p:nvPr>
+            <p:extLst>
+              <p:ext uri="{386F3935-93C4-4BCD-93E2-E3B085C9AB24}">
+                <p16:designElem xmlns:p16="http://schemas.microsoft.com/office/powerpoint/2015/main" val="1"/>
+              </p:ext>
+            </p:extLst>
+          </p:nvPr>
+        </p:nvSpPr>
+        <p:spPr>
+          <a:xfrm flipH="1">
+            <a:off x="7976347" y="6115504"/>
+            <a:ext cx="1494513" cy="742499"/>
+          </a:xfrm>
+          <a:prstGeom prst="triangle">
+            <a:avLst/>
+          </a:prstGeom>
+          <a:solidFill>
+            <a:schemeClr val="accent1">
+              <a:alpha val="30000"/>
+            </a:schemeClr>
+          </a:solidFill>
+          <a:ln>
+            <a:noFill/>
+          </a:ln>
+        </p:spPr>
+        <p:style>
+          <a:lnRef idx="2">
+            <a:schemeClr val="accent1">
+              <a:shade val="50000"/>
+            </a:schemeClr>
+          </a:lnRef>
+          <a:fillRef idx="1">
+            <a:schemeClr val="accent1"/>
+          </a:fillRef>
+          <a:effectRef idx="0">
+            <a:schemeClr val="accent1"/>
+          </a:effectRef>
+          <a:fontRef idx="minor">
+            <a:schemeClr val="lt1"/>
+          </a:fontRef>
+        </p:style>
+        <p:txBody>
+          <a:bodyPr rtlCol="0" anchor="ctr"/>
+          <a:lstStyle/>
+          <a:p>
+            <a:pPr algn="ctr"/>
+            <a:endParaRPr lang="en-US"/>
+          </a:p>
+        </p:txBody>
+      </p:sp>
+      <p:sp>
+        <p:nvSpPr>
+          <p:cNvPr id="33" name="Isosceles Triangle 19">
+            <a:extLst>
+              <a:ext uri="{FF2B5EF4-FFF2-40B4-BE49-F238E27FC236}">
+                <a16:creationId xmlns:a16="http://schemas.microsoft.com/office/drawing/2014/main" id="{3ECA69A1-7536-43AC-85EF-C7106179F5ED}"/>
+              </a:ext>
+              <a:ext uri="{C183D7F6-B498-43B3-948B-1728B52AA6E4}">
+                <adec:decorative xmlns:adec="http://schemas.microsoft.com/office/drawing/2017/decorative" val="1"/>
+              </a:ext>
+            </a:extLst>
+          </p:cNvPr>
+          <p:cNvSpPr>
+            <a:spLocks noGrp="1" noRot="1" noChangeAspect="1" noMove="1" noResize="1" noEditPoints="1" noAdjustHandles="1" noChangeArrowheads="1" noChangeShapeType="1" noTextEdit="1"/>
+          </p:cNvSpPr>
+          <p:nvPr>
+            <p:extLst>
+              <p:ext uri="{386F3935-93C4-4BCD-93E2-E3B085C9AB24}">
+                <p16:designElem xmlns:p16="http://schemas.microsoft.com/office/powerpoint/2015/main" val="1"/>
+              </p:ext>
+            </p:extLst>
+          </p:nvPr>
+        </p:nvSpPr>
+        <p:spPr>
+          <a:xfrm flipH="1">
+            <a:off x="7604083" y="6453146"/>
+            <a:ext cx="814903" cy="404857"/>
+          </a:xfrm>
+          <a:prstGeom prst="triangle">
+            <a:avLst/>
+          </a:prstGeom>
+          <a:solidFill>
+            <a:schemeClr val="accent1">
+              <a:alpha val="30000"/>
+            </a:schemeClr>
+          </a:solidFill>
+          <a:ln>
+            <a:noFill/>
+          </a:ln>
+        </p:spPr>
+        <p:style>
+          <a:lnRef idx="2">
+            <a:schemeClr val="accent1">
+              <a:shade val="50000"/>
+            </a:schemeClr>
+          </a:lnRef>
+          <a:fillRef idx="1">
+            <a:schemeClr val="accent1"/>
+          </a:fillRef>
+          <a:effectRef idx="0">
+            <a:schemeClr val="accent1"/>
+          </a:effectRef>
+          <a:fontRef idx="minor">
+            <a:schemeClr val="lt1"/>
+          </a:fontRef>
+        </p:style>
+        <p:txBody>
+          <a:bodyPr rtlCol="0" anchor="ctr"/>
+          <a:lstStyle/>
+          <a:p>
+            <a:pPr algn="ctr"/>
+            <a:endParaRPr lang="en-US"/>
+          </a:p>
+        </p:txBody>
+      </p:sp>
+      <p:sp>
+        <p:nvSpPr>
+          <p:cNvPr id="6" name="TextBox 5">
+            <a:extLst>
+              <a:ext uri="{FF2B5EF4-FFF2-40B4-BE49-F238E27FC236}">
+                <a16:creationId xmlns:a16="http://schemas.microsoft.com/office/drawing/2014/main" id="{B23E7804-187C-609C-ACBE-0170C1C40155}"/>
+              </a:ext>
+            </a:extLst>
+          </p:cNvPr>
+          <p:cNvSpPr txBox="1"/>
+          <p:nvPr/>
+        </p:nvSpPr>
+        <p:spPr>
+          <a:xfrm>
+            <a:off x="2453405" y="46494"/>
+            <a:ext cx="6664960" cy="523220"/>
+          </a:xfrm>
+          <a:prstGeom prst="rect">
+            <a:avLst/>
+          </a:prstGeom>
+          <a:noFill/>
+        </p:spPr>
+        <p:txBody>
+          <a:bodyPr wrap="square" rtlCol="0">
+            <a:spAutoFit/>
+          </a:bodyPr>
+          <a:lstStyle/>
+          <a:p>
+            <a:r>
+              <a:rPr lang="en-US" sz="2800" b="1" dirty="0"/>
+              <a:t>COMPONENTS OF A FUNCTIONS</a:t>
+            </a:r>
+            <a:endParaRPr lang="en-IN" sz="2800" b="1" dirty="0"/>
+          </a:p>
+        </p:txBody>
+      </p:sp>
+      <p:pic>
+        <p:nvPicPr>
+          <p:cNvPr id="9" name="Picture 8">
+            <a:extLst>
+              <a:ext uri="{FF2B5EF4-FFF2-40B4-BE49-F238E27FC236}">
+                <a16:creationId xmlns:a16="http://schemas.microsoft.com/office/drawing/2014/main" id="{17C23C1B-545E-95DC-5C60-698C0F6B28AE}"/>
+              </a:ext>
+            </a:extLst>
+          </p:cNvPr>
+          <p:cNvPicPr>
+            <a:picLocks noChangeAspect="1"/>
+          </p:cNvPicPr>
+          <p:nvPr/>
+        </p:nvPicPr>
+        <p:blipFill>
+          <a:blip r:embed="rId2"/>
+          <a:stretch>
+            <a:fillRect/>
+          </a:stretch>
+        </p:blipFill>
+        <p:spPr>
+          <a:xfrm>
+            <a:off x="2565085" y="1755159"/>
+            <a:ext cx="3590925" cy="847725"/>
+          </a:xfrm>
+          <a:prstGeom prst="rect">
+            <a:avLst/>
+          </a:prstGeom>
+        </p:spPr>
+      </p:pic>
+      <p:pic>
+        <p:nvPicPr>
+          <p:cNvPr id="13" name="Picture 12">
+            <a:extLst>
+              <a:ext uri="{FF2B5EF4-FFF2-40B4-BE49-F238E27FC236}">
+                <a16:creationId xmlns:a16="http://schemas.microsoft.com/office/drawing/2014/main" id="{193AAC58-F4E7-EF1A-4558-53F679B1E083}"/>
+              </a:ext>
+            </a:extLst>
+          </p:cNvPr>
+          <p:cNvPicPr>
+            <a:picLocks noChangeAspect="1"/>
+          </p:cNvPicPr>
+          <p:nvPr/>
+        </p:nvPicPr>
+        <p:blipFill>
+          <a:blip r:embed="rId3"/>
+          <a:stretch>
+            <a:fillRect/>
+          </a:stretch>
+        </p:blipFill>
+        <p:spPr>
+          <a:xfrm>
+            <a:off x="2565082" y="775987"/>
+            <a:ext cx="1276350" cy="704850"/>
+          </a:xfrm>
+          <a:prstGeom prst="rect">
+            <a:avLst/>
+          </a:prstGeom>
+        </p:spPr>
+      </p:pic>
+      <p:pic>
+        <p:nvPicPr>
+          <p:cNvPr id="17" name="Picture 16">
+            <a:extLst>
+              <a:ext uri="{FF2B5EF4-FFF2-40B4-BE49-F238E27FC236}">
+                <a16:creationId xmlns:a16="http://schemas.microsoft.com/office/drawing/2014/main" id="{6811F2FF-C8C6-3660-0468-20F946F8098A}"/>
+              </a:ext>
+            </a:extLst>
+          </p:cNvPr>
+          <p:cNvPicPr>
+            <a:picLocks noChangeAspect="1"/>
+          </p:cNvPicPr>
+          <p:nvPr/>
+        </p:nvPicPr>
+        <p:blipFill>
+          <a:blip r:embed="rId4"/>
+          <a:stretch>
+            <a:fillRect/>
+          </a:stretch>
+        </p:blipFill>
+        <p:spPr>
+          <a:xfrm>
+            <a:off x="2565085" y="2730380"/>
+            <a:ext cx="4257675" cy="781050"/>
+          </a:xfrm>
+          <a:prstGeom prst="rect">
+            <a:avLst/>
+          </a:prstGeom>
+        </p:spPr>
+      </p:pic>
+      <p:pic>
+        <p:nvPicPr>
+          <p:cNvPr id="21" name="Picture 20">
+            <a:extLst>
+              <a:ext uri="{FF2B5EF4-FFF2-40B4-BE49-F238E27FC236}">
+                <a16:creationId xmlns:a16="http://schemas.microsoft.com/office/drawing/2014/main" id="{D90EA7F4-94B9-0259-2E7C-FD2AD6163F45}"/>
+              </a:ext>
+            </a:extLst>
+          </p:cNvPr>
+          <p:cNvPicPr>
+            <a:picLocks noChangeAspect="1"/>
+          </p:cNvPicPr>
+          <p:nvPr/>
+        </p:nvPicPr>
+        <p:blipFill>
+          <a:blip r:embed="rId5"/>
+          <a:stretch>
+            <a:fillRect/>
+          </a:stretch>
+        </p:blipFill>
+        <p:spPr>
+          <a:xfrm>
+            <a:off x="2565083" y="3638926"/>
+            <a:ext cx="4648200" cy="771525"/>
+          </a:xfrm>
+          <a:prstGeom prst="rect">
+            <a:avLst/>
+          </a:prstGeom>
+        </p:spPr>
+      </p:pic>
+      <p:pic>
+        <p:nvPicPr>
+          <p:cNvPr id="34" name="Picture 33">
+            <a:extLst>
+              <a:ext uri="{FF2B5EF4-FFF2-40B4-BE49-F238E27FC236}">
+                <a16:creationId xmlns:a16="http://schemas.microsoft.com/office/drawing/2014/main" id="{1B178DEA-EEF3-5B6C-2367-5CC2AC32753A}"/>
+              </a:ext>
+            </a:extLst>
+          </p:cNvPr>
+          <p:cNvPicPr>
+            <a:picLocks noChangeAspect="1"/>
+          </p:cNvPicPr>
+          <p:nvPr/>
+        </p:nvPicPr>
+        <p:blipFill>
+          <a:blip r:embed="rId6"/>
+          <a:stretch>
+            <a:fillRect/>
+          </a:stretch>
+        </p:blipFill>
+        <p:spPr>
+          <a:xfrm>
+            <a:off x="757980" y="4359558"/>
+            <a:ext cx="11332420" cy="1599517"/>
+          </a:xfrm>
+          <a:prstGeom prst="rect">
+            <a:avLst/>
+          </a:prstGeom>
+        </p:spPr>
+      </p:pic>
+      <p:pic>
+        <p:nvPicPr>
+          <p:cNvPr id="36" name="Picture 35">
+            <a:extLst>
+              <a:ext uri="{FF2B5EF4-FFF2-40B4-BE49-F238E27FC236}">
+                <a16:creationId xmlns:a16="http://schemas.microsoft.com/office/drawing/2014/main" id="{B04CB6BD-0A35-50F2-ECBB-F0545E6439D8}"/>
+              </a:ext>
+            </a:extLst>
+          </p:cNvPr>
+          <p:cNvPicPr>
+            <a:picLocks noChangeAspect="1"/>
+          </p:cNvPicPr>
+          <p:nvPr/>
+        </p:nvPicPr>
+        <p:blipFill>
+          <a:blip r:embed="rId7"/>
+          <a:stretch>
+            <a:fillRect/>
+          </a:stretch>
+        </p:blipFill>
+        <p:spPr>
+          <a:xfrm>
+            <a:off x="8137525" y="4203129"/>
+            <a:ext cx="4105275" cy="628650"/>
+          </a:xfrm>
+          <a:prstGeom prst="rect">
+            <a:avLst/>
+          </a:prstGeom>
+        </p:spPr>
+      </p:pic>
+      <p:pic>
+        <p:nvPicPr>
+          <p:cNvPr id="40" name="Picture 39">
+            <a:extLst>
+              <a:ext uri="{FF2B5EF4-FFF2-40B4-BE49-F238E27FC236}">
+                <a16:creationId xmlns:a16="http://schemas.microsoft.com/office/drawing/2014/main" id="{A305EE95-E0F5-7BDF-39B3-F101F515BA89}"/>
+              </a:ext>
+            </a:extLst>
+          </p:cNvPr>
+          <p:cNvPicPr>
+            <a:picLocks noChangeAspect="1"/>
+          </p:cNvPicPr>
+          <p:nvPr/>
+        </p:nvPicPr>
+        <p:blipFill>
+          <a:blip r:embed="rId8"/>
+          <a:stretch>
+            <a:fillRect/>
+          </a:stretch>
+        </p:blipFill>
+        <p:spPr>
+          <a:xfrm>
+            <a:off x="2807282" y="5669519"/>
+            <a:ext cx="2447925" cy="536591"/>
+          </a:xfrm>
+          <a:prstGeom prst="rect">
+            <a:avLst/>
+          </a:prstGeom>
+        </p:spPr>
+      </p:pic>
+      <p:pic>
+        <p:nvPicPr>
+          <p:cNvPr id="42" name="Picture 41">
+            <a:extLst>
+              <a:ext uri="{FF2B5EF4-FFF2-40B4-BE49-F238E27FC236}">
+                <a16:creationId xmlns:a16="http://schemas.microsoft.com/office/drawing/2014/main" id="{3FB895CC-93FB-9F80-B90F-3B3AEE800DE3}"/>
+              </a:ext>
+            </a:extLst>
+          </p:cNvPr>
+          <p:cNvPicPr>
+            <a:picLocks noChangeAspect="1"/>
+          </p:cNvPicPr>
+          <p:nvPr/>
+        </p:nvPicPr>
+        <p:blipFill>
+          <a:blip r:embed="rId9"/>
+          <a:stretch>
+            <a:fillRect/>
+          </a:stretch>
+        </p:blipFill>
+        <p:spPr>
+          <a:xfrm>
+            <a:off x="2807282" y="6236780"/>
+            <a:ext cx="2447925" cy="590550"/>
+          </a:xfrm>
+          <a:prstGeom prst="rect">
+            <a:avLst/>
+          </a:prstGeom>
+        </p:spPr>
+      </p:pic>
+      <p:sp>
+        <p:nvSpPr>
+          <p:cNvPr id="43" name="TextBox 42">
+            <a:extLst>
+              <a:ext uri="{FF2B5EF4-FFF2-40B4-BE49-F238E27FC236}">
+                <a16:creationId xmlns:a16="http://schemas.microsoft.com/office/drawing/2014/main" id="{C5937898-9935-2D8F-EB41-DB22953C1F20}"/>
+              </a:ext>
+            </a:extLst>
+          </p:cNvPr>
+          <p:cNvSpPr txBox="1"/>
+          <p:nvPr/>
+        </p:nvSpPr>
+        <p:spPr>
+          <a:xfrm>
+            <a:off x="6822760" y="6206110"/>
+            <a:ext cx="2759390" cy="646331"/>
+          </a:xfrm>
+          <a:prstGeom prst="rect">
+            <a:avLst/>
+          </a:prstGeom>
+          <a:noFill/>
+        </p:spPr>
+        <p:txBody>
+          <a:bodyPr wrap="square" rtlCol="0">
+            <a:spAutoFit/>
+          </a:bodyPr>
+          <a:lstStyle/>
+          <a:p>
+            <a:r>
+              <a:rPr lang="en-US" sz="3600" b="1" dirty="0"/>
+              <a:t>is_even(7)</a:t>
+            </a:r>
+            <a:endParaRPr lang="en-IN" sz="3600" b="1" dirty="0"/>
+          </a:p>
+        </p:txBody>
+      </p:sp>
     </p:spTree>
     <p:extLst>
       <p:ext uri="{BB962C8B-B14F-4D97-AF65-F5344CB8AC3E}">
@@ -11465,6 +15393,66 @@
           <a:chExt cx="0" cy="0"/>
         </a:xfrm>
       </p:grpSpPr>
+      <p:pic>
+        <p:nvPicPr>
+          <p:cNvPr id="3" name="Picture 2">
+            <a:extLst>
+              <a:ext uri="{FF2B5EF4-FFF2-40B4-BE49-F238E27FC236}">
+                <a16:creationId xmlns:a16="http://schemas.microsoft.com/office/drawing/2014/main" id="{08906085-B4C8-711B-E45A-D294D2B801DE}"/>
+              </a:ext>
+            </a:extLst>
+          </p:cNvPr>
+          <p:cNvPicPr>
+            <a:picLocks noChangeAspect="1"/>
+          </p:cNvPicPr>
+          <p:nvPr/>
+        </p:nvPicPr>
+        <p:blipFill>
+          <a:blip r:embed="rId2"/>
+          <a:stretch>
+            <a:fillRect/>
+          </a:stretch>
+        </p:blipFill>
+        <p:spPr>
+          <a:xfrm>
+            <a:off x="1428750" y="442912"/>
+            <a:ext cx="9334500" cy="5972175"/>
+          </a:xfrm>
+          <a:prstGeom prst="rect">
+            <a:avLst/>
+          </a:prstGeom>
+        </p:spPr>
+      </p:pic>
+      <p:pic>
+        <p:nvPicPr>
+          <p:cNvPr id="5" name="Picture 4">
+            <a:extLst>
+              <a:ext uri="{FF2B5EF4-FFF2-40B4-BE49-F238E27FC236}">
+                <a16:creationId xmlns:a16="http://schemas.microsoft.com/office/drawing/2014/main" id="{172CBAE0-01D5-1C8D-C21E-4A93C707B969}"/>
+              </a:ext>
+            </a:extLst>
+          </p:cNvPr>
+          <p:cNvPicPr>
+            <a:picLocks noChangeAspect="1"/>
+          </p:cNvPicPr>
+          <p:nvPr/>
+        </p:nvPicPr>
+        <p:blipFill>
+          <a:blip r:embed="rId3"/>
+          <a:stretch>
+            <a:fillRect/>
+          </a:stretch>
+        </p:blipFill>
+        <p:spPr>
+          <a:xfrm>
+            <a:off x="9020492" y="0"/>
+            <a:ext cx="1972628" cy="2733675"/>
+          </a:xfrm>
+          <a:prstGeom prst="rect">
+            <a:avLst/>
+          </a:prstGeom>
+        </p:spPr>
+      </p:pic>
     </p:spTree>
     <p:extLst>
       <p:ext uri="{BB962C8B-B14F-4D97-AF65-F5344CB8AC3E}">
